--- a/figures.pptx
+++ b/figures.pptx
@@ -5,8 +5,10 @@
     <p:sldMasterId id="2147483648" r:id="rId1"/>
   </p:sldMasterIdLst>
   <p:sldIdLst>
-    <p:sldId id="256" r:id="rId2"/>
-    <p:sldId id="257" r:id="rId3"/>
+    <p:sldId id="258" r:id="rId2"/>
+    <p:sldId id="256" r:id="rId3"/>
+    <p:sldId id="261" r:id="rId4"/>
+    <p:sldId id="257" r:id="rId5"/>
   </p:sldIdLst>
   <p:sldSz cx="10080625" cy="5670550"/>
   <p:notesSz cx="7559675" cy="10691813"/>
@@ -107,7 +109,18 @@
   </p:defaultTextStyle>
   <p:extLst>
     <p:ext uri="{EFAFB233-063F-42B5-8137-9DF3F51BA10A}">
-      <p15:sldGuideLst xmlns:p15="http://schemas.microsoft.com/office/powerpoint/2012/main"/>
+      <p15:sldGuideLst xmlns:p15="http://schemas.microsoft.com/office/powerpoint/2012/main">
+        <p15:guide id="1" orient="horz" pos="1786" userDrawn="1">
+          <p15:clr>
+            <a:srgbClr val="A4A3A4"/>
+          </p15:clr>
+        </p15:guide>
+        <p15:guide id="2" pos="3175" userDrawn="1">
+          <p15:clr>
+            <a:srgbClr val="A4A3A4"/>
+          </p15:clr>
+        </p15:guide>
+      </p15:sldGuideLst>
     </p:ext>
   </p:extLst>
 </p:presentation>
@@ -2151,10 +2164,10 @@
       </p:grpSpPr>
       <p:grpSp>
         <p:nvGrpSpPr>
-          <p:cNvPr id="3" name="Group 2">
+          <p:cNvPr id="2" name="Group 1">
             <a:extLst>
               <a:ext uri="{FF2B5EF4-FFF2-40B4-BE49-F238E27FC236}">
-                <a16:creationId xmlns:a16="http://schemas.microsoft.com/office/drawing/2014/main" id="{96A74A73-61A7-BF30-EDF3-7CC2C9A0750F}"/>
+                <a16:creationId xmlns:a16="http://schemas.microsoft.com/office/drawing/2014/main" id="{9B78DE46-9AFC-1D89-BBAF-727D3AF3359A}"/>
               </a:ext>
             </a:extLst>
           </p:cNvPr>
@@ -2163,10 +2176,1740 @@
         </p:nvGrpSpPr>
         <p:grpSpPr>
           <a:xfrm>
-            <a:off x="2053440" y="1287720"/>
-            <a:ext cx="5773021" cy="2998440"/>
-            <a:chOff x="2053440" y="1287720"/>
-            <a:chExt cx="5773021" cy="2998440"/>
+            <a:off x="1060932" y="367380"/>
+            <a:ext cx="6763577" cy="3994611"/>
+            <a:chOff x="1060932" y="367380"/>
+            <a:chExt cx="6763577" cy="3994611"/>
+          </a:xfrm>
+        </p:grpSpPr>
+        <p:grpSp>
+          <p:nvGrpSpPr>
+            <p:cNvPr id="99" name="Group 98">
+              <a:extLst>
+                <a:ext uri="{FF2B5EF4-FFF2-40B4-BE49-F238E27FC236}">
+                  <a16:creationId xmlns:a16="http://schemas.microsoft.com/office/drawing/2014/main" id="{7DF3A16D-DA5A-3896-B857-7DC3C30D60E4}"/>
+                </a:ext>
+              </a:extLst>
+            </p:cNvPr>
+            <p:cNvGrpSpPr/>
+            <p:nvPr/>
+          </p:nvGrpSpPr>
+          <p:grpSpPr>
+            <a:xfrm>
+              <a:off x="1079872" y="367380"/>
+              <a:ext cx="6744637" cy="3548015"/>
+              <a:chOff x="1079872" y="1807540"/>
+              <a:chExt cx="6744637" cy="3548015"/>
+            </a:xfrm>
+          </p:grpSpPr>
+          <p:cxnSp>
+            <p:nvCxnSpPr>
+              <p:cNvPr id="24" name="Straight Connector 23">
+                <a:extLst>
+                  <a:ext uri="{FF2B5EF4-FFF2-40B4-BE49-F238E27FC236}">
+                    <a16:creationId xmlns:a16="http://schemas.microsoft.com/office/drawing/2014/main" id="{20A04C0F-ADA8-01C8-F75B-95110848A0B5}"/>
+                  </a:ext>
+                </a:extLst>
+              </p:cNvPr>
+              <p:cNvCxnSpPr>
+                <a:cxnSpLocks/>
+              </p:cNvCxnSpPr>
+              <p:nvPr/>
+            </p:nvCxnSpPr>
+            <p:spPr>
+              <a:xfrm>
+                <a:off x="1439912" y="4276050"/>
+                <a:ext cx="2160237" cy="0"/>
+              </a:xfrm>
+              <a:prstGeom prst="line">
+                <a:avLst/>
+              </a:prstGeom>
+              <a:ln w="19050">
+                <a:solidFill>
+                  <a:schemeClr val="tx1"/>
+                </a:solidFill>
+                <a:headEnd type="none"/>
+              </a:ln>
+            </p:spPr>
+            <p:style>
+              <a:lnRef idx="1">
+                <a:schemeClr val="accent1"/>
+              </a:lnRef>
+              <a:fillRef idx="0">
+                <a:schemeClr val="accent1"/>
+              </a:fillRef>
+              <a:effectRef idx="0">
+                <a:schemeClr val="accent1"/>
+              </a:effectRef>
+              <a:fontRef idx="minor">
+                <a:schemeClr val="tx1"/>
+              </a:fontRef>
+            </p:style>
+          </p:cxnSp>
+          <p:cxnSp>
+            <p:nvCxnSpPr>
+              <p:cNvPr id="28" name="Straight Connector 27">
+                <a:extLst>
+                  <a:ext uri="{FF2B5EF4-FFF2-40B4-BE49-F238E27FC236}">
+                    <a16:creationId xmlns:a16="http://schemas.microsoft.com/office/drawing/2014/main" id="{00E60360-9D89-7EB5-17BA-763646B80317}"/>
+                  </a:ext>
+                </a:extLst>
+              </p:cNvPr>
+              <p:cNvCxnSpPr>
+                <a:cxnSpLocks/>
+              </p:cNvCxnSpPr>
+              <p:nvPr/>
+            </p:nvCxnSpPr>
+            <p:spPr>
+              <a:xfrm>
+                <a:off x="3600149" y="3195315"/>
+                <a:ext cx="1440164" cy="0"/>
+              </a:xfrm>
+              <a:prstGeom prst="line">
+                <a:avLst/>
+              </a:prstGeom>
+              <a:ln w="19050">
+                <a:solidFill>
+                  <a:schemeClr val="tx1"/>
+                </a:solidFill>
+                <a:headEnd type="oval"/>
+              </a:ln>
+            </p:spPr>
+            <p:style>
+              <a:lnRef idx="1">
+                <a:schemeClr val="accent1"/>
+              </a:lnRef>
+              <a:fillRef idx="0">
+                <a:schemeClr val="accent1"/>
+              </a:fillRef>
+              <a:effectRef idx="0">
+                <a:schemeClr val="accent1"/>
+              </a:effectRef>
+              <a:fontRef idx="minor">
+                <a:schemeClr val="tx1"/>
+              </a:fontRef>
+            </p:style>
+          </p:cxnSp>
+          <p:cxnSp>
+            <p:nvCxnSpPr>
+              <p:cNvPr id="32" name="Straight Connector 31">
+                <a:extLst>
+                  <a:ext uri="{FF2B5EF4-FFF2-40B4-BE49-F238E27FC236}">
+                    <a16:creationId xmlns:a16="http://schemas.microsoft.com/office/drawing/2014/main" id="{0AEFC53A-5D8B-24CC-2BD8-75F2FB4ED68E}"/>
+                  </a:ext>
+                </a:extLst>
+              </p:cNvPr>
+              <p:cNvCxnSpPr>
+                <a:cxnSpLocks/>
+              </p:cNvCxnSpPr>
+              <p:nvPr/>
+            </p:nvCxnSpPr>
+            <p:spPr>
+              <a:xfrm>
+                <a:off x="5040313" y="3915395"/>
+                <a:ext cx="2160239" cy="0"/>
+              </a:xfrm>
+              <a:prstGeom prst="line">
+                <a:avLst/>
+              </a:prstGeom>
+              <a:ln w="19050" cmpd="sng">
+                <a:solidFill>
+                  <a:schemeClr val="tx1"/>
+                </a:solidFill>
+                <a:headEnd type="oval"/>
+              </a:ln>
+            </p:spPr>
+            <p:style>
+              <a:lnRef idx="1">
+                <a:schemeClr val="accent1"/>
+              </a:lnRef>
+              <a:fillRef idx="0">
+                <a:schemeClr val="accent1"/>
+              </a:fillRef>
+              <a:effectRef idx="0">
+                <a:schemeClr val="accent1"/>
+              </a:effectRef>
+              <a:fontRef idx="minor">
+                <a:schemeClr val="tx1"/>
+              </a:fontRef>
+            </p:style>
+          </p:cxnSp>
+          <p:cxnSp>
+            <p:nvCxnSpPr>
+              <p:cNvPr id="47" name="Straight Connector 46">
+                <a:extLst>
+                  <a:ext uri="{FF2B5EF4-FFF2-40B4-BE49-F238E27FC236}">
+                    <a16:creationId xmlns:a16="http://schemas.microsoft.com/office/drawing/2014/main" id="{455CB1F4-61C6-2141-A84F-079E3F924564}"/>
+                  </a:ext>
+                </a:extLst>
+              </p:cNvPr>
+              <p:cNvCxnSpPr>
+                <a:cxnSpLocks/>
+              </p:cNvCxnSpPr>
+              <p:nvPr/>
+            </p:nvCxnSpPr>
+            <p:spPr>
+              <a:xfrm>
+                <a:off x="1439912" y="3915395"/>
+                <a:ext cx="1440157" cy="0"/>
+              </a:xfrm>
+              <a:prstGeom prst="line">
+                <a:avLst/>
+              </a:prstGeom>
+              <a:ln w="19050">
+                <a:solidFill>
+                  <a:schemeClr val="tx1"/>
+                </a:solidFill>
+                <a:prstDash val="dash"/>
+                <a:headEnd type="none"/>
+              </a:ln>
+            </p:spPr>
+            <p:style>
+              <a:lnRef idx="1">
+                <a:schemeClr val="accent2"/>
+              </a:lnRef>
+              <a:fillRef idx="0">
+                <a:schemeClr val="accent2"/>
+              </a:fillRef>
+              <a:effectRef idx="0">
+                <a:schemeClr val="accent2"/>
+              </a:effectRef>
+              <a:fontRef idx="minor">
+                <a:schemeClr val="tx1"/>
+              </a:fontRef>
+            </p:style>
+          </p:cxnSp>
+          <p:cxnSp>
+            <p:nvCxnSpPr>
+              <p:cNvPr id="53" name="Straight Connector 52">
+                <a:extLst>
+                  <a:ext uri="{FF2B5EF4-FFF2-40B4-BE49-F238E27FC236}">
+                    <a16:creationId xmlns:a16="http://schemas.microsoft.com/office/drawing/2014/main" id="{177F74CA-52B5-B1AC-B70A-DD31E468EBC5}"/>
+                  </a:ext>
+                </a:extLst>
+              </p:cNvPr>
+              <p:cNvCxnSpPr>
+                <a:cxnSpLocks/>
+              </p:cNvCxnSpPr>
+              <p:nvPr/>
+            </p:nvCxnSpPr>
+            <p:spPr>
+              <a:xfrm>
+                <a:off x="2880072" y="2475235"/>
+                <a:ext cx="2160239" cy="0"/>
+              </a:xfrm>
+              <a:prstGeom prst="line">
+                <a:avLst/>
+              </a:prstGeom>
+              <a:ln w="19050">
+                <a:solidFill>
+                  <a:schemeClr val="tx1"/>
+                </a:solidFill>
+                <a:prstDash val="dash"/>
+                <a:headEnd type="oval"/>
+              </a:ln>
+            </p:spPr>
+            <p:style>
+              <a:lnRef idx="1">
+                <a:schemeClr val="accent2"/>
+              </a:lnRef>
+              <a:fillRef idx="0">
+                <a:schemeClr val="accent2"/>
+              </a:fillRef>
+              <a:effectRef idx="0">
+                <a:schemeClr val="accent2"/>
+              </a:effectRef>
+              <a:fontRef idx="minor">
+                <a:schemeClr val="tx1"/>
+              </a:fontRef>
+            </p:style>
+          </p:cxnSp>
+          <p:cxnSp>
+            <p:nvCxnSpPr>
+              <p:cNvPr id="56" name="Straight Connector 55">
+                <a:extLst>
+                  <a:ext uri="{FF2B5EF4-FFF2-40B4-BE49-F238E27FC236}">
+                    <a16:creationId xmlns:a16="http://schemas.microsoft.com/office/drawing/2014/main" id="{E0C59FA4-91C1-6E57-752A-BA926C4D5B1B}"/>
+                  </a:ext>
+                </a:extLst>
+              </p:cNvPr>
+              <p:cNvCxnSpPr>
+                <a:cxnSpLocks/>
+              </p:cNvCxnSpPr>
+              <p:nvPr/>
+            </p:nvCxnSpPr>
+            <p:spPr>
+              <a:xfrm>
+                <a:off x="5040311" y="4275435"/>
+                <a:ext cx="2175522" cy="0"/>
+              </a:xfrm>
+              <a:prstGeom prst="line">
+                <a:avLst/>
+              </a:prstGeom>
+              <a:ln w="19050">
+                <a:solidFill>
+                  <a:schemeClr val="tx1"/>
+                </a:solidFill>
+                <a:prstDash val="dash"/>
+                <a:headEnd type="oval"/>
+              </a:ln>
+            </p:spPr>
+            <p:style>
+              <a:lnRef idx="1">
+                <a:schemeClr val="accent2"/>
+              </a:lnRef>
+              <a:fillRef idx="0">
+                <a:schemeClr val="accent2"/>
+              </a:fillRef>
+              <a:effectRef idx="0">
+                <a:schemeClr val="accent2"/>
+              </a:effectRef>
+              <a:fontRef idx="minor">
+                <a:schemeClr val="tx1"/>
+              </a:fontRef>
+            </p:style>
+          </p:cxnSp>
+          <p:cxnSp>
+            <p:nvCxnSpPr>
+              <p:cNvPr id="58" name="Straight Arrow Connector 57">
+                <a:extLst>
+                  <a:ext uri="{FF2B5EF4-FFF2-40B4-BE49-F238E27FC236}">
+                    <a16:creationId xmlns:a16="http://schemas.microsoft.com/office/drawing/2014/main" id="{DD8A78CE-7BF3-66EF-9136-F15B60642691}"/>
+                  </a:ext>
+                </a:extLst>
+              </p:cNvPr>
+              <p:cNvCxnSpPr>
+                <a:cxnSpLocks/>
+              </p:cNvCxnSpPr>
+              <p:nvPr/>
+            </p:nvCxnSpPr>
+            <p:spPr>
+              <a:xfrm>
+                <a:off x="1439911" y="2115195"/>
+                <a:ext cx="0" cy="3240360"/>
+              </a:xfrm>
+              <a:prstGeom prst="straightConnector1">
+                <a:avLst/>
+              </a:prstGeom>
+              <a:ln w="15875">
+                <a:headEnd type="triangle"/>
+                <a:tailEnd type="triangle"/>
+              </a:ln>
+            </p:spPr>
+            <p:style>
+              <a:lnRef idx="1">
+                <a:schemeClr val="dk1"/>
+              </a:lnRef>
+              <a:fillRef idx="0">
+                <a:schemeClr val="dk1"/>
+              </a:fillRef>
+              <a:effectRef idx="0">
+                <a:schemeClr val="dk1"/>
+              </a:effectRef>
+              <a:fontRef idx="minor">
+                <a:schemeClr val="tx1"/>
+              </a:fontRef>
+            </p:style>
+          </p:cxnSp>
+          <p:cxnSp>
+            <p:nvCxnSpPr>
+              <p:cNvPr id="60" name="Straight Arrow Connector 59">
+                <a:extLst>
+                  <a:ext uri="{FF2B5EF4-FFF2-40B4-BE49-F238E27FC236}">
+                    <a16:creationId xmlns:a16="http://schemas.microsoft.com/office/drawing/2014/main" id="{D6A0A884-FDF2-186A-7C0A-DB921C81D100}"/>
+                  </a:ext>
+                </a:extLst>
+              </p:cNvPr>
+              <p:cNvCxnSpPr>
+                <a:cxnSpLocks/>
+              </p:cNvCxnSpPr>
+              <p:nvPr/>
+            </p:nvCxnSpPr>
+            <p:spPr>
+              <a:xfrm flipH="1">
+                <a:off x="1079872" y="4995515"/>
+                <a:ext cx="6552728" cy="0"/>
+              </a:xfrm>
+              <a:prstGeom prst="straightConnector1">
+                <a:avLst/>
+              </a:prstGeom>
+              <a:ln w="15875">
+                <a:headEnd type="triangle"/>
+                <a:tailEnd type="triangle"/>
+              </a:ln>
+            </p:spPr>
+            <p:style>
+              <a:lnRef idx="1">
+                <a:schemeClr val="dk1"/>
+              </a:lnRef>
+              <a:fillRef idx="0">
+                <a:schemeClr val="dk1"/>
+              </a:fillRef>
+              <a:effectRef idx="0">
+                <a:schemeClr val="dk1"/>
+              </a:effectRef>
+              <a:fontRef idx="minor">
+                <a:schemeClr val="tx1"/>
+              </a:fontRef>
+            </p:style>
+          </p:cxnSp>
+          <p:sp>
+            <p:nvSpPr>
+              <p:cNvPr id="82" name="TextShape 3">
+                <a:extLst>
+                  <a:ext uri="{FF2B5EF4-FFF2-40B4-BE49-F238E27FC236}">
+                    <a16:creationId xmlns:a16="http://schemas.microsoft.com/office/drawing/2014/main" id="{E80AD450-2C30-67FF-E557-347A1845989F}"/>
+                  </a:ext>
+                </a:extLst>
+              </p:cNvPr>
+              <p:cNvSpPr txBox="1"/>
+              <p:nvPr/>
+            </p:nvSpPr>
+            <p:spPr>
+              <a:xfrm>
+                <a:off x="1146521" y="2338885"/>
+                <a:ext cx="306586" cy="272699"/>
+              </a:xfrm>
+              <a:prstGeom prst="rect">
+                <a:avLst/>
+              </a:prstGeom>
+              <a:noFill/>
+              <a:ln>
+                <a:noFill/>
+              </a:ln>
+            </p:spPr>
+            <p:txBody>
+              <a:bodyPr lIns="90000" tIns="45000" rIns="90000" bIns="45000"/>
+              <a:lstStyle/>
+              <a:p>
+                <a:r>
+                  <a:rPr lang="tr-TR" sz="1400" b="0" strike="noStrike" spc="-1" dirty="0">
+                    <a:latin typeface="Lucida Sans" panose="020B0602030504020204" pitchFamily="34" charset="0"/>
+                  </a:rPr>
+                  <a:t>7</a:t>
+                </a:r>
+              </a:p>
+            </p:txBody>
+          </p:sp>
+          <p:sp>
+            <p:nvSpPr>
+              <p:cNvPr id="83" name="TextShape 3">
+                <a:extLst>
+                  <a:ext uri="{FF2B5EF4-FFF2-40B4-BE49-F238E27FC236}">
+                    <a16:creationId xmlns:a16="http://schemas.microsoft.com/office/drawing/2014/main" id="{8B072C30-CD67-3E10-2EDA-E88137843BAA}"/>
+                  </a:ext>
+                </a:extLst>
+              </p:cNvPr>
+              <p:cNvSpPr txBox="1"/>
+              <p:nvPr/>
+            </p:nvSpPr>
+            <p:spPr>
+              <a:xfrm>
+                <a:off x="1146521" y="3058966"/>
+                <a:ext cx="306586" cy="272699"/>
+              </a:xfrm>
+              <a:prstGeom prst="rect">
+                <a:avLst/>
+              </a:prstGeom>
+              <a:noFill/>
+              <a:ln>
+                <a:noFill/>
+              </a:ln>
+            </p:spPr>
+            <p:txBody>
+              <a:bodyPr lIns="90000" tIns="45000" rIns="90000" bIns="45000"/>
+              <a:lstStyle/>
+              <a:p>
+                <a:r>
+                  <a:rPr lang="tr-TR" sz="1400" b="0" strike="noStrike" spc="-1" dirty="0">
+                    <a:latin typeface="Lucida Sans" panose="020B0602030504020204" pitchFamily="34" charset="0"/>
+                  </a:rPr>
+                  <a:t>5</a:t>
+                </a:r>
+              </a:p>
+            </p:txBody>
+          </p:sp>
+          <p:sp>
+            <p:nvSpPr>
+              <p:cNvPr id="84" name="TextShape 3">
+                <a:extLst>
+                  <a:ext uri="{FF2B5EF4-FFF2-40B4-BE49-F238E27FC236}">
+                    <a16:creationId xmlns:a16="http://schemas.microsoft.com/office/drawing/2014/main" id="{74477046-B782-A79C-9E81-555ED6E71741}"/>
+                  </a:ext>
+                </a:extLst>
+              </p:cNvPr>
+              <p:cNvSpPr txBox="1"/>
+              <p:nvPr/>
+            </p:nvSpPr>
+            <p:spPr>
+              <a:xfrm>
+                <a:off x="1146521" y="3779047"/>
+                <a:ext cx="306586" cy="272699"/>
+              </a:xfrm>
+              <a:prstGeom prst="rect">
+                <a:avLst/>
+              </a:prstGeom>
+              <a:noFill/>
+              <a:ln>
+                <a:noFill/>
+              </a:ln>
+            </p:spPr>
+            <p:txBody>
+              <a:bodyPr lIns="90000" tIns="45000" rIns="90000" bIns="45000"/>
+              <a:lstStyle/>
+              <a:p>
+                <a:r>
+                  <a:rPr lang="tr-TR" sz="1400" b="0" strike="noStrike" spc="-1" dirty="0">
+                    <a:latin typeface="Lucida Sans" panose="020B0602030504020204" pitchFamily="34" charset="0"/>
+                  </a:rPr>
+                  <a:t>3</a:t>
+                </a:r>
+              </a:p>
+            </p:txBody>
+          </p:sp>
+          <p:sp>
+            <p:nvSpPr>
+              <p:cNvPr id="85" name="TextShape 3">
+                <a:extLst>
+                  <a:ext uri="{FF2B5EF4-FFF2-40B4-BE49-F238E27FC236}">
+                    <a16:creationId xmlns:a16="http://schemas.microsoft.com/office/drawing/2014/main" id="{565DE3E7-2A7A-5858-BA2F-A2E9BBBF1AC6}"/>
+                  </a:ext>
+                </a:extLst>
+              </p:cNvPr>
+              <p:cNvSpPr txBox="1"/>
+              <p:nvPr/>
+            </p:nvSpPr>
+            <p:spPr>
+              <a:xfrm>
+                <a:off x="1146521" y="4139084"/>
+                <a:ext cx="306586" cy="272699"/>
+              </a:xfrm>
+              <a:prstGeom prst="rect">
+                <a:avLst/>
+              </a:prstGeom>
+              <a:noFill/>
+              <a:ln>
+                <a:noFill/>
+              </a:ln>
+            </p:spPr>
+            <p:txBody>
+              <a:bodyPr lIns="90000" tIns="45000" rIns="90000" bIns="45000"/>
+              <a:lstStyle/>
+              <a:p>
+                <a:r>
+                  <a:rPr lang="tr-TR" sz="1400" b="0" strike="noStrike" spc="-1" dirty="0">
+                    <a:latin typeface="Lucida Sans" panose="020B0602030504020204" pitchFamily="34" charset="0"/>
+                  </a:rPr>
+                  <a:t>2</a:t>
+                </a:r>
+              </a:p>
+            </p:txBody>
+          </p:sp>
+          <p:sp>
+            <p:nvSpPr>
+              <p:cNvPr id="86" name="TextShape 3">
+                <a:extLst>
+                  <a:ext uri="{FF2B5EF4-FFF2-40B4-BE49-F238E27FC236}">
+                    <a16:creationId xmlns:a16="http://schemas.microsoft.com/office/drawing/2014/main" id="{CDF03088-656D-3C08-23C8-4C6033ED3667}"/>
+                  </a:ext>
+                </a:extLst>
+              </p:cNvPr>
+              <p:cNvSpPr txBox="1"/>
+              <p:nvPr/>
+            </p:nvSpPr>
+            <p:spPr>
+              <a:xfrm>
+                <a:off x="2006697" y="4995515"/>
+                <a:ext cx="306586" cy="272699"/>
+              </a:xfrm>
+              <a:prstGeom prst="rect">
+                <a:avLst/>
+              </a:prstGeom>
+              <a:noFill/>
+              <a:ln>
+                <a:noFill/>
+              </a:ln>
+            </p:spPr>
+            <p:txBody>
+              <a:bodyPr lIns="90000" tIns="45000" rIns="90000" bIns="45000"/>
+              <a:lstStyle/>
+              <a:p>
+                <a:r>
+                  <a:rPr lang="tr-TR" sz="1400" strike="noStrike" spc="-1" dirty="0">
+                    <a:latin typeface="Lucida Sans" panose="020B0602030504020204" pitchFamily="34" charset="0"/>
+                  </a:rPr>
+                  <a:t>1</a:t>
+                </a:r>
+              </a:p>
+            </p:txBody>
+          </p:sp>
+          <p:sp>
+            <p:nvSpPr>
+              <p:cNvPr id="87" name="TextShape 3">
+                <a:extLst>
+                  <a:ext uri="{FF2B5EF4-FFF2-40B4-BE49-F238E27FC236}">
+                    <a16:creationId xmlns:a16="http://schemas.microsoft.com/office/drawing/2014/main" id="{7C9AA531-E20F-D6D9-5A6D-103FBF68A817}"/>
+                  </a:ext>
+                </a:extLst>
+              </p:cNvPr>
+              <p:cNvSpPr txBox="1"/>
+              <p:nvPr/>
+            </p:nvSpPr>
+            <p:spPr>
+              <a:xfrm>
+                <a:off x="2726775" y="4995515"/>
+                <a:ext cx="306586" cy="272699"/>
+              </a:xfrm>
+              <a:prstGeom prst="rect">
+                <a:avLst/>
+              </a:prstGeom>
+              <a:noFill/>
+              <a:ln>
+                <a:noFill/>
+              </a:ln>
+            </p:spPr>
+            <p:txBody>
+              <a:bodyPr lIns="90000" tIns="45000" rIns="90000" bIns="45000"/>
+              <a:lstStyle/>
+              <a:p>
+                <a:r>
+                  <a:rPr lang="tr-TR" sz="1400" b="0" strike="noStrike" spc="-1" dirty="0">
+                    <a:latin typeface="Lucida Sans" panose="020B0602030504020204" pitchFamily="34" charset="0"/>
+                  </a:rPr>
+                  <a:t>2</a:t>
+                </a:r>
+              </a:p>
+            </p:txBody>
+          </p:sp>
+          <p:sp>
+            <p:nvSpPr>
+              <p:cNvPr id="88" name="TextShape 3">
+                <a:extLst>
+                  <a:ext uri="{FF2B5EF4-FFF2-40B4-BE49-F238E27FC236}">
+                    <a16:creationId xmlns:a16="http://schemas.microsoft.com/office/drawing/2014/main" id="{C3E7C376-519A-0C9E-50D9-71D9D3D55B33}"/>
+                  </a:ext>
+                </a:extLst>
+              </p:cNvPr>
+              <p:cNvSpPr txBox="1"/>
+              <p:nvPr/>
+            </p:nvSpPr>
+            <p:spPr>
+              <a:xfrm>
+                <a:off x="3446856" y="4995515"/>
+                <a:ext cx="306586" cy="272699"/>
+              </a:xfrm>
+              <a:prstGeom prst="rect">
+                <a:avLst/>
+              </a:prstGeom>
+              <a:noFill/>
+              <a:ln>
+                <a:noFill/>
+              </a:ln>
+            </p:spPr>
+            <p:txBody>
+              <a:bodyPr lIns="90000" tIns="45000" rIns="90000" bIns="45000"/>
+              <a:lstStyle/>
+              <a:p>
+                <a:r>
+                  <a:rPr lang="tr-TR" sz="1400" strike="noStrike" spc="-1" dirty="0">
+                    <a:latin typeface="Lucida Sans" panose="020B0602030504020204" pitchFamily="34" charset="0"/>
+                  </a:rPr>
+                  <a:t>3</a:t>
+                </a:r>
+              </a:p>
+            </p:txBody>
+          </p:sp>
+          <p:sp>
+            <p:nvSpPr>
+              <p:cNvPr id="89" name="TextShape 3">
+                <a:extLst>
+                  <a:ext uri="{FF2B5EF4-FFF2-40B4-BE49-F238E27FC236}">
+                    <a16:creationId xmlns:a16="http://schemas.microsoft.com/office/drawing/2014/main" id="{99513FCC-F398-5266-8C35-0A20D144B781}"/>
+                  </a:ext>
+                </a:extLst>
+              </p:cNvPr>
+              <p:cNvSpPr txBox="1"/>
+              <p:nvPr/>
+            </p:nvSpPr>
+            <p:spPr>
+              <a:xfrm>
+                <a:off x="4166937" y="4995514"/>
+                <a:ext cx="306586" cy="272699"/>
+              </a:xfrm>
+              <a:prstGeom prst="rect">
+                <a:avLst/>
+              </a:prstGeom>
+              <a:noFill/>
+              <a:ln>
+                <a:noFill/>
+              </a:ln>
+            </p:spPr>
+            <p:txBody>
+              <a:bodyPr lIns="90000" tIns="45000" rIns="90000" bIns="45000"/>
+              <a:lstStyle/>
+              <a:p>
+                <a:r>
+                  <a:rPr lang="tr-TR" sz="1400" strike="noStrike" spc="-1" dirty="0">
+                    <a:latin typeface="Lucida Sans" panose="020B0602030504020204" pitchFamily="34" charset="0"/>
+                  </a:rPr>
+                  <a:t>4</a:t>
+                </a:r>
+              </a:p>
+            </p:txBody>
+          </p:sp>
+          <p:sp>
+            <p:nvSpPr>
+              <p:cNvPr id="90" name="TextShape 3">
+                <a:extLst>
+                  <a:ext uri="{FF2B5EF4-FFF2-40B4-BE49-F238E27FC236}">
+                    <a16:creationId xmlns:a16="http://schemas.microsoft.com/office/drawing/2014/main" id="{6924E032-ABE4-B6E6-CEE7-BAB454F48289}"/>
+                  </a:ext>
+                </a:extLst>
+              </p:cNvPr>
+              <p:cNvSpPr txBox="1"/>
+              <p:nvPr/>
+            </p:nvSpPr>
+            <p:spPr>
+              <a:xfrm>
+                <a:off x="4887015" y="4995514"/>
+                <a:ext cx="306586" cy="272699"/>
+              </a:xfrm>
+              <a:prstGeom prst="rect">
+                <a:avLst/>
+              </a:prstGeom>
+              <a:noFill/>
+              <a:ln>
+                <a:noFill/>
+              </a:ln>
+            </p:spPr>
+            <p:txBody>
+              <a:bodyPr lIns="90000" tIns="45000" rIns="90000" bIns="45000"/>
+              <a:lstStyle/>
+              <a:p>
+                <a:r>
+                  <a:rPr lang="tr-TR" sz="1400" b="0" strike="noStrike" spc="-1" dirty="0">
+                    <a:latin typeface="Lucida Sans" panose="020B0602030504020204" pitchFamily="34" charset="0"/>
+                  </a:rPr>
+                  <a:t>5</a:t>
+                </a:r>
+              </a:p>
+            </p:txBody>
+          </p:sp>
+          <p:sp>
+            <p:nvSpPr>
+              <p:cNvPr id="91" name="TextShape 3">
+                <a:extLst>
+                  <a:ext uri="{FF2B5EF4-FFF2-40B4-BE49-F238E27FC236}">
+                    <a16:creationId xmlns:a16="http://schemas.microsoft.com/office/drawing/2014/main" id="{FE34CF02-AB0F-C82D-9EC3-258478BB06D6}"/>
+                  </a:ext>
+                </a:extLst>
+              </p:cNvPr>
+              <p:cNvSpPr txBox="1"/>
+              <p:nvPr/>
+            </p:nvSpPr>
+            <p:spPr>
+              <a:xfrm>
+                <a:off x="5607093" y="4995514"/>
+                <a:ext cx="306586" cy="272699"/>
+              </a:xfrm>
+              <a:prstGeom prst="rect">
+                <a:avLst/>
+              </a:prstGeom>
+              <a:noFill/>
+              <a:ln>
+                <a:noFill/>
+              </a:ln>
+            </p:spPr>
+            <p:txBody>
+              <a:bodyPr lIns="90000" tIns="45000" rIns="90000" bIns="45000"/>
+              <a:lstStyle/>
+              <a:p>
+                <a:r>
+                  <a:rPr lang="tr-TR" sz="1400" b="0" strike="noStrike" spc="-1" dirty="0">
+                    <a:latin typeface="Lucida Sans" panose="020B0602030504020204" pitchFamily="34" charset="0"/>
+                  </a:rPr>
+                  <a:t>6</a:t>
+                </a:r>
+              </a:p>
+            </p:txBody>
+          </p:sp>
+          <p:sp>
+            <p:nvSpPr>
+              <p:cNvPr id="92" name="TextShape 3">
+                <a:extLst>
+                  <a:ext uri="{FF2B5EF4-FFF2-40B4-BE49-F238E27FC236}">
+                    <a16:creationId xmlns:a16="http://schemas.microsoft.com/office/drawing/2014/main" id="{147DFAFD-F147-7932-6916-B060C6CD0BC7}"/>
+                  </a:ext>
+                </a:extLst>
+              </p:cNvPr>
+              <p:cNvSpPr txBox="1"/>
+              <p:nvPr/>
+            </p:nvSpPr>
+            <p:spPr>
+              <a:xfrm>
+                <a:off x="6327174" y="4995514"/>
+                <a:ext cx="306586" cy="272699"/>
+              </a:xfrm>
+              <a:prstGeom prst="rect">
+                <a:avLst/>
+              </a:prstGeom>
+              <a:noFill/>
+              <a:ln>
+                <a:noFill/>
+              </a:ln>
+            </p:spPr>
+            <p:txBody>
+              <a:bodyPr lIns="90000" tIns="45000" rIns="90000" bIns="45000"/>
+              <a:lstStyle/>
+              <a:p>
+                <a:r>
+                  <a:rPr lang="tr-TR" sz="1400" strike="noStrike" spc="-1" dirty="0">
+                    <a:latin typeface="Lucida Sans" panose="020B0602030504020204" pitchFamily="34" charset="0"/>
+                  </a:rPr>
+                  <a:t>7</a:t>
+                </a:r>
+              </a:p>
+            </p:txBody>
+          </p:sp>
+          <p:sp>
+            <p:nvSpPr>
+              <p:cNvPr id="93" name="TextShape 3">
+                <a:extLst>
+                  <a:ext uri="{FF2B5EF4-FFF2-40B4-BE49-F238E27FC236}">
+                    <a16:creationId xmlns:a16="http://schemas.microsoft.com/office/drawing/2014/main" id="{2D25DDB8-12E2-0E65-7E43-CDBC320D9BF0}"/>
+                  </a:ext>
+                </a:extLst>
+              </p:cNvPr>
+              <p:cNvSpPr txBox="1"/>
+              <p:nvPr/>
+            </p:nvSpPr>
+            <p:spPr>
+              <a:xfrm>
+                <a:off x="7047255" y="4995514"/>
+                <a:ext cx="306586" cy="272699"/>
+              </a:xfrm>
+              <a:prstGeom prst="rect">
+                <a:avLst/>
+              </a:prstGeom>
+              <a:noFill/>
+              <a:ln>
+                <a:noFill/>
+              </a:ln>
+            </p:spPr>
+            <p:txBody>
+              <a:bodyPr lIns="90000" tIns="45000" rIns="90000" bIns="45000"/>
+              <a:lstStyle/>
+              <a:p>
+                <a:r>
+                  <a:rPr lang="tr-TR" sz="1400" strike="noStrike" spc="-1" dirty="0">
+                    <a:latin typeface="Lucida Sans" panose="020B0602030504020204" pitchFamily="34" charset="0"/>
+                  </a:rPr>
+                  <a:t>8</a:t>
+                </a:r>
+              </a:p>
+            </p:txBody>
+          </p:sp>
+          <p:sp>
+            <p:nvSpPr>
+              <p:cNvPr id="94" name="TextShape 3">
+                <a:extLst>
+                  <a:ext uri="{FF2B5EF4-FFF2-40B4-BE49-F238E27FC236}">
+                    <a16:creationId xmlns:a16="http://schemas.microsoft.com/office/drawing/2014/main" id="{1EACA767-AE9E-5DD8-4A79-3536FDB4DA31}"/>
+                  </a:ext>
+                </a:extLst>
+              </p:cNvPr>
+              <p:cNvSpPr txBox="1"/>
+              <p:nvPr/>
+            </p:nvSpPr>
+            <p:spPr>
+              <a:xfrm flipH="1">
+                <a:off x="7608486" y="4857477"/>
+                <a:ext cx="216023" cy="272699"/>
+              </a:xfrm>
+              <a:prstGeom prst="rect">
+                <a:avLst/>
+              </a:prstGeom>
+              <a:noFill/>
+              <a:ln>
+                <a:noFill/>
+              </a:ln>
+            </p:spPr>
+            <p:txBody>
+              <a:bodyPr lIns="90000" tIns="45000" rIns="90000" bIns="45000"/>
+              <a:lstStyle/>
+              <a:p>
+                <a:r>
+                  <a:rPr lang="tr-TR" sz="1400" b="0" strike="noStrike" spc="-1" dirty="0">
+                    <a:latin typeface="Lucida Sans" panose="020B0602030504020204" pitchFamily="34" charset="0"/>
+                  </a:rPr>
+                  <a:t>t</a:t>
+                </a:r>
+              </a:p>
+            </p:txBody>
+          </p:sp>
+          <p:sp>
+            <p:nvSpPr>
+              <p:cNvPr id="95" name="TextShape 3">
+                <a:extLst>
+                  <a:ext uri="{FF2B5EF4-FFF2-40B4-BE49-F238E27FC236}">
+                    <a16:creationId xmlns:a16="http://schemas.microsoft.com/office/drawing/2014/main" id="{834B2CBD-1FBF-8829-157C-E481CFEF12F0}"/>
+                  </a:ext>
+                </a:extLst>
+              </p:cNvPr>
+              <p:cNvSpPr txBox="1"/>
+              <p:nvPr/>
+            </p:nvSpPr>
+            <p:spPr>
+              <a:xfrm>
+                <a:off x="1223889" y="1807540"/>
+                <a:ext cx="576064" cy="272699"/>
+              </a:xfrm>
+              <a:prstGeom prst="rect">
+                <a:avLst/>
+              </a:prstGeom>
+              <a:noFill/>
+              <a:ln>
+                <a:noFill/>
+              </a:ln>
+            </p:spPr>
+            <p:txBody>
+              <a:bodyPr lIns="90000" tIns="45000" rIns="90000" bIns="45000"/>
+              <a:lstStyle/>
+              <a:p>
+                <a:r>
+                  <a:rPr lang="tr-TR" sz="1400" b="0" strike="noStrike" spc="-1" dirty="0">
+                    <a:latin typeface="Lucida Sans" panose="020B0602030504020204" pitchFamily="34" charset="0"/>
+                  </a:rPr>
+                  <a:t>x</a:t>
+                </a:r>
+                <a:r>
+                  <a:rPr lang="tr-TR" sz="1400" b="0" strike="noStrike" spc="-1" baseline="-25000" dirty="0">
+                    <a:latin typeface="Lucida Sans" panose="020B0602030504020204" pitchFamily="34" charset="0"/>
+                  </a:rPr>
+                  <a:t>i</a:t>
+                </a:r>
+                <a:r>
+                  <a:rPr lang="tr-TR" sz="1400" b="0" strike="noStrike" spc="-1" dirty="0">
+                    <a:latin typeface="Lucida Sans" panose="020B0602030504020204" pitchFamily="34" charset="0"/>
+                  </a:rPr>
+                  <a:t>(t)</a:t>
+                </a:r>
+              </a:p>
+            </p:txBody>
+          </p:sp>
+          <p:sp>
+            <p:nvSpPr>
+              <p:cNvPr id="97" name="TextShape 3">
+                <a:extLst>
+                  <a:ext uri="{FF2B5EF4-FFF2-40B4-BE49-F238E27FC236}">
+                    <a16:creationId xmlns:a16="http://schemas.microsoft.com/office/drawing/2014/main" id="{1D8FD680-3E04-B131-CE6C-9D68F2035E0F}"/>
+                  </a:ext>
+                </a:extLst>
+              </p:cNvPr>
+              <p:cNvSpPr txBox="1"/>
+              <p:nvPr/>
+            </p:nvSpPr>
+            <p:spPr>
+              <a:xfrm>
+                <a:off x="7055270" y="3673076"/>
+                <a:ext cx="386350" cy="254378"/>
+              </a:xfrm>
+              <a:prstGeom prst="rect">
+                <a:avLst/>
+              </a:prstGeom>
+              <a:noFill/>
+              <a:ln>
+                <a:noFill/>
+              </a:ln>
+            </p:spPr>
+            <p:txBody>
+              <a:bodyPr lIns="90000" tIns="45000" rIns="90000" bIns="45000"/>
+              <a:lstStyle/>
+              <a:p>
+                <a:r>
+                  <a:rPr lang="tr-TR" sz="1200" b="0" strike="noStrike" spc="-1" dirty="0">
+                    <a:latin typeface="Lucida Sans" panose="020B0602030504020204" pitchFamily="34" charset="0"/>
+                  </a:rPr>
+                  <a:t>x</a:t>
+                </a:r>
+                <a:r>
+                  <a:rPr lang="tr-TR" sz="1200" b="0" strike="noStrike" spc="-1" baseline="-25000" dirty="0">
+                    <a:latin typeface="Lucida Sans" panose="020B0602030504020204" pitchFamily="34" charset="0"/>
+                  </a:rPr>
+                  <a:t>1</a:t>
+                </a:r>
+                <a:endParaRPr lang="tr-TR" sz="1200" b="0" strike="noStrike" spc="-1" dirty="0">
+                  <a:latin typeface="Lucida Sans" panose="020B0602030504020204" pitchFamily="34" charset="0"/>
+                </a:endParaRPr>
+              </a:p>
+            </p:txBody>
+          </p:sp>
+          <p:sp>
+            <p:nvSpPr>
+              <p:cNvPr id="98" name="TextShape 3">
+                <a:extLst>
+                  <a:ext uri="{FF2B5EF4-FFF2-40B4-BE49-F238E27FC236}">
+                    <a16:creationId xmlns:a16="http://schemas.microsoft.com/office/drawing/2014/main" id="{261995F8-66B4-27A4-2322-3525965F8EAB}"/>
+                  </a:ext>
+                </a:extLst>
+              </p:cNvPr>
+              <p:cNvSpPr txBox="1"/>
+              <p:nvPr/>
+            </p:nvSpPr>
+            <p:spPr>
+              <a:xfrm>
+                <a:off x="7068424" y="4038920"/>
+                <a:ext cx="360041" cy="248196"/>
+              </a:xfrm>
+              <a:prstGeom prst="rect">
+                <a:avLst/>
+              </a:prstGeom>
+              <a:noFill/>
+              <a:ln>
+                <a:noFill/>
+              </a:ln>
+            </p:spPr>
+            <p:txBody>
+              <a:bodyPr lIns="90000" tIns="45000" rIns="90000" bIns="45000"/>
+              <a:lstStyle/>
+              <a:p>
+                <a:r>
+                  <a:rPr lang="tr-TR" sz="1200" b="0" strike="noStrike" spc="-1" dirty="0">
+                    <a:latin typeface="Lucida Sans" panose="020B0602030504020204" pitchFamily="34" charset="0"/>
+                  </a:rPr>
+                  <a:t>x</a:t>
+                </a:r>
+                <a:r>
+                  <a:rPr lang="tr-TR" sz="1200" spc="-1" baseline="-25000" dirty="0">
+                    <a:latin typeface="Lucida Sans" panose="020B0602030504020204" pitchFamily="34" charset="0"/>
+                  </a:rPr>
+                  <a:t>2</a:t>
+                </a:r>
+                <a:endParaRPr lang="tr-TR" sz="1200" b="0" strike="noStrike" spc="-1" dirty="0">
+                  <a:latin typeface="Lucida Sans" panose="020B0602030504020204" pitchFamily="34" charset="0"/>
+                </a:endParaRPr>
+              </a:p>
+            </p:txBody>
+          </p:sp>
+        </p:grpSp>
+        <p:sp>
+          <p:nvSpPr>
+            <p:cNvPr id="111" name="Rectangle: Rounded Corners 110">
+              <a:extLst>
+                <a:ext uri="{FF2B5EF4-FFF2-40B4-BE49-F238E27FC236}">
+                  <a16:creationId xmlns:a16="http://schemas.microsoft.com/office/drawing/2014/main" id="{0338EBFA-2A79-99A9-0619-2AD310544EBB}"/>
+                </a:ext>
+              </a:extLst>
+            </p:cNvPr>
+            <p:cNvSpPr/>
+            <p:nvPr/>
+          </p:nvSpPr>
+          <p:spPr>
+            <a:xfrm>
+              <a:off x="1439911" y="966569"/>
+              <a:ext cx="2880000" cy="144000"/>
+            </a:xfrm>
+            <a:prstGeom prst="roundRect">
+              <a:avLst/>
+            </a:prstGeom>
+            <a:solidFill>
+              <a:schemeClr val="bg1">
+                <a:lumMod val="75000"/>
+                <a:alpha val="50000"/>
+              </a:schemeClr>
+            </a:solidFill>
+            <a:ln>
+              <a:noFill/>
+            </a:ln>
+          </p:spPr>
+          <p:style>
+            <a:lnRef idx="0">
+              <a:scrgbClr r="0" g="0" b="0"/>
+            </a:lnRef>
+            <a:fillRef idx="0">
+              <a:scrgbClr r="0" g="0" b="0"/>
+            </a:fillRef>
+            <a:effectRef idx="0">
+              <a:scrgbClr r="0" g="0" b="0"/>
+            </a:effectRef>
+            <a:fontRef idx="minor">
+              <a:schemeClr val="lt1"/>
+            </a:fontRef>
+          </p:style>
+          <p:txBody>
+            <a:bodyPr rtlCol="0" anchor="ctr"/>
+            <a:lstStyle/>
+            <a:p>
+              <a:pPr algn="ctr"/>
+              <a:endParaRPr lang="en-AT" dirty="0"/>
+            </a:p>
+          </p:txBody>
+        </p:sp>
+        <p:sp>
+          <p:nvSpPr>
+            <p:cNvPr id="112" name="Rectangle: Rounded Corners 111">
+              <a:extLst>
+                <a:ext uri="{FF2B5EF4-FFF2-40B4-BE49-F238E27FC236}">
+                  <a16:creationId xmlns:a16="http://schemas.microsoft.com/office/drawing/2014/main" id="{05398B6F-455B-01F7-6291-637EC4EADA02}"/>
+                </a:ext>
+              </a:extLst>
+            </p:cNvPr>
+            <p:cNvSpPr/>
+            <p:nvPr/>
+          </p:nvSpPr>
+          <p:spPr>
+            <a:xfrm>
+              <a:off x="3598506" y="2774956"/>
+              <a:ext cx="2880322" cy="144000"/>
+            </a:xfrm>
+            <a:prstGeom prst="roundRect">
+              <a:avLst/>
+            </a:prstGeom>
+            <a:solidFill>
+              <a:schemeClr val="bg1">
+                <a:lumMod val="75000"/>
+                <a:alpha val="50000"/>
+              </a:schemeClr>
+            </a:solidFill>
+            <a:ln>
+              <a:noFill/>
+            </a:ln>
+          </p:spPr>
+          <p:style>
+            <a:lnRef idx="0">
+              <a:scrgbClr r="0" g="0" b="0"/>
+            </a:lnRef>
+            <a:fillRef idx="0">
+              <a:scrgbClr r="0" g="0" b="0"/>
+            </a:fillRef>
+            <a:effectRef idx="0">
+              <a:scrgbClr r="0" g="0" b="0"/>
+            </a:effectRef>
+            <a:fontRef idx="minor">
+              <a:schemeClr val="lt1"/>
+            </a:fontRef>
+          </p:style>
+          <p:txBody>
+            <a:bodyPr rtlCol="0" anchor="ctr"/>
+            <a:lstStyle/>
+            <a:p>
+              <a:pPr algn="ctr"/>
+              <a:endParaRPr lang="en-AT" dirty="0"/>
+            </a:p>
+          </p:txBody>
+        </p:sp>
+        <p:sp>
+          <p:nvSpPr>
+            <p:cNvPr id="113" name="Rectangle: Rounded Corners 112">
+              <a:extLst>
+                <a:ext uri="{FF2B5EF4-FFF2-40B4-BE49-F238E27FC236}">
+                  <a16:creationId xmlns:a16="http://schemas.microsoft.com/office/drawing/2014/main" id="{D445083C-8DFC-53C1-A887-43C099474EBA}"/>
+                </a:ext>
+              </a:extLst>
+            </p:cNvPr>
+            <p:cNvSpPr/>
+            <p:nvPr/>
+          </p:nvSpPr>
+          <p:spPr>
+            <a:xfrm>
+              <a:off x="2160230" y="1683147"/>
+              <a:ext cx="2160000" cy="144000"/>
+            </a:xfrm>
+            <a:prstGeom prst="roundRect">
+              <a:avLst/>
+            </a:prstGeom>
+            <a:solidFill>
+              <a:schemeClr val="bg1">
+                <a:lumMod val="75000"/>
+                <a:alpha val="50000"/>
+              </a:schemeClr>
+            </a:solidFill>
+            <a:ln>
+              <a:noFill/>
+            </a:ln>
+          </p:spPr>
+          <p:style>
+            <a:lnRef idx="0">
+              <a:scrgbClr r="0" g="0" b="0"/>
+            </a:lnRef>
+            <a:fillRef idx="0">
+              <a:scrgbClr r="0" g="0" b="0"/>
+            </a:fillRef>
+            <a:effectRef idx="0">
+              <a:scrgbClr r="0" g="0" b="0"/>
+            </a:effectRef>
+            <a:fontRef idx="minor">
+              <a:schemeClr val="lt1"/>
+            </a:fontRef>
+          </p:style>
+          <p:txBody>
+            <a:bodyPr rtlCol="0" anchor="ctr"/>
+            <a:lstStyle/>
+            <a:p>
+              <a:pPr algn="ctr"/>
+              <a:endParaRPr lang="en-AT" dirty="0"/>
+            </a:p>
+          </p:txBody>
+        </p:sp>
+        <p:sp>
+          <p:nvSpPr>
+            <p:cNvPr id="114" name="Rectangle: Rounded Corners 113">
+              <a:extLst>
+                <a:ext uri="{FF2B5EF4-FFF2-40B4-BE49-F238E27FC236}">
+                  <a16:creationId xmlns:a16="http://schemas.microsoft.com/office/drawing/2014/main" id="{2D195088-3C37-5D7C-B7C0-87F37CD97F69}"/>
+                </a:ext>
+              </a:extLst>
+            </p:cNvPr>
+            <p:cNvSpPr/>
+            <p:nvPr/>
+          </p:nvSpPr>
+          <p:spPr>
+            <a:xfrm>
+              <a:off x="4318829" y="2402995"/>
+              <a:ext cx="2160000" cy="144000"/>
+            </a:xfrm>
+            <a:prstGeom prst="roundRect">
+              <a:avLst/>
+            </a:prstGeom>
+            <a:solidFill>
+              <a:schemeClr val="bg1">
+                <a:lumMod val="75000"/>
+                <a:alpha val="50000"/>
+              </a:schemeClr>
+            </a:solidFill>
+            <a:ln>
+              <a:noFill/>
+            </a:ln>
+          </p:spPr>
+          <p:style>
+            <a:lnRef idx="0">
+              <a:scrgbClr r="0" g="0" b="0"/>
+            </a:lnRef>
+            <a:fillRef idx="0">
+              <a:scrgbClr r="0" g="0" b="0"/>
+            </a:fillRef>
+            <a:effectRef idx="0">
+              <a:scrgbClr r="0" g="0" b="0"/>
+            </a:effectRef>
+            <a:fontRef idx="minor">
+              <a:schemeClr val="lt1"/>
+            </a:fontRef>
+          </p:style>
+          <p:txBody>
+            <a:bodyPr rtlCol="0" anchor="ctr"/>
+            <a:lstStyle/>
+            <a:p>
+              <a:pPr algn="ctr"/>
+              <a:endParaRPr lang="en-AT" dirty="0"/>
+            </a:p>
+          </p:txBody>
+        </p:sp>
+        <p:sp>
+          <p:nvSpPr>
+            <p:cNvPr id="115" name="TextShape 3">
+              <a:extLst>
+                <a:ext uri="{FF2B5EF4-FFF2-40B4-BE49-F238E27FC236}">
+                  <a16:creationId xmlns:a16="http://schemas.microsoft.com/office/drawing/2014/main" id="{22C9AF08-28CC-459A-984C-74CA6532A120}"/>
+                </a:ext>
+              </a:extLst>
+            </p:cNvPr>
+            <p:cNvSpPr txBox="1"/>
+            <p:nvPr/>
+          </p:nvSpPr>
+          <p:spPr>
+            <a:xfrm>
+              <a:off x="1158973" y="3550016"/>
+              <a:ext cx="306586" cy="272699"/>
+            </a:xfrm>
+            <a:prstGeom prst="rect">
+              <a:avLst/>
+            </a:prstGeom>
+            <a:noFill/>
+            <a:ln>
+              <a:noFill/>
+            </a:ln>
+          </p:spPr>
+          <p:txBody>
+            <a:bodyPr lIns="90000" tIns="45000" rIns="90000" bIns="45000"/>
+            <a:lstStyle/>
+            <a:p>
+              <a:r>
+                <a:rPr lang="tr-TR" sz="1400" strike="noStrike" spc="-1" dirty="0">
+                  <a:latin typeface="Lucida Sans" panose="020B0602030504020204" pitchFamily="34" charset="0"/>
+                </a:rPr>
+                <a:t>0</a:t>
+              </a:r>
+            </a:p>
+          </p:txBody>
+        </p:sp>
+        <p:sp>
+          <p:nvSpPr>
+            <p:cNvPr id="117" name="Rectangle: Rounded Corners 116">
+              <a:extLst>
+                <a:ext uri="{FF2B5EF4-FFF2-40B4-BE49-F238E27FC236}">
+                  <a16:creationId xmlns:a16="http://schemas.microsoft.com/office/drawing/2014/main" id="{C68F2B9E-D281-D344-30AA-1EF47B27A8CF}"/>
+                </a:ext>
+              </a:extLst>
+            </p:cNvPr>
+            <p:cNvSpPr/>
+            <p:nvPr/>
+          </p:nvSpPr>
+          <p:spPr>
+            <a:xfrm>
+              <a:off x="1438829" y="4092476"/>
+              <a:ext cx="721399" cy="267360"/>
+            </a:xfrm>
+            <a:prstGeom prst="roundRect">
+              <a:avLst/>
+            </a:prstGeom>
+            <a:solidFill>
+              <a:schemeClr val="bg1">
+                <a:lumMod val="75000"/>
+                <a:alpha val="50000"/>
+              </a:schemeClr>
+            </a:solidFill>
+            <a:ln w="19050">
+              <a:solidFill>
+                <a:schemeClr val="tx1"/>
+              </a:solidFill>
+            </a:ln>
+          </p:spPr>
+          <p:style>
+            <a:lnRef idx="0">
+              <a:scrgbClr r="0" g="0" b="0"/>
+            </a:lnRef>
+            <a:fillRef idx="0">
+              <a:scrgbClr r="0" g="0" b="0"/>
+            </a:fillRef>
+            <a:effectRef idx="0">
+              <a:scrgbClr r="0" g="0" b="0"/>
+            </a:effectRef>
+            <a:fontRef idx="minor">
+              <a:schemeClr val="lt1"/>
+            </a:fontRef>
+          </p:style>
+          <p:txBody>
+            <a:bodyPr rtlCol="0" anchor="ctr"/>
+            <a:lstStyle/>
+            <a:p>
+              <a:pPr algn="ctr"/>
+              <a:r>
+                <a:rPr lang="tr-TR" sz="1100" dirty="0">
+                  <a:solidFill>
+                    <a:schemeClr val="tx1"/>
+                  </a:solidFill>
+                  <a:latin typeface="Lucida Sans" panose="020B0602030504020204" pitchFamily="34" charset="0"/>
+                </a:rPr>
+                <a:t>[0,1)</a:t>
+              </a:r>
+              <a:endParaRPr lang="en-AT" sz="1100" dirty="0">
+                <a:solidFill>
+                  <a:schemeClr val="tx1"/>
+                </a:solidFill>
+                <a:latin typeface="Lucida Sans" panose="020B0602030504020204" pitchFamily="34" charset="0"/>
+              </a:endParaRPr>
+            </a:p>
+          </p:txBody>
+        </p:sp>
+        <p:sp>
+          <p:nvSpPr>
+            <p:cNvPr id="118" name="Rectangle: Rounded Corners 117">
+              <a:extLst>
+                <a:ext uri="{FF2B5EF4-FFF2-40B4-BE49-F238E27FC236}">
+                  <a16:creationId xmlns:a16="http://schemas.microsoft.com/office/drawing/2014/main" id="{9A0222FD-789C-3FFC-F7C8-273D218DB41E}"/>
+                </a:ext>
+              </a:extLst>
+            </p:cNvPr>
+            <p:cNvSpPr/>
+            <p:nvPr/>
+          </p:nvSpPr>
+          <p:spPr>
+            <a:xfrm>
+              <a:off x="2158512" y="4094631"/>
+              <a:ext cx="1439995" cy="267360"/>
+            </a:xfrm>
+            <a:prstGeom prst="roundRect">
+              <a:avLst/>
+            </a:prstGeom>
+            <a:solidFill>
+              <a:schemeClr val="bg1">
+                <a:lumMod val="75000"/>
+                <a:alpha val="50000"/>
+              </a:schemeClr>
+            </a:solidFill>
+            <a:ln w="19050">
+              <a:solidFill>
+                <a:schemeClr val="tx1"/>
+              </a:solidFill>
+            </a:ln>
+          </p:spPr>
+          <p:style>
+            <a:lnRef idx="0">
+              <a:scrgbClr r="0" g="0" b="0"/>
+            </a:lnRef>
+            <a:fillRef idx="0">
+              <a:scrgbClr r="0" g="0" b="0"/>
+            </a:fillRef>
+            <a:effectRef idx="0">
+              <a:scrgbClr r="0" g="0" b="0"/>
+            </a:effectRef>
+            <a:fontRef idx="minor">
+              <a:schemeClr val="lt1"/>
+            </a:fontRef>
+          </p:style>
+          <p:txBody>
+            <a:bodyPr rtlCol="0" anchor="ctr"/>
+            <a:lstStyle/>
+            <a:p>
+              <a:pPr algn="ctr"/>
+              <a:r>
+                <a:rPr lang="tr-TR" sz="1100" dirty="0">
+                  <a:solidFill>
+                    <a:schemeClr val="tx1"/>
+                  </a:solidFill>
+                  <a:latin typeface="Lucida Sans" panose="020B0602030504020204" pitchFamily="34" charset="0"/>
+                </a:rPr>
+                <a:t>[1,3)</a:t>
+              </a:r>
+              <a:endParaRPr lang="en-AT" sz="1100" dirty="0">
+                <a:solidFill>
+                  <a:schemeClr val="tx1"/>
+                </a:solidFill>
+                <a:latin typeface="Lucida Sans" panose="020B0602030504020204" pitchFamily="34" charset="0"/>
+              </a:endParaRPr>
+            </a:p>
+          </p:txBody>
+        </p:sp>
+        <p:sp>
+          <p:nvSpPr>
+            <p:cNvPr id="119" name="Rectangle: Rounded Corners 118">
+              <a:extLst>
+                <a:ext uri="{FF2B5EF4-FFF2-40B4-BE49-F238E27FC236}">
+                  <a16:creationId xmlns:a16="http://schemas.microsoft.com/office/drawing/2014/main" id="{8A89B381-DDE2-ADAB-C1A3-C95B9148C54B}"/>
+                </a:ext>
+              </a:extLst>
+            </p:cNvPr>
+            <p:cNvSpPr/>
+            <p:nvPr/>
+          </p:nvSpPr>
+          <p:spPr>
+            <a:xfrm>
+              <a:off x="3598193" y="4091788"/>
+              <a:ext cx="719998" cy="267360"/>
+            </a:xfrm>
+            <a:prstGeom prst="roundRect">
+              <a:avLst/>
+            </a:prstGeom>
+            <a:solidFill>
+              <a:schemeClr val="bg1">
+                <a:lumMod val="75000"/>
+                <a:alpha val="50000"/>
+              </a:schemeClr>
+            </a:solidFill>
+            <a:ln w="19050">
+              <a:solidFill>
+                <a:schemeClr val="tx1"/>
+              </a:solidFill>
+            </a:ln>
+          </p:spPr>
+          <p:style>
+            <a:lnRef idx="0">
+              <a:scrgbClr r="0" g="0" b="0"/>
+            </a:lnRef>
+            <a:fillRef idx="0">
+              <a:scrgbClr r="0" g="0" b="0"/>
+            </a:fillRef>
+            <a:effectRef idx="0">
+              <a:scrgbClr r="0" g="0" b="0"/>
+            </a:effectRef>
+            <a:fontRef idx="minor">
+              <a:schemeClr val="lt1"/>
+            </a:fontRef>
+          </p:style>
+          <p:txBody>
+            <a:bodyPr rtlCol="0" anchor="ctr"/>
+            <a:lstStyle/>
+            <a:p>
+              <a:pPr algn="ctr"/>
+              <a:r>
+                <a:rPr lang="tr-TR" sz="1100" dirty="0">
+                  <a:solidFill>
+                    <a:schemeClr val="tx1"/>
+                  </a:solidFill>
+                  <a:latin typeface="Lucida Sans" panose="020B0602030504020204" pitchFamily="34" charset="0"/>
+                </a:rPr>
+                <a:t>[3,4)</a:t>
+              </a:r>
+              <a:endParaRPr lang="en-AT" sz="1100" dirty="0">
+                <a:solidFill>
+                  <a:schemeClr val="tx1"/>
+                </a:solidFill>
+                <a:latin typeface="Lucida Sans" panose="020B0602030504020204" pitchFamily="34" charset="0"/>
+              </a:endParaRPr>
+            </a:p>
+          </p:txBody>
+        </p:sp>
+        <p:sp>
+          <p:nvSpPr>
+            <p:cNvPr id="120" name="Rectangle: Rounded Corners 119">
+              <a:extLst>
+                <a:ext uri="{FF2B5EF4-FFF2-40B4-BE49-F238E27FC236}">
+                  <a16:creationId xmlns:a16="http://schemas.microsoft.com/office/drawing/2014/main" id="{35F7C927-AE8A-1B55-8BE0-BBCE43CA2757}"/>
+                </a:ext>
+              </a:extLst>
+            </p:cNvPr>
+            <p:cNvSpPr/>
+            <p:nvPr/>
+          </p:nvSpPr>
+          <p:spPr>
+            <a:xfrm>
+              <a:off x="4316473" y="4091788"/>
+              <a:ext cx="2162355" cy="267360"/>
+            </a:xfrm>
+            <a:prstGeom prst="roundRect">
+              <a:avLst/>
+            </a:prstGeom>
+            <a:solidFill>
+              <a:schemeClr val="bg1">
+                <a:lumMod val="75000"/>
+                <a:alpha val="50000"/>
+              </a:schemeClr>
+            </a:solidFill>
+            <a:ln w="19050">
+              <a:solidFill>
+                <a:schemeClr val="tx1"/>
+              </a:solidFill>
+            </a:ln>
+          </p:spPr>
+          <p:style>
+            <a:lnRef idx="0">
+              <a:scrgbClr r="0" g="0" b="0"/>
+            </a:lnRef>
+            <a:fillRef idx="0">
+              <a:scrgbClr r="0" g="0" b="0"/>
+            </a:fillRef>
+            <a:effectRef idx="0">
+              <a:scrgbClr r="0" g="0" b="0"/>
+            </a:effectRef>
+            <a:fontRef idx="minor">
+              <a:schemeClr val="lt1"/>
+            </a:fontRef>
+          </p:style>
+          <p:txBody>
+            <a:bodyPr rtlCol="0" anchor="ctr"/>
+            <a:lstStyle/>
+            <a:p>
+              <a:pPr algn="ctr"/>
+              <a:r>
+                <a:rPr lang="tr-TR" sz="1100" dirty="0">
+                  <a:solidFill>
+                    <a:schemeClr val="tx1"/>
+                  </a:solidFill>
+                  <a:latin typeface="Lucida Sans" panose="020B0602030504020204" pitchFamily="34" charset="0"/>
+                </a:rPr>
+                <a:t>[4,7)</a:t>
+              </a:r>
+              <a:endParaRPr lang="en-AT" sz="1100" dirty="0">
+                <a:solidFill>
+                  <a:schemeClr val="tx1"/>
+                </a:solidFill>
+                <a:latin typeface="Lucida Sans" panose="020B0602030504020204" pitchFamily="34" charset="0"/>
+              </a:endParaRPr>
+            </a:p>
+          </p:txBody>
+        </p:sp>
+        <p:sp>
+          <p:nvSpPr>
+            <p:cNvPr id="121" name="Rectangle: Rounded Corners 120">
+              <a:extLst>
+                <a:ext uri="{FF2B5EF4-FFF2-40B4-BE49-F238E27FC236}">
+                  <a16:creationId xmlns:a16="http://schemas.microsoft.com/office/drawing/2014/main" id="{FB959EF1-9B1A-9E08-3A43-469BAF647BEE}"/>
+                </a:ext>
+              </a:extLst>
+            </p:cNvPr>
+            <p:cNvSpPr/>
+            <p:nvPr/>
+          </p:nvSpPr>
+          <p:spPr>
+            <a:xfrm>
+              <a:off x="6478828" y="4091788"/>
+              <a:ext cx="737005" cy="267360"/>
+            </a:xfrm>
+            <a:prstGeom prst="roundRect">
+              <a:avLst/>
+            </a:prstGeom>
+            <a:solidFill>
+              <a:schemeClr val="bg1">
+                <a:lumMod val="75000"/>
+                <a:alpha val="50000"/>
+              </a:schemeClr>
+            </a:solidFill>
+            <a:ln w="19050">
+              <a:solidFill>
+                <a:schemeClr val="tx1"/>
+              </a:solidFill>
+            </a:ln>
+          </p:spPr>
+          <p:style>
+            <a:lnRef idx="0">
+              <a:scrgbClr r="0" g="0" b="0"/>
+            </a:lnRef>
+            <a:fillRef idx="0">
+              <a:scrgbClr r="0" g="0" b="0"/>
+            </a:fillRef>
+            <a:effectRef idx="0">
+              <a:scrgbClr r="0" g="0" b="0"/>
+            </a:effectRef>
+            <a:fontRef idx="minor">
+              <a:schemeClr val="lt1"/>
+            </a:fontRef>
+          </p:style>
+          <p:txBody>
+            <a:bodyPr rtlCol="0" anchor="ctr"/>
+            <a:lstStyle/>
+            <a:p>
+              <a:pPr algn="ctr"/>
+              <a:r>
+                <a:rPr lang="tr-TR" sz="1100" dirty="0">
+                  <a:solidFill>
+                    <a:schemeClr val="tx1"/>
+                  </a:solidFill>
+                  <a:latin typeface="Lucida Sans" panose="020B0602030504020204" pitchFamily="34" charset="0"/>
+                </a:rPr>
+                <a:t>[7,8)</a:t>
+              </a:r>
+              <a:endParaRPr lang="en-AT" sz="1100" dirty="0">
+                <a:solidFill>
+                  <a:schemeClr val="tx1"/>
+                </a:solidFill>
+                <a:latin typeface="Lucida Sans" panose="020B0602030504020204" pitchFamily="34" charset="0"/>
+              </a:endParaRPr>
+            </a:p>
+          </p:txBody>
+        </p:sp>
+        <p:sp>
+          <p:nvSpPr>
+            <p:cNvPr id="123" name="TextShape 3">
+              <a:extLst>
+                <a:ext uri="{FF2B5EF4-FFF2-40B4-BE49-F238E27FC236}">
+                  <a16:creationId xmlns:a16="http://schemas.microsoft.com/office/drawing/2014/main" id="{32F5CA81-7772-6546-67C5-2ABEA7A25339}"/>
+                </a:ext>
+              </a:extLst>
+            </p:cNvPr>
+            <p:cNvSpPr txBox="1"/>
+            <p:nvPr/>
+          </p:nvSpPr>
+          <p:spPr>
+            <a:xfrm>
+              <a:off x="1060932" y="4080084"/>
+              <a:ext cx="477763" cy="267359"/>
+            </a:xfrm>
+            <a:prstGeom prst="rect">
+              <a:avLst/>
+            </a:prstGeom>
+            <a:noFill/>
+            <a:ln>
+              <a:noFill/>
+            </a:ln>
+          </p:spPr>
+          <p:txBody>
+            <a:bodyPr lIns="90000" tIns="45000" rIns="90000" bIns="45000"/>
+            <a:lstStyle/>
+            <a:p>
+              <a:r>
+                <a:rPr lang="tr-TR" sz="1400" b="0" strike="noStrike" spc="-1" dirty="0">
+                  <a:latin typeface="Lucida Sans" panose="020B0602030504020204" pitchFamily="34" charset="0"/>
+                </a:rPr>
+                <a:t>G</a:t>
+              </a:r>
+              <a:r>
+                <a:rPr lang="tr-TR" sz="1400" b="0" strike="noStrike" spc="-1" baseline="-25000" dirty="0">
+                  <a:latin typeface="Lucida Sans" panose="020B0602030504020204" pitchFamily="34" charset="0"/>
+                </a:rPr>
+                <a:t>S</a:t>
+              </a:r>
+              <a:endParaRPr lang="tr-TR" sz="1400" b="0" strike="noStrike" spc="-1" dirty="0">
+                <a:latin typeface="Lucida Sans" panose="020B0602030504020204" pitchFamily="34" charset="0"/>
+              </a:endParaRPr>
+            </a:p>
+          </p:txBody>
+        </p:sp>
+      </p:grpSp>
+    </p:spTree>
+    <p:extLst>
+      <p:ext uri="{BB962C8B-B14F-4D97-AF65-F5344CB8AC3E}">
+        <p14:creationId xmlns:p14="http://schemas.microsoft.com/office/powerpoint/2010/main" val="4199685908"/>
+      </p:ext>
+    </p:extLst>
+  </p:cSld>
+  <p:clrMapOvr>
+    <a:masterClrMapping/>
+  </p:clrMapOvr>
+  <p:timing>
+    <p:tnLst>
+      <p:par>
+        <p:cTn id="1" dur="indefinite" restart="never" nodeType="tmRoot">
+          <p:childTnLst>
+            <p:seq>
+              <p:cTn id="2" dur="indefinite" nodeType="mainSeq"/>
+              <p:prevCondLst>
+                <p:cond evt="onPrev" delay="0">
+                  <p:tgtEl>
+                    <p:sldTgt/>
+                  </p:tgtEl>
+                </p:cond>
+              </p:prevCondLst>
+              <p:nextCondLst>
+                <p:cond evt="onNext" delay="0">
+                  <p:tgtEl>
+                    <p:sldTgt/>
+                  </p:tgtEl>
+                </p:cond>
+              </p:nextCondLst>
+            </p:seq>
+          </p:childTnLst>
+        </p:cTn>
+      </p:par>
+    </p:tnLst>
+  </p:timing>
+</p:sld>
+</file>
+
+<file path=ppt/slides/slide2.xml><?xml version="1.0" encoding="utf-8"?>
+<p:sld xmlns:a="http://schemas.openxmlformats.org/drawingml/2006/main" xmlns:r="http://schemas.openxmlformats.org/officeDocument/2006/relationships" xmlns:p="http://schemas.openxmlformats.org/presentationml/2006/main">
+  <p:cSld>
+    <p:spTree>
+      <p:nvGrpSpPr>
+        <p:cNvPr id="1" name=""/>
+        <p:cNvGrpSpPr/>
+        <p:nvPr/>
+      </p:nvGrpSpPr>
+      <p:grpSpPr>
+        <a:xfrm>
+          <a:off x="0" y="0"/>
+          <a:ext cx="0" cy="0"/>
+          <a:chOff x="0" y="0"/>
+          <a:chExt cx="0" cy="0"/>
+        </a:xfrm>
+      </p:grpSpPr>
+      <p:grpSp>
+        <p:nvGrpSpPr>
+          <p:cNvPr id="11" name="Group 10">
+            <a:extLst>
+              <a:ext uri="{FF2B5EF4-FFF2-40B4-BE49-F238E27FC236}">
+                <a16:creationId xmlns:a16="http://schemas.microsoft.com/office/drawing/2014/main" id="{C9E8B080-97F5-166F-EDD0-41CD956B0E9A}"/>
+              </a:ext>
+            </a:extLst>
+          </p:cNvPr>
+          <p:cNvGrpSpPr/>
+          <p:nvPr/>
+        </p:nvGrpSpPr>
+        <p:grpSpPr>
+          <a:xfrm>
+            <a:off x="294706" y="0"/>
+            <a:ext cx="6730804" cy="5139531"/>
+            <a:chOff x="294706" y="0"/>
+            <a:chExt cx="6730804" cy="5139531"/>
           </a:xfrm>
         </p:grpSpPr>
         <p:graphicFrame>
@@ -2176,14 +3919,14 @@
             <p:nvPr>
               <p:extLst>
                 <p:ext uri="{D42A27DB-BD31-4B8C-83A1-F6EECF244321}">
-                  <p14:modId xmlns:p14="http://schemas.microsoft.com/office/powerpoint/2010/main" val="760391127"/>
+                  <p14:modId xmlns:p14="http://schemas.microsoft.com/office/powerpoint/2010/main" val="3094735393"/>
                 </p:ext>
               </p:extLst>
             </p:nvPr>
           </p:nvGraphicFramePr>
           <p:xfrm>
-            <a:off x="2513160" y="1634040"/>
-            <a:ext cx="5075640" cy="731520"/>
+            <a:off x="719832" y="267825"/>
+            <a:ext cx="5936078" cy="1005840"/>
           </p:xfrm>
           <a:graphic>
             <a:graphicData uri="http://schemas.openxmlformats.org/drawingml/2006/table">
@@ -2197,50 +3940,57 @@
                       </a:ext>
                     </a:extLst>
                   </a:gridCol>
-                  <a:gridCol w="563760">
+                  <a:gridCol w="826566">
                     <a:extLst>
                       <a:ext uri="{9D8B030D-6E8A-4147-A177-3AD203B41FA5}">
                         <a16:colId xmlns:a16="http://schemas.microsoft.com/office/drawing/2014/main" val="20001"/>
                       </a:ext>
                     </a:extLst>
                   </a:gridCol>
-                  <a:gridCol w="563760">
+                  <a:gridCol w="1255544">
                     <a:extLst>
                       <a:ext uri="{9D8B030D-6E8A-4147-A177-3AD203B41FA5}">
-                        <a16:colId xmlns:a16="http://schemas.microsoft.com/office/drawing/2014/main" val="20002"/>
+                        <a16:colId xmlns:a16="http://schemas.microsoft.com/office/drawing/2014/main" val="1732260654"/>
                       </a:ext>
                     </a:extLst>
                   </a:gridCol>
-                  <a:gridCol w="1127520">
+                  <a:gridCol w="694713">
                     <a:extLst>
                       <a:ext uri="{9D8B030D-6E8A-4147-A177-3AD203B41FA5}">
-                        <a16:colId xmlns:a16="http://schemas.microsoft.com/office/drawing/2014/main" val="20003"/>
+                        <a16:colId xmlns:a16="http://schemas.microsoft.com/office/drawing/2014/main" val="4033637158"/>
                       </a:ext>
                     </a:extLst>
                   </a:gridCol>
-                  <a:gridCol w="1127520">
+                  <a:gridCol w="654931">
                     <a:extLst>
                       <a:ext uri="{9D8B030D-6E8A-4147-A177-3AD203B41FA5}">
-                        <a16:colId xmlns:a16="http://schemas.microsoft.com/office/drawing/2014/main" val="20004"/>
+                        <a16:colId xmlns:a16="http://schemas.microsoft.com/office/drawing/2014/main" val="1705362943"/>
                       </a:ext>
                     </a:extLst>
                   </a:gridCol>
-                  <a:gridCol w="563760">
+                  <a:gridCol w="672399">
                     <a:extLst>
                       <a:ext uri="{9D8B030D-6E8A-4147-A177-3AD203B41FA5}">
-                        <a16:colId xmlns:a16="http://schemas.microsoft.com/office/drawing/2014/main" val="20005"/>
+                        <a16:colId xmlns:a16="http://schemas.microsoft.com/office/drawing/2014/main" val="2668137148"/>
                       </a:ext>
                     </a:extLst>
                   </a:gridCol>
-                  <a:gridCol w="565560">
+                  <a:gridCol w="689867">
                     <a:extLst>
                       <a:ext uri="{9D8B030D-6E8A-4147-A177-3AD203B41FA5}">
-                        <a16:colId xmlns:a16="http://schemas.microsoft.com/office/drawing/2014/main" val="20006"/>
+                        <a16:colId xmlns:a16="http://schemas.microsoft.com/office/drawing/2014/main" val="3268386636"/>
+                      </a:ext>
+                    </a:extLst>
+                  </a:gridCol>
+                  <a:gridCol w="578298">
+                    <a:extLst>
+                      <a:ext uri="{9D8B030D-6E8A-4147-A177-3AD203B41FA5}">
+                        <a16:colId xmlns:a16="http://schemas.microsoft.com/office/drawing/2014/main" val="532468388"/>
                       </a:ext>
                     </a:extLst>
                   </a:gridCol>
                 </a:tblGrid>
-                <a:tr h="349920">
+                <a:tr h="297591">
                   <a:tc>
                     <a:txBody>
                       <a:bodyPr/>
@@ -2248,14 +3998,14 @@
                       <a:p>
                         <a:pPr algn="ctr"/>
                         <a:r>
-                          <a:rPr lang="en-US" sz="1800" b="0" strike="noStrike" spc="-1" dirty="0">
-                            <a:latin typeface="Arial"/>
+                          <a:rPr lang="en-US" sz="1600" b="0" strike="noStrike" spc="-1" dirty="0">
+                            <a:latin typeface="Lucida Sans" panose="020B0602030504020204" pitchFamily="34" charset="0"/>
                           </a:rPr>
                           <a:t>x</a:t>
                         </a:r>
                         <a:r>
-                          <a:rPr lang="en-US" sz="1800" b="0" strike="noStrike" spc="-1" baseline="-25000" dirty="0">
-                            <a:latin typeface="Arial"/>
+                          <a:rPr lang="en-US" sz="1600" b="0" strike="noStrike" spc="-1" baseline="-25000" dirty="0">
+                            <a:latin typeface="Lucida Sans" panose="020B0602030504020204" pitchFamily="34" charset="0"/>
                           </a:rPr>
                           <a:t>1</a:t>
                         </a:r>
@@ -2274,8 +4024,12 @@
                         <a:headEnd type="none" w="med" len="med"/>
                         <a:tailEnd type="none" w="med" len="med"/>
                       </a:lnR>
-                      <a:lnT w="720">
-                        <a:noFill/>
+                      <a:lnT w="12700" cap="flat" cmpd="sng" algn="ctr">
+                        <a:noFill/>
+                        <a:prstDash val="solid"/>
+                        <a:round/>
+                        <a:headEnd type="none" w="med" len="med"/>
+                        <a:tailEnd type="none" w="med" len="med"/>
                       </a:lnT>
                       <a:lnB w="12700" cap="flat" cmpd="sng" algn="ctr">
                         <a:solidFill>
@@ -2295,7 +4049,9 @@
                         <a:prstDash val="solid"/>
                       </a:lnBlToTr>
                       <a:solidFill>
-                        <a:srgbClr val="B3B3B3"/>
+                        <a:schemeClr val="bg1">
+                          <a:lumMod val="65000"/>
+                        </a:schemeClr>
                       </a:solidFill>
                     </a:tcPr>
                   </a:tc>
@@ -2306,11 +4062,14 @@
                       <a:p>
                         <a:pPr algn="ctr"/>
                         <a:r>
-                          <a:rPr lang="en-US" sz="1800" b="0" strike="noStrike" spc="-1">
-                            <a:latin typeface="Arial"/>
+                          <a:rPr lang="tr-TR" sz="1600" b="0" strike="noStrike" spc="-1" dirty="0">
+                            <a:latin typeface="Lucida Sans" panose="020B0602030504020204" pitchFamily="34" charset="0"/>
                           </a:rPr>
-                          <a:t>0</a:t>
+                          <a:t>2</a:t>
                         </a:r>
+                        <a:endParaRPr lang="en-US" sz="1600" b="0" strike="noStrike" spc="-1" dirty="0">
+                          <a:latin typeface="Lucida Sans" panose="020B0602030504020204" pitchFamily="34" charset="0"/>
+                        </a:endParaRPr>
                       </a:p>
                     </a:txBody>
                     <a:tcPr marL="90000" marR="90000">
@@ -2332,8 +4091,12 @@
                         <a:headEnd type="none" w="med" len="med"/>
                         <a:tailEnd type="none" w="med" len="med"/>
                       </a:lnR>
-                      <a:lnT w="720">
-                        <a:noFill/>
+                      <a:lnT w="12700" cap="flat" cmpd="sng" algn="ctr">
+                        <a:noFill/>
+                        <a:prstDash val="solid"/>
+                        <a:round/>
+                        <a:headEnd type="none" w="med" len="med"/>
+                        <a:tailEnd type="none" w="med" len="med"/>
                       </a:lnT>
                       <a:lnB w="12700" cap="flat" cmpd="sng" algn="ctr">
                         <a:solidFill>
@@ -2353,7 +4116,9 @@
                         <a:prstDash val="solid"/>
                       </a:lnBlToTr>
                       <a:solidFill>
-                        <a:srgbClr val="B3B3B3"/>
+                        <a:schemeClr val="bg1">
+                          <a:lumMod val="65000"/>
+                        </a:schemeClr>
                       </a:solidFill>
                     </a:tcPr>
                   </a:tc>
@@ -2364,11 +4129,12 @@
                       <a:p>
                         <a:pPr algn="ctr"/>
                         <a:r>
-                          <a:rPr lang="en-US" sz="1800" b="0" strike="noStrike" spc="-1">
-                            <a:latin typeface="Arial"/>
+                          <a:rPr lang="tr-TR" sz="1600" b="0" strike="noStrike" spc="-1" dirty="0">
+                            <a:latin typeface="Lucida Sans" panose="020B0602030504020204" pitchFamily="34" charset="0"/>
                           </a:rPr>
-                          <a:t>01</a:t>
+                          <a:t>2⋅5</a:t>
                         </a:r>
+                        <a:endParaRPr lang="en-AT" dirty="0"/>
                       </a:p>
                     </a:txBody>
                     <a:tcPr marL="90000" marR="90000">
@@ -2390,8 +4156,12 @@
                         <a:headEnd type="none" w="med" len="med"/>
                         <a:tailEnd type="none" w="med" len="med"/>
                       </a:lnR>
-                      <a:lnT w="720">
-                        <a:noFill/>
+                      <a:lnT w="12700" cap="flat" cmpd="sng" algn="ctr">
+                        <a:noFill/>
+                        <a:prstDash val="solid"/>
+                        <a:round/>
+                        <a:headEnd type="none" w="med" len="med"/>
+                        <a:tailEnd type="none" w="med" len="med"/>
                       </a:lnT>
                       <a:lnB w="12700" cap="flat" cmpd="sng" algn="ctr">
                         <a:solidFill>
@@ -2411,7 +4181,9 @@
                         <a:prstDash val="solid"/>
                       </a:lnBlToTr>
                       <a:solidFill>
-                        <a:srgbClr val="B3B3B3"/>
+                        <a:schemeClr val="bg1">
+                          <a:lumMod val="65000"/>
+                        </a:schemeClr>
                       </a:solidFill>
                     </a:tcPr>
                   </a:tc>
@@ -2423,44 +4195,31 @@
                         <a:endParaRPr lang="en-AT"/>
                       </a:p>
                     </a:txBody>
-                    <a:tcPr marL="90000" marR="90000">
-                      <a:lnL w="720">
-                        <a:solidFill>
-                          <a:srgbClr val="FFFFFF"/>
-                        </a:solidFill>
+                    <a:tcPr>
+                      <a:lnL w="12700" cap="flat" cmpd="sng" algn="ctr">
+                        <a:solidFill>
+                          <a:schemeClr val="tx1"/>
+                        </a:solidFill>
+                        <a:prstDash val="solid"/>
+                        <a:round/>
+                        <a:headEnd type="none" w="med" len="med"/>
+                        <a:tailEnd type="none" w="med" len="med"/>
                       </a:lnL>
-                      <a:lnR w="720">
-                        <a:solidFill>
-                          <a:srgbClr val="FFFFFF"/>
-                        </a:solidFill>
-                      </a:lnR>
-                      <a:lnT w="720">
-                        <a:solidFill>
-                          <a:srgbClr val="FFFFFF"/>
-                        </a:solidFill>
-                      </a:lnT>
-                      <a:lnB w="720">
-                        <a:solidFill>
-                          <a:srgbClr val="FFFFFF"/>
-                        </a:solidFill>
-                      </a:lnB>
-                      <a:solidFill>
-                        <a:srgbClr val="B3B3B3"/>
-                      </a:solidFill>
                     </a:tcPr>
                   </a:tc>
-                  <a:tc gridSpan="2">
+                  <a:tc gridSpan="3">
                     <a:txBody>
                       <a:bodyPr/>
                       <a:lstStyle/>
                       <a:p>
                         <a:pPr algn="ctr"/>
                         <a:r>
-                          <a:rPr lang="en-US" sz="1800" b="0" strike="noStrike" spc="-1" dirty="0">
-                            <a:latin typeface="Arial"/>
+                          <a:rPr lang="tr-TR" sz="1600" b="0" strike="noStrike" spc="-1" dirty="0">
+                            <a:latin typeface="Lucida Sans" panose="020B0602030504020204" pitchFamily="34" charset="0"/>
                           </a:rPr>
-                          <a:t>10</a:t>
+                          <a:t>5⋅3</a:t>
                         </a:r>
+                        <a:endParaRPr lang="en-AT" dirty="0"/>
                       </a:p>
                     </a:txBody>
                     <a:tcPr marL="90000" marR="90000">
@@ -2482,8 +4241,12 @@
                         <a:headEnd type="none" w="med" len="med"/>
                         <a:tailEnd type="none" w="med" len="med"/>
                       </a:lnR>
-                      <a:lnT w="720">
-                        <a:noFill/>
+                      <a:lnT w="12700" cap="flat" cmpd="sng" algn="ctr">
+                        <a:noFill/>
+                        <a:prstDash val="solid"/>
+                        <a:round/>
+                        <a:headEnd type="none" w="med" len="med"/>
+                        <a:tailEnd type="none" w="med" len="med"/>
                       </a:lnT>
                       <a:lnB w="12700" cap="flat" cmpd="sng" algn="ctr">
                         <a:solidFill>
@@ -2503,7 +4266,9 @@
                         <a:prstDash val="solid"/>
                       </a:lnBlToTr>
                       <a:solidFill>
-                        <a:srgbClr val="B3B3B3"/>
+                        <a:schemeClr val="bg1">
+                          <a:lumMod val="65000"/>
+                        </a:schemeClr>
                       </a:solidFill>
                     </a:tcPr>
                   </a:tc>
@@ -2515,29 +4280,222 @@
                         <a:endParaRPr lang="en-AT"/>
                       </a:p>
                     </a:txBody>
+                    <a:tcPr>
+                      <a:lnL w="12700" cap="flat" cmpd="sng" algn="ctr">
+                        <a:solidFill>
+                          <a:schemeClr val="tx1"/>
+                        </a:solidFill>
+                        <a:prstDash val="solid"/>
+                        <a:round/>
+                        <a:headEnd type="none" w="med" len="med"/>
+                        <a:tailEnd type="none" w="med" len="med"/>
+                      </a:lnL>
+                    </a:tcPr>
+                  </a:tc>
+                  <a:tc hMerge="1">
+                    <a:txBody>
+                      <a:bodyPr/>
+                      <a:lstStyle/>
+                      <a:p>
+                        <a:endParaRPr lang="en-AT"/>
+                      </a:p>
+                    </a:txBody>
+                    <a:tcPr>
+                      <a:lnL w="12700" cap="flat" cmpd="sng" algn="ctr">
+                        <a:solidFill>
+                          <a:schemeClr val="tx1"/>
+                        </a:solidFill>
+                        <a:prstDash val="solid"/>
+                        <a:round/>
+                        <a:headEnd type="none" w="med" len="med"/>
+                        <a:tailEnd type="none" w="med" len="med"/>
+                      </a:lnL>
+                    </a:tcPr>
+                  </a:tc>
+                  <a:tc>
+                    <a:txBody>
+                      <a:bodyPr/>
+                      <a:lstStyle/>
+                      <a:p>
+                        <a:pPr algn="ctr"/>
+                        <a:r>
+                          <a:rPr lang="tr-TR" sz="1600" b="0" strike="noStrike" spc="-1" dirty="0">
+                            <a:latin typeface="Lucida Sans" panose="020B0602030504020204" pitchFamily="34" charset="0"/>
+                          </a:rPr>
+                          <a:t>3</a:t>
+                        </a:r>
+                        <a:endParaRPr lang="en-AT" dirty="0"/>
+                      </a:p>
+                    </a:txBody>
+                    <a:tcPr marL="90000" marR="90000">
+                      <a:lnL w="12700" cap="flat" cmpd="sng" algn="ctr">
+                        <a:solidFill>
+                          <a:schemeClr val="tx1"/>
+                        </a:solidFill>
+                        <a:prstDash val="solid"/>
+                        <a:round/>
+                        <a:headEnd type="none" w="med" len="med"/>
+                        <a:tailEnd type="none" w="med" len="med"/>
+                      </a:lnL>
+                      <a:lnR w="720">
+                        <a:noFill/>
+                      </a:lnR>
+                      <a:lnT w="12700" cap="flat" cmpd="sng" algn="ctr">
+                        <a:noFill/>
+                        <a:prstDash val="solid"/>
+                        <a:round/>
+                        <a:headEnd type="none" w="med" len="med"/>
+                        <a:tailEnd type="none" w="med" len="med"/>
+                      </a:lnT>
+                      <a:lnB w="12700" cap="flat" cmpd="sng" algn="ctr">
+                        <a:solidFill>
+                          <a:schemeClr val="tx1"/>
+                        </a:solidFill>
+                        <a:prstDash val="solid"/>
+                        <a:round/>
+                        <a:headEnd type="none" w="med" len="med"/>
+                        <a:tailEnd type="none" w="med" len="med"/>
+                      </a:lnB>
+                      <a:lnTlToBr w="12700" cmpd="sng">
+                        <a:noFill/>
+                        <a:prstDash val="solid"/>
+                      </a:lnTlToBr>
+                      <a:lnBlToTr w="12700" cmpd="sng">
+                        <a:noFill/>
+                        <a:prstDash val="solid"/>
+                      </a:lnBlToTr>
+                      <a:solidFill>
+                        <a:schemeClr val="bg1">
+                          <a:lumMod val="65000"/>
+                        </a:schemeClr>
+                      </a:solidFill>
+                    </a:tcPr>
+                  </a:tc>
+                  <a:extLst>
+                    <a:ext uri="{0D108BD9-81ED-4DB2-BD59-A6C34878D82A}">
+                      <a16:rowId xmlns:a16="http://schemas.microsoft.com/office/drawing/2014/main" val="10000"/>
+                    </a:ext>
+                  </a:extLst>
+                </a:tr>
+                <a:tr h="297591">
+                  <a:tc rowSpan="2">
+                    <a:txBody>
+                      <a:bodyPr/>
+                      <a:lstStyle/>
+                      <a:p>
+                        <a:pPr algn="ctr"/>
+                        <a:endParaRPr lang="tr-TR" sz="900" b="0" strike="noStrike" spc="-1" dirty="0">
+                          <a:latin typeface="Lucida Sans" panose="020B0602030504020204" pitchFamily="34" charset="0"/>
+                        </a:endParaRPr>
+                      </a:p>
+                      <a:p>
+                        <a:pPr algn="ctr"/>
+                        <a:r>
+                          <a:rPr lang="en-US" sz="1600" b="0" strike="noStrike" spc="-1" dirty="0">
+                            <a:latin typeface="Lucida Sans" panose="020B0602030504020204" pitchFamily="34" charset="0"/>
+                          </a:rPr>
+                          <a:t>x</a:t>
+                        </a:r>
+                        <a:r>
+                          <a:rPr lang="en-US" sz="1600" b="0" strike="noStrike" spc="-1" baseline="-25000" dirty="0">
+                            <a:latin typeface="Lucida Sans" panose="020B0602030504020204" pitchFamily="34" charset="0"/>
+                          </a:rPr>
+                          <a:t>2</a:t>
+                        </a:r>
+                      </a:p>
+                    </a:txBody>
                     <a:tcPr marL="90000" marR="90000">
                       <a:lnL w="720">
-                        <a:solidFill>
-                          <a:srgbClr val="FFFFFF"/>
-                        </a:solidFill>
+                        <a:noFill/>
+                      </a:lnL>
+                      <a:lnR w="12700" cap="flat" cmpd="sng" algn="ctr">
+                        <a:solidFill>
+                          <a:schemeClr val="tx1"/>
+                        </a:solidFill>
+                        <a:prstDash val="solid"/>
+                        <a:round/>
+                        <a:headEnd type="none" w="med" len="med"/>
+                        <a:tailEnd type="none" w="med" len="med"/>
+                      </a:lnR>
+                      <a:lnT w="12700" cap="flat" cmpd="sng" algn="ctr">
+                        <a:solidFill>
+                          <a:schemeClr val="tx1"/>
+                        </a:solidFill>
+                        <a:prstDash val="solid"/>
+                        <a:round/>
+                        <a:headEnd type="none" w="med" len="med"/>
+                        <a:tailEnd type="none" w="med" len="med"/>
+                      </a:lnT>
+                      <a:lnB w="720">
+                        <a:noFill/>
+                      </a:lnB>
+                      <a:lnTlToBr w="12700" cmpd="sng">
+                        <a:noFill/>
+                        <a:prstDash val="solid"/>
+                      </a:lnTlToBr>
+                      <a:lnBlToTr w="12700" cmpd="sng">
+                        <a:noFill/>
+                        <a:prstDash val="solid"/>
+                      </a:lnBlToTr>
+                      <a:solidFill>
+                        <a:schemeClr val="bg1">
+                          <a:lumMod val="85000"/>
+                        </a:schemeClr>
+                      </a:solidFill>
+                    </a:tcPr>
+                  </a:tc>
+                  <a:tc>
+                    <a:txBody>
+                      <a:bodyPr/>
+                      <a:lstStyle/>
+                      <a:p>
+                        <a:pPr algn="ctr"/>
+                        <a:endParaRPr lang="en-US" sz="1600" b="0" strike="noStrike" spc="-1" dirty="0">
+                          <a:latin typeface="Lucida Sans" panose="020B0602030504020204" pitchFamily="34" charset="0"/>
+                        </a:endParaRPr>
+                      </a:p>
+                    </a:txBody>
+                    <a:tcPr marL="90000" marR="90000">
+                      <a:lnL w="12700" cap="flat" cmpd="sng" algn="ctr">
+                        <a:solidFill>
+                          <a:schemeClr val="tx1"/>
+                        </a:solidFill>
+                        <a:prstDash val="solid"/>
+                        <a:round/>
+                        <a:headEnd type="none" w="med" len="med"/>
+                        <a:tailEnd type="none" w="med" len="med"/>
                       </a:lnL>
                       <a:lnR w="720">
-                        <a:solidFill>
-                          <a:srgbClr val="FFFFFF"/>
-                        </a:solidFill>
+                        <a:noFill/>
                       </a:lnR>
-                      <a:lnT w="720">
-                        <a:solidFill>
-                          <a:srgbClr val="FFFFFF"/>
-                        </a:solidFill>
+                      <a:lnT w="12700" cap="flat" cmpd="sng" algn="ctr">
+                        <a:solidFill>
+                          <a:schemeClr val="tx1"/>
+                        </a:solidFill>
+                        <a:prstDash val="solid"/>
+                        <a:round/>
+                        <a:headEnd type="none" w="med" len="med"/>
+                        <a:tailEnd type="none" w="med" len="med"/>
                       </a:lnT>
-                      <a:lnB w="720">
-                        <a:solidFill>
-                          <a:srgbClr val="FFFFFF"/>
-                        </a:solidFill>
+                      <a:lnB w="12700" cap="flat" cmpd="sng" algn="ctr">
+                        <a:noFill/>
+                        <a:prstDash val="solid"/>
+                        <a:round/>
+                        <a:headEnd type="none" w="med" len="med"/>
+                        <a:tailEnd type="none" w="med" len="med"/>
                       </a:lnB>
+                      <a:lnTlToBr w="12700" cmpd="sng">
+                        <a:noFill/>
+                        <a:prstDash val="solid"/>
+                      </a:lnTlToBr>
+                      <a:lnBlToTr w="12700" cmpd="sng">
+                        <a:noFill/>
+                        <a:prstDash val="solid"/>
+                      </a:lnBlToTr>
                       <a:solidFill>
-                        <a:srgbClr val="B3B3B3"/>
+                        <a:schemeClr val="bg1">
+                          <a:lumMod val="85000"/>
+                        </a:schemeClr>
                       </a:solidFill>
                     </a:tcPr>
                   </a:tc>
@@ -2548,33 +4506,35 @@
                       <a:p>
                         <a:pPr algn="ctr"/>
                         <a:r>
-                          <a:rPr lang="en-US" sz="1800" b="0" strike="noStrike" spc="-1">
-                            <a:latin typeface="Arial"/>
+                          <a:rPr lang="tr-TR" sz="1600" b="0" strike="noStrike" spc="-1" dirty="0">
+                            <a:latin typeface="Lucida Sans" panose="020B0602030504020204" pitchFamily="34" charset="0"/>
                           </a:rPr>
-                          <a:t>0</a:t>
+                          <a:t>3⋅7</a:t>
                         </a:r>
+                        <a:endParaRPr lang="en-US" sz="1600" b="0" strike="noStrike" spc="-1" dirty="0">
+                          <a:latin typeface="Lucida Sans" panose="020B0602030504020204" pitchFamily="34" charset="0"/>
+                        </a:endParaRPr>
                       </a:p>
                     </a:txBody>
                     <a:tcPr marL="90000" marR="90000">
-                      <a:lnL w="12700" cap="flat" cmpd="sng" algn="ctr">
-                        <a:solidFill>
-                          <a:schemeClr val="tx1"/>
-                        </a:solidFill>
-                        <a:prstDash val="solid"/>
-                        <a:round/>
-                        <a:headEnd type="none" w="med" len="med"/>
-                        <a:tailEnd type="none" w="med" len="med"/>
+                      <a:lnL w="12700" cmpd="sng">
+                        <a:noFill/>
+                        <a:prstDash val="solid"/>
                       </a:lnL>
                       <a:lnR w="720">
                         <a:noFill/>
                       </a:lnR>
-                      <a:lnT w="720">
-                        <a:noFill/>
+                      <a:lnT w="12700" cap="flat" cmpd="sng" algn="ctr">
+                        <a:solidFill>
+                          <a:schemeClr val="tx1"/>
+                        </a:solidFill>
+                        <a:prstDash val="solid"/>
+                        <a:round/>
+                        <a:headEnd type="none" w="med" len="med"/>
+                        <a:tailEnd type="none" w="med" len="med"/>
                       </a:lnT>
                       <a:lnB w="12700" cap="flat" cmpd="sng" algn="ctr">
-                        <a:solidFill>
-                          <a:schemeClr val="tx1"/>
-                        </a:solidFill>
+                        <a:noFill/>
                         <a:prstDash val="solid"/>
                         <a:round/>
                         <a:headEnd type="none" w="med" len="med"/>
@@ -2589,35 +4549,275 @@
                         <a:prstDash val="solid"/>
                       </a:lnBlToTr>
                       <a:solidFill>
-                        <a:srgbClr val="B3B3B3"/>
+                        <a:schemeClr val="bg1">
+                          <a:lumMod val="85000"/>
+                        </a:schemeClr>
                       </a:solidFill>
                     </a:tcPr>
                   </a:tc>
-                  <a:extLst>
-                    <a:ext uri="{0D108BD9-81ED-4DB2-BD59-A6C34878D82A}">
-                      <a16:rowId xmlns:a16="http://schemas.microsoft.com/office/drawing/2014/main" val="10000"/>
-                    </a:ext>
-                  </a:extLst>
-                </a:tr>
-                <a:tr h="349920">
                   <a:tc>
                     <a:txBody>
                       <a:bodyPr/>
                       <a:lstStyle/>
                       <a:p>
                         <a:pPr algn="ctr"/>
+                        <a:endParaRPr lang="en-US" sz="1600" b="0" strike="noStrike" spc="-1" dirty="0">
+                          <a:latin typeface="Lucida Sans" panose="020B0602030504020204" pitchFamily="34" charset="0"/>
+                        </a:endParaRPr>
+                      </a:p>
+                    </a:txBody>
+                    <a:tcPr marL="90000" marR="90000">
+                      <a:lnL w="12700" cmpd="sng">
+                        <a:noFill/>
+                        <a:prstDash val="solid"/>
+                      </a:lnL>
+                      <a:lnR w="12700" cap="flat" cmpd="sng" algn="ctr">
+                        <a:solidFill>
+                          <a:schemeClr val="tx1"/>
+                        </a:solidFill>
+                        <a:prstDash val="solid"/>
+                        <a:round/>
+                        <a:headEnd type="none" w="med" len="med"/>
+                        <a:tailEnd type="none" w="med" len="med"/>
+                      </a:lnR>
+                      <a:lnB w="12700" cap="flat" cmpd="sng" algn="ctr">
+                        <a:noFill/>
+                        <a:prstDash val="solid"/>
+                        <a:round/>
+                        <a:headEnd type="none" w="med" len="med"/>
+                        <a:tailEnd type="none" w="med" len="med"/>
+                      </a:lnB>
+                      <a:lnTlToBr w="12700" cmpd="sng">
+                        <a:noFill/>
+                        <a:prstDash val="solid"/>
+                      </a:lnTlToBr>
+                      <a:lnBlToTr w="12700" cmpd="sng">
+                        <a:noFill/>
+                        <a:prstDash val="solid"/>
+                      </a:lnBlToTr>
+                      <a:solidFill>
+                        <a:schemeClr val="bg1">
+                          <a:lumMod val="85000"/>
+                        </a:schemeClr>
+                      </a:solidFill>
+                    </a:tcPr>
+                  </a:tc>
+                  <a:tc>
+                    <a:txBody>
+                      <a:bodyPr/>
+                      <a:lstStyle/>
+                      <a:p>
+                        <a:pPr algn="ctr"/>
+                        <a:endParaRPr lang="en-US" sz="1600" b="0" strike="noStrike" spc="-1" dirty="0">
+                          <a:latin typeface="Lucida Sans" panose="020B0602030504020204" pitchFamily="34" charset="0"/>
+                        </a:endParaRPr>
+                      </a:p>
+                    </a:txBody>
+                    <a:tcPr marL="90000" marR="90000">
+                      <a:lnL w="12700" cap="flat" cmpd="sng" algn="ctr">
+                        <a:solidFill>
+                          <a:schemeClr val="tx1"/>
+                        </a:solidFill>
+                        <a:prstDash val="solid"/>
+                        <a:round/>
+                        <a:headEnd type="none" w="med" len="med"/>
+                        <a:tailEnd type="none" w="med" len="med"/>
+                      </a:lnL>
+                      <a:lnR w="720">
+                        <a:noFill/>
+                      </a:lnR>
+                      <a:lnT w="12700" cap="flat" cmpd="sng" algn="ctr">
+                        <a:solidFill>
+                          <a:schemeClr val="tx1"/>
+                        </a:solidFill>
+                        <a:prstDash val="solid"/>
+                        <a:round/>
+                        <a:headEnd type="none" w="med" len="med"/>
+                        <a:tailEnd type="none" w="med" len="med"/>
+                      </a:lnT>
+                      <a:lnB w="12700" cap="flat" cmpd="sng" algn="ctr">
+                        <a:noFill/>
+                        <a:prstDash val="solid"/>
+                        <a:round/>
+                        <a:headEnd type="none" w="med" len="med"/>
+                        <a:tailEnd type="none" w="med" len="med"/>
+                      </a:lnB>
+                      <a:lnTlToBr w="12700" cmpd="sng">
+                        <a:noFill/>
+                        <a:prstDash val="solid"/>
+                      </a:lnTlToBr>
+                      <a:lnBlToTr w="12700" cmpd="sng">
+                        <a:noFill/>
+                        <a:prstDash val="solid"/>
+                      </a:lnBlToTr>
+                      <a:solidFill>
+                        <a:schemeClr val="bg1"/>
+                      </a:solidFill>
+                    </a:tcPr>
+                  </a:tc>
+                  <a:tc>
+                    <a:txBody>
+                      <a:bodyPr/>
+                      <a:lstStyle/>
+                      <a:p>
+                        <a:pPr algn="ctr"/>
+                        <a:endParaRPr lang="en-US" sz="1600" b="0" strike="noStrike" spc="-1" dirty="0">
+                          <a:latin typeface="Lucida Sans" panose="020B0602030504020204" pitchFamily="34" charset="0"/>
+                        </a:endParaRPr>
+                      </a:p>
+                    </a:txBody>
+                    <a:tcPr marL="90000" marR="90000">
+                      <a:lnL w="12700" cmpd="sng">
+                        <a:noFill/>
+                        <a:prstDash val="solid"/>
+                      </a:lnL>
+                      <a:lnR w="720">
+                        <a:noFill/>
+                      </a:lnR>
+                      <a:lnB w="12700" cap="flat" cmpd="sng" algn="ctr">
+                        <a:noFill/>
+                        <a:prstDash val="solid"/>
+                        <a:round/>
+                        <a:headEnd type="none" w="med" len="med"/>
+                        <a:tailEnd type="none" w="med" len="med"/>
+                      </a:lnB>
+                      <a:lnTlToBr w="12700" cmpd="sng">
+                        <a:noFill/>
+                        <a:prstDash val="solid"/>
+                      </a:lnTlToBr>
+                      <a:lnBlToTr w="12700" cmpd="sng">
+                        <a:noFill/>
+                        <a:prstDash val="solid"/>
+                      </a:lnBlToTr>
+                      <a:solidFill>
+                        <a:schemeClr val="bg1"/>
+                      </a:solidFill>
+                    </a:tcPr>
+                  </a:tc>
+                  <a:tc>
+                    <a:txBody>
+                      <a:bodyPr/>
+                      <a:lstStyle/>
+                      <a:p>
+                        <a:pPr algn="ctr"/>
+                        <a:endParaRPr lang="en-US" sz="1600" b="0" strike="noStrike" spc="-1" dirty="0">
+                          <a:latin typeface="Lucida Sans" panose="020B0602030504020204" pitchFamily="34" charset="0"/>
+                        </a:endParaRPr>
+                      </a:p>
+                    </a:txBody>
+                    <a:tcPr marL="90000" marR="90000">
+                      <a:lnL w="12700" cmpd="sng">
+                        <a:noFill/>
+                        <a:prstDash val="solid"/>
+                      </a:lnL>
+                      <a:lnR w="12700" cap="flat" cmpd="sng" algn="ctr">
+                        <a:solidFill>
+                          <a:schemeClr val="tx1"/>
+                        </a:solidFill>
+                        <a:prstDash val="solid"/>
+                        <a:round/>
+                        <a:headEnd type="none" w="med" len="med"/>
+                        <a:tailEnd type="none" w="med" len="med"/>
+                      </a:lnR>
+                      <a:lnB w="12700" cap="flat" cmpd="sng" algn="ctr">
+                        <a:noFill/>
+                        <a:prstDash val="solid"/>
+                        <a:round/>
+                        <a:headEnd type="none" w="med" len="med"/>
+                        <a:tailEnd type="none" w="med" len="med"/>
+                      </a:lnB>
+                      <a:lnTlToBr w="12700" cmpd="sng">
+                        <a:noFill/>
+                        <a:prstDash val="solid"/>
+                      </a:lnTlToBr>
+                      <a:lnBlToTr w="12700" cmpd="sng">
+                        <a:noFill/>
+                        <a:prstDash val="solid"/>
+                      </a:lnBlToTr>
+                      <a:solidFill>
+                        <a:schemeClr val="bg1"/>
+                      </a:solidFill>
+                    </a:tcPr>
+                  </a:tc>
+                  <a:tc rowSpan="2">
+                    <a:txBody>
+                      <a:bodyPr/>
+                      <a:lstStyle/>
+                      <a:p>
+                        <a:pPr algn="ctr"/>
+                        <a:endParaRPr lang="tr-TR" sz="900" b="0" strike="noStrike" spc="-1" dirty="0">
+                          <a:latin typeface="Lucida Sans" panose="020B0602030504020204" pitchFamily="34" charset="0"/>
+                        </a:endParaRPr>
+                      </a:p>
+                      <a:p>
+                        <a:pPr algn="ctr"/>
                         <a:r>
-                          <a:rPr lang="en-US" sz="1800" b="0" strike="noStrike" spc="-1" dirty="0">
-                            <a:latin typeface="Arial"/>
-                          </a:rPr>
-                          <a:t>x</a:t>
-                        </a:r>
-                        <a:r>
-                          <a:rPr lang="en-US" sz="1800" b="0" strike="noStrike" spc="-1" baseline="-25000" dirty="0">
-                            <a:latin typeface="Arial"/>
+                          <a:rPr lang="tr-TR" sz="1600" b="0" strike="noStrike" spc="-1" dirty="0">
+                            <a:latin typeface="Lucida Sans" panose="020B0602030504020204" pitchFamily="34" charset="0"/>
                           </a:rPr>
                           <a:t>2</a:t>
                         </a:r>
+                        <a:endParaRPr lang="en-US" sz="1600" b="0" strike="noStrike" spc="-1" dirty="0">
+                          <a:latin typeface="Lucida Sans" panose="020B0602030504020204" pitchFamily="34" charset="0"/>
+                        </a:endParaRPr>
+                      </a:p>
+                    </a:txBody>
+                    <a:tcPr marL="90000" marR="90000">
+                      <a:lnL w="12700" cap="flat" cmpd="sng" algn="ctr">
+                        <a:solidFill>
+                          <a:schemeClr val="tx1"/>
+                        </a:solidFill>
+                        <a:prstDash val="solid"/>
+                        <a:round/>
+                        <a:headEnd type="none" w="med" len="med"/>
+                        <a:tailEnd type="none" w="med" len="med"/>
+                      </a:lnL>
+                      <a:lnR w="720">
+                        <a:noFill/>
+                      </a:lnR>
+                      <a:lnT w="12700" cap="flat" cmpd="sng" algn="ctr">
+                        <a:solidFill>
+                          <a:schemeClr val="tx1"/>
+                        </a:solidFill>
+                        <a:prstDash val="solid"/>
+                        <a:round/>
+                        <a:headEnd type="none" w="med" len="med"/>
+                        <a:tailEnd type="none" w="med" len="med"/>
+                      </a:lnT>
+                      <a:lnB w="720">
+                        <a:noFill/>
+                      </a:lnB>
+                      <a:lnTlToBr w="12700" cmpd="sng">
+                        <a:noFill/>
+                        <a:prstDash val="solid"/>
+                      </a:lnTlToBr>
+                      <a:lnBlToTr w="12700" cmpd="sng">
+                        <a:noFill/>
+                        <a:prstDash val="solid"/>
+                      </a:lnBlToTr>
+                      <a:solidFill>
+                        <a:schemeClr val="bg1">
+                          <a:lumMod val="85000"/>
+                        </a:schemeClr>
+                      </a:solidFill>
+                    </a:tcPr>
+                  </a:tc>
+                  <a:extLst>
+                    <a:ext uri="{0D108BD9-81ED-4DB2-BD59-A6C34878D82A}">
+                      <a16:rowId xmlns:a16="http://schemas.microsoft.com/office/drawing/2014/main" val="10001"/>
+                    </a:ext>
+                  </a:extLst>
+                </a:tr>
+                <a:tr h="297591">
+                  <a:tc vMerge="1">
+                    <a:txBody>
+                      <a:bodyPr/>
+                      <a:lstStyle/>
+                      <a:p>
+                        <a:pPr algn="ctr"/>
+                        <a:endParaRPr lang="en-US" sz="1600" b="0" strike="noStrike" spc="-1" baseline="-25000" dirty="0">
+                          <a:latin typeface="Lucida Sans" panose="020B0602030504020204" pitchFamily="34" charset="0"/>
+                        </a:endParaRPr>
                       </a:p>
                     </a:txBody>
                     <a:tcPr marL="90000" marR="90000">
@@ -2655,6 +4855,154 @@
                       </a:lnBlToTr>
                       <a:solidFill>
                         <a:srgbClr val="CCCCCC"/>
+                      </a:solidFill>
+                    </a:tcPr>
+                  </a:tc>
+                  <a:tc>
+                    <a:txBody>
+                      <a:bodyPr/>
+                      <a:lstStyle/>
+                      <a:p>
+                        <a:pPr algn="ctr"/>
+                        <a:endParaRPr lang="en-US" sz="1600" b="0" strike="noStrike" spc="-1" dirty="0">
+                          <a:latin typeface="Lucida Sans" panose="020B0602030504020204" pitchFamily="34" charset="0"/>
+                        </a:endParaRPr>
+                      </a:p>
+                    </a:txBody>
+                    <a:tcPr marL="90000" marR="90000">
+                      <a:lnL w="12700" cap="flat" cmpd="sng" algn="ctr">
+                        <a:solidFill>
+                          <a:schemeClr val="tx1"/>
+                        </a:solidFill>
+                        <a:prstDash val="solid"/>
+                        <a:round/>
+                        <a:headEnd type="none" w="med" len="med"/>
+                        <a:tailEnd type="none" w="med" len="med"/>
+                      </a:lnL>
+                      <a:lnR w="720">
+                        <a:noFill/>
+                      </a:lnR>
+                      <a:lnT w="12700" cap="flat" cmpd="sng" algn="ctr">
+                        <a:noFill/>
+                        <a:prstDash val="solid"/>
+                        <a:round/>
+                        <a:headEnd type="none" w="med" len="med"/>
+                        <a:tailEnd type="none" w="med" len="med"/>
+                      </a:lnT>
+                      <a:lnB w="720">
+                        <a:noFill/>
+                      </a:lnB>
+                      <a:lnTlToBr w="12700" cmpd="sng">
+                        <a:noFill/>
+                        <a:prstDash val="solid"/>
+                      </a:lnTlToBr>
+                      <a:lnBlToTr w="12700" cmpd="sng">
+                        <a:noFill/>
+                        <a:prstDash val="solid"/>
+                      </a:lnBlToTr>
+                      <a:solidFill>
+                        <a:schemeClr val="bg1"/>
+                      </a:solidFill>
+                    </a:tcPr>
+                  </a:tc>
+                  <a:tc>
+                    <a:txBody>
+                      <a:bodyPr/>
+                      <a:lstStyle/>
+                      <a:p>
+                        <a:pPr algn="ctr"/>
+                        <a:endParaRPr lang="en-US" sz="1600" b="0" strike="noStrike" spc="-1" dirty="0">
+                          <a:latin typeface="Lucida Sans" panose="020B0602030504020204" pitchFamily="34" charset="0"/>
+                        </a:endParaRPr>
+                      </a:p>
+                    </a:txBody>
+                    <a:tcPr marL="90000" marR="90000">
+                      <a:lnL w="12700" cmpd="sng">
+                        <a:noFill/>
+                        <a:prstDash val="solid"/>
+                      </a:lnL>
+                      <a:lnR w="12700" cap="flat" cmpd="sng" algn="ctr">
+                        <a:solidFill>
+                          <a:schemeClr val="tx1"/>
+                        </a:solidFill>
+                        <a:prstDash val="solid"/>
+                        <a:round/>
+                        <a:headEnd type="none" w="med" len="med"/>
+                        <a:tailEnd type="none" w="med" len="med"/>
+                      </a:lnR>
+                      <a:lnT w="12700" cap="flat" cmpd="sng" algn="ctr">
+                        <a:noFill/>
+                        <a:prstDash val="solid"/>
+                        <a:round/>
+                        <a:headEnd type="none" w="med" len="med"/>
+                        <a:tailEnd type="none" w="med" len="med"/>
+                      </a:lnT>
+                      <a:lnB w="720">
+                        <a:noFill/>
+                      </a:lnB>
+                      <a:lnTlToBr w="12700" cmpd="sng">
+                        <a:noFill/>
+                        <a:prstDash val="solid"/>
+                      </a:lnTlToBr>
+                      <a:lnBlToTr w="12700" cmpd="sng">
+                        <a:noFill/>
+                        <a:prstDash val="solid"/>
+                      </a:lnBlToTr>
+                      <a:solidFill>
+                        <a:schemeClr val="bg1"/>
+                      </a:solidFill>
+                    </a:tcPr>
+                  </a:tc>
+                  <a:tc>
+                    <a:txBody>
+                      <a:bodyPr/>
+                      <a:lstStyle/>
+                      <a:p>
+                        <a:pPr algn="ctr"/>
+                        <a:endParaRPr lang="en-US" sz="1600" b="0" strike="noStrike" spc="-1" dirty="0">
+                          <a:latin typeface="Lucida Sans" panose="020B0602030504020204" pitchFamily="34" charset="0"/>
+                        </a:endParaRPr>
+                      </a:p>
+                    </a:txBody>
+                    <a:tcPr marL="90000" marR="90000">
+                      <a:lnL w="12700" cap="flat" cmpd="sng" algn="ctr">
+                        <a:solidFill>
+                          <a:schemeClr val="tx1"/>
+                        </a:solidFill>
+                        <a:prstDash val="solid"/>
+                        <a:round/>
+                        <a:headEnd type="none" w="med" len="med"/>
+                        <a:tailEnd type="none" w="med" len="med"/>
+                      </a:lnL>
+                      <a:lnR w="12700" cap="flat" cmpd="sng" algn="ctr">
+                        <a:noFill/>
+                        <a:prstDash val="solid"/>
+                        <a:round/>
+                        <a:headEnd type="none" w="med" len="med"/>
+                        <a:tailEnd type="none" w="med" len="med"/>
+                      </a:lnR>
+                      <a:lnT w="12700" cap="flat" cmpd="sng" algn="ctr">
+                        <a:noFill/>
+                        <a:prstDash val="solid"/>
+                        <a:round/>
+                        <a:headEnd type="none" w="med" len="med"/>
+                        <a:tailEnd type="none" w="med" len="med"/>
+                      </a:lnT>
+                      <a:lnB w="720">
+                        <a:noFill/>
+                      </a:lnB>
+                      <a:lnTlToBr w="12700" cmpd="sng">
+                        <a:noFill/>
+                        <a:prstDash val="solid"/>
+                      </a:lnTlToBr>
+                      <a:lnBlToTr w="12700" cmpd="sng">
+                        <a:noFill/>
+                        <a:prstDash val="solid"/>
+                      </a:lnBlToTr>
+                      <a:solidFill>
+                        <a:schemeClr val="bg1">
+                          <a:lumMod val="85000"/>
+                        </a:schemeClr>
                       </a:solidFill>
                     </a:tcPr>
                   </a:tc>
@@ -2665,22 +5013,417 @@
                       <a:p>
                         <a:pPr algn="ctr"/>
                         <a:r>
-                          <a:rPr lang="en-US" sz="1800" b="0" strike="noStrike" spc="-1">
-                            <a:latin typeface="Arial"/>
+                          <a:rPr lang="tr-TR" sz="1600" b="0" strike="noStrike" spc="-1" dirty="0">
+                            <a:latin typeface="Lucida Sans" panose="020B0602030504020204" pitchFamily="34" charset="0"/>
+                          </a:rPr>
+                          <a:t>7⋅2</a:t>
+                        </a:r>
+                        <a:endParaRPr lang="en-US" sz="1600" b="0" strike="noStrike" spc="-1" dirty="0">
+                          <a:latin typeface="Lucida Sans" panose="020B0602030504020204" pitchFamily="34" charset="0"/>
+                        </a:endParaRPr>
+                      </a:p>
+                    </a:txBody>
+                    <a:tcPr marL="90000" marR="90000">
+                      <a:lnL w="12700" cmpd="sng">
+                        <a:noFill/>
+                        <a:prstDash val="solid"/>
+                      </a:lnL>
+                      <a:lnR w="720">
+                        <a:noFill/>
+                      </a:lnR>
+                      <a:lnT w="12700" cap="flat" cmpd="sng" algn="ctr">
+                        <a:noFill/>
+                        <a:prstDash val="solid"/>
+                        <a:round/>
+                        <a:headEnd type="none" w="med" len="med"/>
+                        <a:tailEnd type="none" w="med" len="med"/>
+                      </a:lnT>
+                      <a:lnB w="720">
+                        <a:noFill/>
+                      </a:lnB>
+                      <a:lnTlToBr w="12700" cmpd="sng">
+                        <a:noFill/>
+                        <a:prstDash val="solid"/>
+                      </a:lnTlToBr>
+                      <a:lnBlToTr w="12700" cmpd="sng">
+                        <a:noFill/>
+                        <a:prstDash val="solid"/>
+                      </a:lnBlToTr>
+                      <a:solidFill>
+                        <a:schemeClr val="bg1">
+                          <a:lumMod val="85000"/>
+                        </a:schemeClr>
+                      </a:solidFill>
+                    </a:tcPr>
+                  </a:tc>
+                  <a:tc hMerge="1">
+                    <a:txBody>
+                      <a:bodyPr/>
+                      <a:lstStyle/>
+                      <a:p>
+                        <a:pPr algn="ctr"/>
+                        <a:endParaRPr lang="en-US" sz="1600" b="0" strike="noStrike" spc="-1" dirty="0">
+                          <a:latin typeface="Lucida Sans" panose="020B0602030504020204" pitchFamily="34" charset="0"/>
+                        </a:endParaRPr>
+                      </a:p>
+                    </a:txBody>
+                    <a:tcPr marL="90000" marR="90000">
+                      <a:lnL w="12700" cmpd="sng">
+                        <a:noFill/>
+                        <a:prstDash val="solid"/>
+                      </a:lnL>
+                      <a:lnR w="720">
+                        <a:noFill/>
+                      </a:lnR>
+                      <a:lnT w="12700" cap="flat" cmpd="sng" algn="ctr">
+                        <a:noFill/>
+                        <a:prstDash val="solid"/>
+                        <a:round/>
+                        <a:headEnd type="none" w="med" len="med"/>
+                        <a:tailEnd type="none" w="med" len="med"/>
+                      </a:lnT>
+                      <a:lnB w="720">
+                        <a:noFill/>
+                      </a:lnB>
+                      <a:lnTlToBr w="12700" cmpd="sng">
+                        <a:noFill/>
+                        <a:prstDash val="solid"/>
+                      </a:lnTlToBr>
+                      <a:lnBlToTr w="12700" cmpd="sng">
+                        <a:noFill/>
+                        <a:prstDash val="solid"/>
+                      </a:lnBlToTr>
+                      <a:solidFill>
+                        <a:srgbClr val="CCCCCC"/>
+                      </a:solidFill>
+                    </a:tcPr>
+                  </a:tc>
+                  <a:tc>
+                    <a:txBody>
+                      <a:bodyPr/>
+                      <a:lstStyle/>
+                      <a:p>
+                        <a:pPr algn="ctr"/>
+                        <a:endParaRPr lang="en-US" sz="1600" b="0" strike="noStrike" spc="-1" dirty="0">
+                          <a:latin typeface="Lucida Sans" panose="020B0602030504020204" pitchFamily="34" charset="0"/>
+                        </a:endParaRPr>
+                      </a:p>
+                    </a:txBody>
+                    <a:tcPr marL="90000" marR="90000">
+                      <a:lnL w="12700" cmpd="sng">
+                        <a:noFill/>
+                        <a:prstDash val="solid"/>
+                      </a:lnL>
+                      <a:lnR w="12700" cap="flat" cmpd="sng" algn="ctr">
+                        <a:solidFill>
+                          <a:schemeClr val="tx1"/>
+                        </a:solidFill>
+                        <a:prstDash val="solid"/>
+                        <a:round/>
+                        <a:headEnd type="none" w="med" len="med"/>
+                        <a:tailEnd type="none" w="med" len="med"/>
+                      </a:lnR>
+                      <a:lnT w="12700" cap="flat" cmpd="sng" algn="ctr">
+                        <a:noFill/>
+                        <a:prstDash val="solid"/>
+                        <a:round/>
+                        <a:headEnd type="none" w="med" len="med"/>
+                        <a:tailEnd type="none" w="med" len="med"/>
+                      </a:lnT>
+                      <a:lnB w="720">
+                        <a:noFill/>
+                      </a:lnB>
+                      <a:lnTlToBr w="12700" cmpd="sng">
+                        <a:noFill/>
+                        <a:prstDash val="solid"/>
+                      </a:lnTlToBr>
+                      <a:lnBlToTr w="12700" cmpd="sng">
+                        <a:noFill/>
+                        <a:prstDash val="solid"/>
+                      </a:lnBlToTr>
+                      <a:solidFill>
+                        <a:schemeClr val="bg1">
+                          <a:lumMod val="85000"/>
+                        </a:schemeClr>
+                      </a:solidFill>
+                    </a:tcPr>
+                  </a:tc>
+                  <a:tc vMerge="1">
+                    <a:txBody>
+                      <a:bodyPr/>
+                      <a:lstStyle/>
+                      <a:p>
+                        <a:pPr algn="ctr"/>
+                        <a:r>
+                          <a:rPr lang="tr-TR" sz="1600" b="0" strike="noStrike" spc="-1" dirty="0">
+                            <a:latin typeface="Lucida Sans" panose="020B0602030504020204" pitchFamily="34" charset="0"/>
+                          </a:rPr>
+                          <a:t>2</a:t>
+                        </a:r>
+                        <a:endParaRPr lang="en-US" sz="1600" b="0" strike="noStrike" spc="-1" dirty="0">
+                          <a:latin typeface="Lucida Sans" panose="020B0602030504020204" pitchFamily="34" charset="0"/>
+                        </a:endParaRPr>
+                      </a:p>
+                    </a:txBody>
+                    <a:tcPr marL="90000" marR="90000">
+                      <a:lnL w="12700" cap="flat" cmpd="sng" algn="ctr">
+                        <a:solidFill>
+                          <a:schemeClr val="tx1"/>
+                        </a:solidFill>
+                        <a:prstDash val="solid"/>
+                        <a:round/>
+                        <a:headEnd type="none" w="med" len="med"/>
+                        <a:tailEnd type="none" w="med" len="med"/>
+                      </a:lnL>
+                      <a:lnR w="720">
+                        <a:noFill/>
+                      </a:lnR>
+                      <a:lnT w="12700" cap="flat" cmpd="sng" algn="ctr">
+                        <a:noFill/>
+                        <a:prstDash val="solid"/>
+                        <a:round/>
+                        <a:headEnd type="none" w="med" len="med"/>
+                        <a:tailEnd type="none" w="med" len="med"/>
+                      </a:lnT>
+                      <a:lnB w="720">
+                        <a:noFill/>
+                      </a:lnB>
+                      <a:lnTlToBr w="12700" cmpd="sng">
+                        <a:noFill/>
+                        <a:prstDash val="solid"/>
+                      </a:lnTlToBr>
+                      <a:lnBlToTr w="12700" cmpd="sng">
+                        <a:noFill/>
+                        <a:prstDash val="solid"/>
+                      </a:lnBlToTr>
+                      <a:solidFill>
+                        <a:srgbClr val="CCCCCC"/>
+                      </a:solidFill>
+                    </a:tcPr>
+                  </a:tc>
+                  <a:extLst>
+                    <a:ext uri="{0D108BD9-81ED-4DB2-BD59-A6C34878D82A}">
+                      <a16:rowId xmlns:a16="http://schemas.microsoft.com/office/drawing/2014/main" val="184566502"/>
+                    </a:ext>
+                  </a:extLst>
+                </a:tr>
+              </a:tbl>
+            </a:graphicData>
+          </a:graphic>
+        </p:graphicFrame>
+        <p:sp>
+          <p:nvSpPr>
+            <p:cNvPr id="43" name="TextShape 3"/>
+            <p:cNvSpPr txBox="1"/>
+            <p:nvPr/>
+          </p:nvSpPr>
+          <p:spPr>
+            <a:xfrm>
+              <a:off x="294706" y="385257"/>
+              <a:ext cx="459720" cy="401400"/>
+            </a:xfrm>
+            <a:prstGeom prst="rect">
+              <a:avLst/>
+            </a:prstGeom>
+            <a:noFill/>
+            <a:ln>
+              <a:noFill/>
+            </a:ln>
+          </p:spPr>
+          <p:txBody>
+            <a:bodyPr lIns="90000" tIns="45000" rIns="90000" bIns="45000"/>
+            <a:lstStyle/>
+            <a:p>
+              <a:r>
+                <a:rPr lang="en-US" sz="1400" b="0" strike="noStrike" spc="-1" dirty="0">
+                  <a:latin typeface="Lucida Sans" panose="020B0602030504020204" pitchFamily="34" charset="0"/>
+                </a:rPr>
+                <a:t>(a)</a:t>
+              </a:r>
+            </a:p>
+          </p:txBody>
+        </p:sp>
+        <p:sp>
+          <p:nvSpPr>
+            <p:cNvPr id="44" name="TextShape 4"/>
+            <p:cNvSpPr txBox="1"/>
+            <p:nvPr/>
+          </p:nvSpPr>
+          <p:spPr>
+            <a:xfrm>
+              <a:off x="294706" y="1922256"/>
+              <a:ext cx="497184" cy="401400"/>
+            </a:xfrm>
+            <a:prstGeom prst="rect">
+              <a:avLst/>
+            </a:prstGeom>
+            <a:noFill/>
+            <a:ln>
+              <a:noFill/>
+            </a:ln>
+          </p:spPr>
+          <p:txBody>
+            <a:bodyPr lIns="90000" tIns="45000" rIns="90000" bIns="45000"/>
+            <a:lstStyle/>
+            <a:p>
+              <a:r>
+                <a:rPr lang="en-US" sz="1400" b="0" strike="noStrike" spc="-1" dirty="0">
+                  <a:latin typeface="Lucida Sans" panose="020B0602030504020204" pitchFamily="34" charset="0"/>
+                </a:rPr>
+                <a:t>(b)</a:t>
+              </a:r>
+            </a:p>
+          </p:txBody>
+        </p:sp>
+        <p:sp>
+          <p:nvSpPr>
+            <p:cNvPr id="4" name="TextShape 3">
+              <a:extLst>
+                <a:ext uri="{FF2B5EF4-FFF2-40B4-BE49-F238E27FC236}">
+                  <a16:creationId xmlns:a16="http://schemas.microsoft.com/office/drawing/2014/main" id="{5EA14E3F-ACB7-EBCA-B87C-AD9097480FFC}"/>
+                </a:ext>
+              </a:extLst>
+            </p:cNvPr>
+            <p:cNvSpPr txBox="1"/>
+            <p:nvPr/>
+          </p:nvSpPr>
+          <p:spPr>
+            <a:xfrm>
+              <a:off x="503808" y="0"/>
+              <a:ext cx="6521702" cy="229769"/>
+            </a:xfrm>
+            <a:prstGeom prst="rect">
+              <a:avLst/>
+            </a:prstGeom>
+            <a:noFill/>
+            <a:ln>
+              <a:noFill/>
+            </a:ln>
+          </p:spPr>
+          <p:txBody>
+            <a:bodyPr lIns="90000" tIns="45000" rIns="90000" bIns="45000"/>
+            <a:lstStyle/>
+            <a:p>
+              <a:r>
+                <a:rPr lang="tr-TR" sz="1400" b="0" strike="noStrike" spc="-1" dirty="0">
+                  <a:latin typeface="Lucida Sans" panose="020B0602030504020204" pitchFamily="34" charset="0"/>
+                </a:rPr>
+                <a:t>           0             1                     3          4                                  7         8</a:t>
+              </a:r>
+              <a:endParaRPr lang="en-US" sz="1400" b="0" strike="noStrike" spc="-1" dirty="0">
+                <a:latin typeface="Lucida Sans" panose="020B0602030504020204" pitchFamily="34" charset="0"/>
+              </a:endParaRPr>
+            </a:p>
+          </p:txBody>
+        </p:sp>
+        <p:graphicFrame>
+          <p:nvGraphicFramePr>
+            <p:cNvPr id="6" name="Table 1">
+              <a:extLst>
+                <a:ext uri="{FF2B5EF4-FFF2-40B4-BE49-F238E27FC236}">
+                  <a16:creationId xmlns:a16="http://schemas.microsoft.com/office/drawing/2014/main" id="{7FA79F90-87A9-EDB1-6759-B3FFEAE54091}"/>
+                </a:ext>
+              </a:extLst>
+            </p:cNvPr>
+            <p:cNvGraphicFramePr/>
+            <p:nvPr>
+              <p:extLst>
+                <p:ext uri="{D42A27DB-BD31-4B8C-83A1-F6EECF244321}">
+                  <p14:modId xmlns:p14="http://schemas.microsoft.com/office/powerpoint/2010/main" val="1259902208"/>
+                </p:ext>
+              </p:extLst>
+            </p:nvPr>
+          </p:nvGraphicFramePr>
+          <p:xfrm>
+            <a:off x="710768" y="1549395"/>
+            <a:ext cx="5936078" cy="1645920"/>
+          </p:xfrm>
+          <a:graphic>
+            <a:graphicData uri="http://schemas.openxmlformats.org/drawingml/2006/table">
+              <a:tbl>
+                <a:tblPr/>
+                <a:tblGrid>
+                  <a:gridCol w="563760">
+                    <a:extLst>
+                      <a:ext uri="{9D8B030D-6E8A-4147-A177-3AD203B41FA5}">
+                        <a16:colId xmlns:a16="http://schemas.microsoft.com/office/drawing/2014/main" val="20000"/>
+                      </a:ext>
+                    </a:extLst>
+                  </a:gridCol>
+                  <a:gridCol w="826566">
+                    <a:extLst>
+                      <a:ext uri="{9D8B030D-6E8A-4147-A177-3AD203B41FA5}">
+                        <a16:colId xmlns:a16="http://schemas.microsoft.com/office/drawing/2014/main" val="20001"/>
+                      </a:ext>
+                    </a:extLst>
+                  </a:gridCol>
+                  <a:gridCol w="1255544">
+                    <a:extLst>
+                      <a:ext uri="{9D8B030D-6E8A-4147-A177-3AD203B41FA5}">
+                        <a16:colId xmlns:a16="http://schemas.microsoft.com/office/drawing/2014/main" val="1732260654"/>
+                      </a:ext>
+                    </a:extLst>
+                  </a:gridCol>
+                  <a:gridCol w="694713">
+                    <a:extLst>
+                      <a:ext uri="{9D8B030D-6E8A-4147-A177-3AD203B41FA5}">
+                        <a16:colId xmlns:a16="http://schemas.microsoft.com/office/drawing/2014/main" val="4033637158"/>
+                      </a:ext>
+                    </a:extLst>
+                  </a:gridCol>
+                  <a:gridCol w="654931">
+                    <a:extLst>
+                      <a:ext uri="{9D8B030D-6E8A-4147-A177-3AD203B41FA5}">
+                        <a16:colId xmlns:a16="http://schemas.microsoft.com/office/drawing/2014/main" val="1705362943"/>
+                      </a:ext>
+                    </a:extLst>
+                  </a:gridCol>
+                  <a:gridCol w="672399">
+                    <a:extLst>
+                      <a:ext uri="{9D8B030D-6E8A-4147-A177-3AD203B41FA5}">
+                        <a16:colId xmlns:a16="http://schemas.microsoft.com/office/drawing/2014/main" val="2668137148"/>
+                      </a:ext>
+                    </a:extLst>
+                  </a:gridCol>
+                  <a:gridCol w="689867">
+                    <a:extLst>
+                      <a:ext uri="{9D8B030D-6E8A-4147-A177-3AD203B41FA5}">
+                        <a16:colId xmlns:a16="http://schemas.microsoft.com/office/drawing/2014/main" val="3268386636"/>
+                      </a:ext>
+                    </a:extLst>
+                  </a:gridCol>
+                  <a:gridCol w="578298">
+                    <a:extLst>
+                      <a:ext uri="{9D8B030D-6E8A-4147-A177-3AD203B41FA5}">
+                        <a16:colId xmlns:a16="http://schemas.microsoft.com/office/drawing/2014/main" val="532468388"/>
+                      </a:ext>
+                    </a:extLst>
+                  </a:gridCol>
+                </a:tblGrid>
+                <a:tr h="166619">
+                  <a:tc>
+                    <a:txBody>
+                      <a:bodyPr/>
+                      <a:lstStyle/>
+                      <a:p>
+                        <a:pPr algn="ctr"/>
+                        <a:r>
+                          <a:rPr lang="en-US" sz="1600" b="0" strike="noStrike" spc="-1" dirty="0">
+                            <a:latin typeface="Lucida Sans" panose="020B0602030504020204" pitchFamily="34" charset="0"/>
+                          </a:rPr>
+                          <a:t>x</a:t>
+                        </a:r>
+                        <a:r>
+                          <a:rPr lang="en-US" sz="1600" b="0" strike="noStrike" spc="-1" baseline="-25000" dirty="0">
+                            <a:latin typeface="Lucida Sans" panose="020B0602030504020204" pitchFamily="34" charset="0"/>
                           </a:rPr>
                           <a:t>1</a:t>
                         </a:r>
                       </a:p>
                     </a:txBody>
                     <a:tcPr marL="90000" marR="90000">
-                      <a:lnL w="12700" cap="flat" cmpd="sng" algn="ctr">
-                        <a:solidFill>
-                          <a:schemeClr val="tx1"/>
-                        </a:solidFill>
-                        <a:prstDash val="solid"/>
-                        <a:round/>
-                        <a:headEnd type="none" w="med" len="med"/>
-                        <a:tailEnd type="none" w="med" len="med"/>
+                      <a:lnL w="720">
+                        <a:noFill/>
                       </a:lnL>
                       <a:lnR w="12700" cap="flat" cmpd="sng" algn="ctr">
                         <a:solidFill>
@@ -2692,16 +5435,20 @@
                         <a:tailEnd type="none" w="med" len="med"/>
                       </a:lnR>
                       <a:lnT w="12700" cap="flat" cmpd="sng" algn="ctr">
-                        <a:solidFill>
-                          <a:schemeClr val="tx1"/>
-                        </a:solidFill>
+                        <a:noFill/>
                         <a:prstDash val="solid"/>
                         <a:round/>
                         <a:headEnd type="none" w="med" len="med"/>
                         <a:tailEnd type="none" w="med" len="med"/>
                       </a:lnT>
-                      <a:lnB w="720">
-                        <a:noFill/>
+                      <a:lnB w="12700" cap="flat" cmpd="sng" algn="ctr">
+                        <a:solidFill>
+                          <a:schemeClr val="tx1"/>
+                        </a:solidFill>
+                        <a:prstDash val="solid"/>
+                        <a:round/>
+                        <a:headEnd type="none" w="med" len="med"/>
+                        <a:tailEnd type="none" w="med" len="med"/>
                       </a:lnB>
                       <a:lnTlToBr w="12700" cmpd="sng">
                         <a:noFill/>
@@ -2712,7 +5459,286 @@
                         <a:prstDash val="solid"/>
                       </a:lnBlToTr>
                       <a:solidFill>
-                        <a:srgbClr val="CCCCCC"/>
+                        <a:schemeClr val="bg1">
+                          <a:lumMod val="65000"/>
+                        </a:schemeClr>
+                      </a:solidFill>
+                    </a:tcPr>
+                  </a:tc>
+                  <a:tc>
+                    <a:txBody>
+                      <a:bodyPr/>
+                      <a:lstStyle/>
+                      <a:p>
+                        <a:pPr algn="ctr"/>
+                        <a:r>
+                          <a:rPr lang="tr-TR" sz="1600" b="0" strike="noStrike" spc="-1" dirty="0">
+                            <a:latin typeface="Lucida Sans" panose="020B0602030504020204" pitchFamily="34" charset="0"/>
+                          </a:rPr>
+                          <a:t>2</a:t>
+                        </a:r>
+                        <a:endParaRPr lang="en-US" sz="1600" b="0" strike="noStrike" spc="-1" dirty="0">
+                          <a:latin typeface="Lucida Sans" panose="020B0602030504020204" pitchFamily="34" charset="0"/>
+                        </a:endParaRPr>
+                      </a:p>
+                    </a:txBody>
+                    <a:tcPr marL="90000" marR="90000">
+                      <a:lnL w="12700" cap="flat" cmpd="sng" algn="ctr">
+                        <a:solidFill>
+                          <a:schemeClr val="tx1"/>
+                        </a:solidFill>
+                        <a:prstDash val="solid"/>
+                        <a:round/>
+                        <a:headEnd type="none" w="med" len="med"/>
+                        <a:tailEnd type="none" w="med" len="med"/>
+                      </a:lnL>
+                      <a:lnR w="12700" cap="flat" cmpd="sng" algn="ctr">
+                        <a:solidFill>
+                          <a:schemeClr val="tx1"/>
+                        </a:solidFill>
+                        <a:prstDash val="solid"/>
+                        <a:round/>
+                        <a:headEnd type="none" w="med" len="med"/>
+                        <a:tailEnd type="none" w="med" len="med"/>
+                      </a:lnR>
+                      <a:lnT w="12700" cap="flat" cmpd="sng" algn="ctr">
+                        <a:noFill/>
+                        <a:prstDash val="solid"/>
+                        <a:round/>
+                        <a:headEnd type="none" w="med" len="med"/>
+                        <a:tailEnd type="none" w="med" len="med"/>
+                      </a:lnT>
+                      <a:lnB w="12700" cap="flat" cmpd="sng" algn="ctr">
+                        <a:solidFill>
+                          <a:schemeClr val="tx1"/>
+                        </a:solidFill>
+                        <a:prstDash val="solid"/>
+                        <a:round/>
+                        <a:headEnd type="none" w="med" len="med"/>
+                        <a:tailEnd type="none" w="med" len="med"/>
+                      </a:lnB>
+                      <a:lnTlToBr w="12700" cmpd="sng">
+                        <a:noFill/>
+                        <a:prstDash val="solid"/>
+                      </a:lnTlToBr>
+                      <a:lnBlToTr w="12700" cmpd="sng">
+                        <a:noFill/>
+                        <a:prstDash val="solid"/>
+                      </a:lnBlToTr>
+                      <a:solidFill>
+                        <a:schemeClr val="bg1">
+                          <a:lumMod val="65000"/>
+                        </a:schemeClr>
+                      </a:solidFill>
+                    </a:tcPr>
+                  </a:tc>
+                  <a:tc>
+                    <a:txBody>
+                      <a:bodyPr/>
+                      <a:lstStyle/>
+                      <a:p>
+                        <a:pPr algn="ctr"/>
+                        <a:r>
+                          <a:rPr lang="tr-TR" sz="1600" b="0" strike="noStrike" spc="-1" dirty="0">
+                            <a:latin typeface="Lucida Sans" panose="020B0602030504020204" pitchFamily="34" charset="0"/>
+                          </a:rPr>
+                          <a:t>2</a:t>
+                        </a:r>
+                      </a:p>
+                      <a:p>
+                        <a:pPr algn="ctr"/>
+                        <a:r>
+                          <a:rPr lang="tr-TR" sz="1600" b="0" strike="noStrike" spc="-1" dirty="0">
+                            <a:latin typeface="Lucida Sans" panose="020B0602030504020204" pitchFamily="34" charset="0"/>
+                          </a:rPr>
+                          <a:t>2⋅5</a:t>
+                        </a:r>
+                        <a:endParaRPr lang="en-AT" sz="1600" dirty="0"/>
+                      </a:p>
+                    </a:txBody>
+                    <a:tcPr marL="90000" marR="90000">
+                      <a:lnL w="12700" cap="flat" cmpd="sng" algn="ctr">
+                        <a:solidFill>
+                          <a:schemeClr val="tx1"/>
+                        </a:solidFill>
+                        <a:prstDash val="solid"/>
+                        <a:round/>
+                        <a:headEnd type="none" w="med" len="med"/>
+                        <a:tailEnd type="none" w="med" len="med"/>
+                      </a:lnL>
+                      <a:lnR w="12700" cap="flat" cmpd="sng" algn="ctr">
+                        <a:solidFill>
+                          <a:schemeClr val="tx1"/>
+                        </a:solidFill>
+                        <a:prstDash val="solid"/>
+                        <a:round/>
+                        <a:headEnd type="none" w="med" len="med"/>
+                        <a:tailEnd type="none" w="med" len="med"/>
+                      </a:lnR>
+                      <a:lnT w="12700" cap="flat" cmpd="sng" algn="ctr">
+                        <a:noFill/>
+                        <a:prstDash val="solid"/>
+                        <a:round/>
+                        <a:headEnd type="none" w="med" len="med"/>
+                        <a:tailEnd type="none" w="med" len="med"/>
+                      </a:lnT>
+                      <a:lnB w="12700" cap="flat" cmpd="sng" algn="ctr">
+                        <a:solidFill>
+                          <a:schemeClr val="tx1"/>
+                        </a:solidFill>
+                        <a:prstDash val="solid"/>
+                        <a:round/>
+                        <a:headEnd type="none" w="med" len="med"/>
+                        <a:tailEnd type="none" w="med" len="med"/>
+                      </a:lnB>
+                      <a:lnTlToBr w="12700" cmpd="sng">
+                        <a:noFill/>
+                        <a:prstDash val="solid"/>
+                      </a:lnTlToBr>
+                      <a:lnBlToTr w="12700" cmpd="sng">
+                        <a:noFill/>
+                        <a:prstDash val="solid"/>
+                      </a:lnBlToTr>
+                      <a:solidFill>
+                        <a:schemeClr val="bg1">
+                          <a:lumMod val="65000"/>
+                        </a:schemeClr>
+                      </a:solidFill>
+                    </a:tcPr>
+                  </a:tc>
+                  <a:tc>
+                    <a:txBody>
+                      <a:bodyPr/>
+                      <a:lstStyle/>
+                      <a:p>
+                        <a:pPr marL="0" marR="0" lvl="0" indent="0" algn="ctr" defTabSz="914400" rtl="0" eaLnBrk="1" fontAlgn="auto" latinLnBrk="0" hangingPunct="1">
+                          <a:lnSpc>
+                            <a:spcPct val="100000"/>
+                          </a:lnSpc>
+                          <a:spcBef>
+                            <a:spcPts val="0"/>
+                          </a:spcBef>
+                          <a:spcAft>
+                            <a:spcPts val="0"/>
+                          </a:spcAft>
+                          <a:buClrTx/>
+                          <a:buSzTx/>
+                          <a:buFontTx/>
+                          <a:buNone/>
+                          <a:tabLst/>
+                          <a:defRPr/>
+                        </a:pPr>
+                        <a:r>
+                          <a:rPr lang="tr-TR" sz="1600" b="0" strike="noStrike" spc="-1" dirty="0">
+                            <a:latin typeface="Lucida Sans" panose="020B0602030504020204" pitchFamily="34" charset="0"/>
+                          </a:rPr>
+                          <a:t>2⋅5</a:t>
+                        </a:r>
+                      </a:p>
+                      <a:p>
+                        <a:pPr marL="0" marR="0" lvl="0" indent="0" algn="ctr" defTabSz="914400" rtl="0" eaLnBrk="1" fontAlgn="auto" latinLnBrk="0" hangingPunct="1">
+                          <a:lnSpc>
+                            <a:spcPct val="100000"/>
+                          </a:lnSpc>
+                          <a:spcBef>
+                            <a:spcPts val="0"/>
+                          </a:spcBef>
+                          <a:spcAft>
+                            <a:spcPts val="0"/>
+                          </a:spcAft>
+                          <a:buClrTx/>
+                          <a:buSzTx/>
+                          <a:buFontTx/>
+                          <a:buNone/>
+                          <a:tabLst/>
+                          <a:defRPr/>
+                        </a:pPr>
+                        <a:r>
+                          <a:rPr lang="tr-TR" sz="1600" b="0" strike="noStrike" spc="-1" dirty="0">
+                            <a:latin typeface="Lucida Sans" panose="020B0602030504020204" pitchFamily="34" charset="0"/>
+                          </a:rPr>
+                          <a:t>5</a:t>
+                        </a:r>
+                        <a:endParaRPr lang="en-AT" sz="1600" dirty="0"/>
+                      </a:p>
+                    </a:txBody>
+                    <a:tcPr marL="90000" marR="90000">
+                      <a:lnL w="12700" cap="flat" cmpd="sng" algn="ctr">
+                        <a:solidFill>
+                          <a:schemeClr val="tx1"/>
+                        </a:solidFill>
+                        <a:prstDash val="solid"/>
+                        <a:round/>
+                        <a:headEnd type="none" w="med" len="med"/>
+                        <a:tailEnd type="none" w="med" len="med"/>
+                      </a:lnL>
+                      <a:lnT w="12700" cap="flat" cmpd="sng" algn="ctr">
+                        <a:noFill/>
+                        <a:prstDash val="solid"/>
+                        <a:round/>
+                        <a:headEnd type="none" w="med" len="med"/>
+                        <a:tailEnd type="none" w="med" len="med"/>
+                      </a:lnT>
+                      <a:solidFill>
+                        <a:schemeClr val="bg1">
+                          <a:lumMod val="65000"/>
+                        </a:schemeClr>
+                      </a:solidFill>
+                    </a:tcPr>
+                  </a:tc>
+                  <a:tc gridSpan="3">
+                    <a:txBody>
+                      <a:bodyPr/>
+                      <a:lstStyle/>
+                      <a:p>
+                        <a:pPr algn="ctr"/>
+                        <a:r>
+                          <a:rPr lang="tr-TR" sz="1600" b="0" strike="noStrike" spc="-1" dirty="0">
+                            <a:latin typeface="Lucida Sans" panose="020B0602030504020204" pitchFamily="34" charset="0"/>
+                          </a:rPr>
+                          <a:t>5⋅3</a:t>
+                        </a:r>
+                        <a:endParaRPr lang="en-AT" dirty="0"/>
+                      </a:p>
+                    </a:txBody>
+                    <a:tcPr marL="90000" marR="90000">
+                      <a:lnR w="12700" cap="flat" cmpd="sng" algn="ctr">
+                        <a:solidFill>
+                          <a:schemeClr val="tx1"/>
+                        </a:solidFill>
+                        <a:prstDash val="solid"/>
+                        <a:round/>
+                        <a:headEnd type="none" w="med" len="med"/>
+                        <a:tailEnd type="none" w="med" len="med"/>
+                      </a:lnR>
+                      <a:lnT w="12700" cap="flat" cmpd="sng" algn="ctr">
+                        <a:noFill/>
+                        <a:prstDash val="solid"/>
+                        <a:round/>
+                        <a:headEnd type="none" w="med" len="med"/>
+                        <a:tailEnd type="none" w="med" len="med"/>
+                      </a:lnT>
+                      <a:lnB w="12700" cap="flat" cmpd="sng" algn="ctr">
+                        <a:solidFill>
+                          <a:schemeClr val="tx1"/>
+                        </a:solidFill>
+                        <a:prstDash val="solid"/>
+                        <a:round/>
+                        <a:headEnd type="none" w="med" len="med"/>
+                        <a:tailEnd type="none" w="med" len="med"/>
+                      </a:lnB>
+                      <a:lnTlToBr w="12700" cmpd="sng">
+                        <a:noFill/>
+                        <a:prstDash val="solid"/>
+                      </a:lnTlToBr>
+                      <a:lnBlToTr w="12700" cmpd="sng">
+                        <a:noFill/>
+                        <a:prstDash val="solid"/>
+                      </a:lnBlToTr>
+                      <a:solidFill>
+                        <a:schemeClr val="bg1">
+                          <a:lumMod val="65000"/>
+                        </a:schemeClr>
                       </a:solidFill>
                     </a:tcPr>
                   </a:tc>
@@ -2724,88 +5750,16 @@
                         <a:endParaRPr lang="en-AT"/>
                       </a:p>
                     </a:txBody>
-                    <a:tcPr marL="90000" marR="90000">
-                      <a:lnL w="720">
-                        <a:solidFill>
-                          <a:srgbClr val="FFFFFF"/>
-                        </a:solidFill>
+                    <a:tcPr>
+                      <a:lnL w="12700" cap="flat" cmpd="sng" algn="ctr">
+                        <a:solidFill>
+                          <a:schemeClr val="tx1"/>
+                        </a:solidFill>
+                        <a:prstDash val="solid"/>
+                        <a:round/>
+                        <a:headEnd type="none" w="med" len="med"/>
+                        <a:tailEnd type="none" w="med" len="med"/>
                       </a:lnL>
-                      <a:lnR w="720">
-                        <a:solidFill>
-                          <a:srgbClr val="FFFFFF"/>
-                        </a:solidFill>
-                      </a:lnR>
-                      <a:lnT w="720">
-                        <a:solidFill>
-                          <a:srgbClr val="FFFFFF"/>
-                        </a:solidFill>
-                      </a:lnT>
-                      <a:lnB w="720">
-                        <a:solidFill>
-                          <a:srgbClr val="FFFFFF"/>
-                        </a:solidFill>
-                      </a:lnB>
-                      <a:solidFill>
-                        <a:srgbClr val="CCCCCC"/>
-                      </a:solidFill>
-                    </a:tcPr>
-                  </a:tc>
-                  <a:tc gridSpan="2">
-                    <a:txBody>
-                      <a:bodyPr/>
-                      <a:lstStyle/>
-                      <a:p>
-                        <a:pPr algn="ctr"/>
-                        <a:r>
-                          <a:rPr lang="en-US" sz="1800" b="0" strike="noStrike" spc="-1" dirty="0">
-                            <a:latin typeface="Arial"/>
-                          </a:rPr>
-                          <a:t>10</a:t>
-                        </a:r>
-                      </a:p>
-                    </a:txBody>
-                    <a:tcPr marL="90000" marR="90000">
-                      <a:lnL w="12700" cap="flat" cmpd="sng" algn="ctr">
-                        <a:solidFill>
-                          <a:schemeClr val="tx1"/>
-                        </a:solidFill>
-                        <a:prstDash val="solid"/>
-                        <a:round/>
-                        <a:headEnd type="none" w="med" len="med"/>
-                        <a:tailEnd type="none" w="med" len="med"/>
-                      </a:lnL>
-                      <a:lnR w="12700" cap="flat" cmpd="sng" algn="ctr">
-                        <a:solidFill>
-                          <a:schemeClr val="tx1"/>
-                        </a:solidFill>
-                        <a:prstDash val="solid"/>
-                        <a:round/>
-                        <a:headEnd type="none" w="med" len="med"/>
-                        <a:tailEnd type="none" w="med" len="med"/>
-                      </a:lnR>
-                      <a:lnT w="12700" cap="flat" cmpd="sng" algn="ctr">
-                        <a:solidFill>
-                          <a:schemeClr val="tx1"/>
-                        </a:solidFill>
-                        <a:prstDash val="solid"/>
-                        <a:round/>
-                        <a:headEnd type="none" w="med" len="med"/>
-                        <a:tailEnd type="none" w="med" len="med"/>
-                      </a:lnT>
-                      <a:lnB w="720">
-                        <a:noFill/>
-                      </a:lnB>
-                      <a:lnTlToBr w="12700" cmpd="sng">
-                        <a:noFill/>
-                        <a:prstDash val="solid"/>
-                      </a:lnTlToBr>
-                      <a:lnBlToTr w="12700" cmpd="sng">
-                        <a:noFill/>
-                        <a:prstDash val="solid"/>
-                      </a:lnBlToTr>
-                      <a:solidFill>
-                        <a:srgbClr val="CCCCCC"/>
-                      </a:solidFill>
                     </a:tcPr>
                   </a:tc>
                   <a:tc hMerge="1">
@@ -2816,58 +5770,116 @@
                         <a:endParaRPr lang="en-AT"/>
                       </a:p>
                     </a:txBody>
-                    <a:tcPr marL="90000" marR="90000">
-                      <a:lnL w="720">
-                        <a:solidFill>
-                          <a:srgbClr val="FFFFFF"/>
-                        </a:solidFill>
+                    <a:tcPr>
+                      <a:lnL w="12700" cap="flat" cmpd="sng" algn="ctr">
+                        <a:solidFill>
+                          <a:schemeClr val="tx1"/>
+                        </a:solidFill>
+                        <a:prstDash val="solid"/>
+                        <a:round/>
+                        <a:headEnd type="none" w="med" len="med"/>
+                        <a:tailEnd type="none" w="med" len="med"/>
                       </a:lnL>
-                      <a:lnR w="720">
-                        <a:solidFill>
-                          <a:srgbClr val="FFFFFF"/>
-                        </a:solidFill>
-                      </a:lnR>
-                      <a:lnT w="720">
-                        <a:solidFill>
-                          <a:srgbClr val="FFFFFF"/>
-                        </a:solidFill>
-                      </a:lnT>
-                      <a:lnB w="720">
-                        <a:solidFill>
-                          <a:srgbClr val="FFFFFF"/>
-                        </a:solidFill>
-                      </a:lnB>
-                      <a:solidFill>
-                        <a:srgbClr val="CCCCCC"/>
-                      </a:solidFill>
                     </a:tcPr>
                   </a:tc>
-                  <a:tc gridSpan="2">
+                  <a:tc>
                     <a:txBody>
                       <a:bodyPr/>
                       <a:lstStyle/>
                       <a:p>
                         <a:pPr algn="ctr"/>
                         <a:r>
-                          <a:rPr lang="en-US" sz="1800" b="0" strike="noStrike" spc="-1" dirty="0">
-                            <a:latin typeface="Arial"/>
+                          <a:rPr lang="tr-TR" sz="1600" b="0" strike="noStrike" spc="-1" dirty="0">
+                            <a:latin typeface="Lucida Sans" panose="020B0602030504020204" pitchFamily="34" charset="0"/>
                           </a:rPr>
-                          <a:t>0</a:t>
+                          <a:t>3</a:t>
+                        </a:r>
+                        <a:endParaRPr lang="en-AT" dirty="0"/>
+                      </a:p>
+                    </a:txBody>
+                    <a:tcPr marL="90000" marR="90000">
+                      <a:lnL w="12700" cap="flat" cmpd="sng" algn="ctr">
+                        <a:solidFill>
+                          <a:schemeClr val="tx1"/>
+                        </a:solidFill>
+                        <a:prstDash val="solid"/>
+                        <a:round/>
+                        <a:headEnd type="none" w="med" len="med"/>
+                        <a:tailEnd type="none" w="med" len="med"/>
+                      </a:lnL>
+                      <a:lnR w="720">
+                        <a:noFill/>
+                      </a:lnR>
+                      <a:lnT w="12700" cap="flat" cmpd="sng" algn="ctr">
+                        <a:noFill/>
+                        <a:prstDash val="solid"/>
+                        <a:round/>
+                        <a:headEnd type="none" w="med" len="med"/>
+                        <a:tailEnd type="none" w="med" len="med"/>
+                      </a:lnT>
+                      <a:lnB w="12700" cap="flat" cmpd="sng" algn="ctr">
+                        <a:solidFill>
+                          <a:schemeClr val="tx1"/>
+                        </a:solidFill>
+                        <a:prstDash val="solid"/>
+                        <a:round/>
+                        <a:headEnd type="none" w="med" len="med"/>
+                        <a:tailEnd type="none" w="med" len="med"/>
+                      </a:lnB>
+                      <a:lnTlToBr w="12700" cmpd="sng">
+                        <a:noFill/>
+                        <a:prstDash val="solid"/>
+                      </a:lnTlToBr>
+                      <a:lnBlToTr w="12700" cmpd="sng">
+                        <a:noFill/>
+                        <a:prstDash val="solid"/>
+                      </a:lnBlToTr>
+                      <a:solidFill>
+                        <a:schemeClr val="bg1">
+                          <a:lumMod val="65000"/>
+                        </a:schemeClr>
+                      </a:solidFill>
+                    </a:tcPr>
+                  </a:tc>
+                  <a:extLst>
+                    <a:ext uri="{0D108BD9-81ED-4DB2-BD59-A6C34878D82A}">
+                      <a16:rowId xmlns:a16="http://schemas.microsoft.com/office/drawing/2014/main" val="10000"/>
+                    </a:ext>
+                  </a:extLst>
+                </a:tr>
+                <a:tr h="234781">
+                  <a:tc>
+                    <a:txBody>
+                      <a:bodyPr/>
+                      <a:lstStyle/>
+                      <a:p>
+                        <a:pPr algn="ctr"/>
+                        <a:r>
+                          <a:rPr lang="en-US" sz="1600" b="0" strike="noStrike" spc="-1" dirty="0">
+                            <a:latin typeface="Lucida Sans" panose="020B0602030504020204" pitchFamily="34" charset="0"/>
+                          </a:rPr>
+                          <a:t>x</a:t>
+                        </a:r>
+                        <a:r>
+                          <a:rPr lang="en-US" sz="1600" b="0" strike="noStrike" spc="-1" baseline="-25000" dirty="0">
+                            <a:latin typeface="Lucida Sans" panose="020B0602030504020204" pitchFamily="34" charset="0"/>
+                          </a:rPr>
+                          <a:t>2</a:t>
                         </a:r>
                       </a:p>
                     </a:txBody>
                     <a:tcPr marL="90000" marR="90000">
-                      <a:lnL w="12700" cap="flat" cmpd="sng" algn="ctr">
-                        <a:solidFill>
-                          <a:schemeClr val="tx1"/>
-                        </a:solidFill>
-                        <a:prstDash val="solid"/>
-                        <a:round/>
-                        <a:headEnd type="none" w="med" len="med"/>
-                        <a:tailEnd type="none" w="med" len="med"/>
+                      <a:lnL w="720">
+                        <a:noFill/>
                       </a:lnL>
-                      <a:lnR w="720">
-                        <a:noFill/>
+                      <a:lnR w="12700" cap="flat" cmpd="sng" algn="ctr">
+                        <a:solidFill>
+                          <a:schemeClr val="tx1"/>
+                        </a:solidFill>
+                        <a:prstDash val="solid"/>
+                        <a:round/>
+                        <a:headEnd type="none" w="med" len="med"/>
+                        <a:tailEnd type="none" w="med" len="med"/>
                       </a:lnR>
                       <a:lnT w="12700" cap="flat" cmpd="sng" algn="ctr">
                         <a:solidFill>
@@ -2890,41 +5902,518 @@
                         <a:prstDash val="solid"/>
                       </a:lnBlToTr>
                       <a:solidFill>
-                        <a:srgbClr val="CCCCCC"/>
+                        <a:schemeClr val="bg1">
+                          <a:lumMod val="85000"/>
+                        </a:schemeClr>
                       </a:solidFill>
                     </a:tcPr>
                   </a:tc>
-                  <a:tc hMerge="1">
+                  <a:tc>
                     <a:txBody>
                       <a:bodyPr/>
                       <a:lstStyle/>
                       <a:p>
-                        <a:endParaRPr lang="en-AT"/>
+                        <a:pPr algn="ctr"/>
+                        <a:r>
+                          <a:rPr lang="tr-TR" sz="1600" b="0" strike="noStrike" spc="-1" dirty="0">
+                            <a:latin typeface="Lucida Sans" panose="020B0602030504020204" pitchFamily="34" charset="0"/>
+                          </a:rPr>
+                          <a:t>3</a:t>
+                        </a:r>
+                      </a:p>
+                      <a:p>
+                        <a:pPr algn="ctr"/>
+                        <a:r>
+                          <a:rPr lang="tr-TR" sz="1600" b="0" strike="noStrike" spc="-1" dirty="0">
+                            <a:latin typeface="Lucida Sans" panose="020B0602030504020204" pitchFamily="34" charset="0"/>
+                          </a:rPr>
+                          <a:t>3⋅7</a:t>
+                        </a:r>
+                        <a:endParaRPr lang="en-US" sz="1600" b="0" strike="noStrike" spc="-1" dirty="0">
+                          <a:latin typeface="Lucida Sans" panose="020B0602030504020204" pitchFamily="34" charset="0"/>
+                        </a:endParaRPr>
                       </a:p>
                     </a:txBody>
                     <a:tcPr marL="90000" marR="90000">
-                      <a:lnL w="720">
-                        <a:solidFill>
-                          <a:srgbClr val="FFFFFF"/>
-                        </a:solidFill>
+                      <a:lnL w="12700" cap="flat" cmpd="sng" algn="ctr">
+                        <a:solidFill>
+                          <a:schemeClr val="tx1"/>
+                        </a:solidFill>
+                        <a:prstDash val="solid"/>
+                        <a:round/>
+                        <a:headEnd type="none" w="med" len="med"/>
+                        <a:tailEnd type="none" w="med" len="med"/>
+                      </a:lnL>
+                      <a:lnR w="12700" cap="flat" cmpd="sng" algn="ctr">
+                        <a:solidFill>
+                          <a:schemeClr val="tx1"/>
+                        </a:solidFill>
+                        <a:prstDash val="solid"/>
+                        <a:round/>
+                        <a:headEnd type="none" w="med" len="med"/>
+                        <a:tailEnd type="none" w="med" len="med"/>
+                      </a:lnR>
+                      <a:lnT w="12700" cap="flat" cmpd="sng" algn="ctr">
+                        <a:solidFill>
+                          <a:schemeClr val="tx1"/>
+                        </a:solidFill>
+                        <a:prstDash val="solid"/>
+                        <a:round/>
+                        <a:headEnd type="none" w="med" len="med"/>
+                        <a:tailEnd type="none" w="med" len="med"/>
+                      </a:lnT>
+                      <a:lnB w="12700" cap="flat" cmpd="sng" algn="ctr">
+                        <a:noFill/>
+                        <a:prstDash val="solid"/>
+                        <a:round/>
+                        <a:headEnd type="none" w="med" len="med"/>
+                        <a:tailEnd type="none" w="med" len="med"/>
+                      </a:lnB>
+                      <a:lnTlToBr w="12700" cmpd="sng">
+                        <a:noFill/>
+                        <a:prstDash val="solid"/>
+                      </a:lnTlToBr>
+                      <a:lnBlToTr w="12700" cmpd="sng">
+                        <a:noFill/>
+                        <a:prstDash val="solid"/>
+                      </a:lnBlToTr>
+                      <a:solidFill>
+                        <a:schemeClr val="bg1">
+                          <a:lumMod val="85000"/>
+                        </a:schemeClr>
+                      </a:solidFill>
+                    </a:tcPr>
+                  </a:tc>
+                  <a:tc>
+                    <a:txBody>
+                      <a:bodyPr/>
+                      <a:lstStyle/>
+                      <a:p>
+                        <a:pPr algn="ctr"/>
+                        <a:r>
+                          <a:rPr lang="tr-TR" sz="1600" b="0" strike="noStrike" spc="-1" dirty="0">
+                            <a:latin typeface="Lucida Sans" panose="020B0602030504020204" pitchFamily="34" charset="0"/>
+                          </a:rPr>
+                          <a:t>3</a:t>
+                        </a:r>
+                      </a:p>
+                      <a:p>
+                        <a:pPr marL="0" marR="0" lvl="0" indent="0" algn="ctr" defTabSz="914400" rtl="0" eaLnBrk="1" fontAlgn="auto" latinLnBrk="0" hangingPunct="1">
+                          <a:lnSpc>
+                            <a:spcPct val="100000"/>
+                          </a:lnSpc>
+                          <a:spcBef>
+                            <a:spcPts val="0"/>
+                          </a:spcBef>
+                          <a:spcAft>
+                            <a:spcPts val="0"/>
+                          </a:spcAft>
+                          <a:buClrTx/>
+                          <a:buSzTx/>
+                          <a:buFontTx/>
+                          <a:buNone/>
+                          <a:tabLst/>
+                          <a:defRPr/>
+                        </a:pPr>
+                        <a:r>
+                          <a:rPr lang="tr-TR" sz="1600" b="0" strike="noStrike" spc="-1" dirty="0">
+                            <a:latin typeface="Lucida Sans" panose="020B0602030504020204" pitchFamily="34" charset="0"/>
+                          </a:rPr>
+                          <a:t>3⋅7</a:t>
+                        </a:r>
+                      </a:p>
+                      <a:p>
+                        <a:pPr marL="0" marR="0" lvl="0" indent="0" algn="ctr" defTabSz="914400" rtl="0" eaLnBrk="1" fontAlgn="auto" latinLnBrk="0" hangingPunct="1">
+                          <a:lnSpc>
+                            <a:spcPct val="100000"/>
+                          </a:lnSpc>
+                          <a:spcBef>
+                            <a:spcPts val="0"/>
+                          </a:spcBef>
+                          <a:spcAft>
+                            <a:spcPts val="0"/>
+                          </a:spcAft>
+                          <a:buClrTx/>
+                          <a:buSzTx/>
+                          <a:buFontTx/>
+                          <a:buNone/>
+                          <a:tabLst/>
+                          <a:defRPr/>
+                        </a:pPr>
+                        <a:r>
+                          <a:rPr lang="tr-TR" sz="1600" b="0" strike="noStrike" spc="-1" dirty="0">
+                            <a:latin typeface="Lucida Sans" panose="020B0602030504020204" pitchFamily="34" charset="0"/>
+                          </a:rPr>
+                          <a:t>7</a:t>
+                        </a:r>
+                        <a:endParaRPr lang="en-US" sz="1600" b="0" strike="noStrike" spc="-1" dirty="0">
+                          <a:latin typeface="Lucida Sans" panose="020B0602030504020204" pitchFamily="34" charset="0"/>
+                        </a:endParaRPr>
+                      </a:p>
+                    </a:txBody>
+                    <a:tcPr marL="90000" marR="90000">
+                      <a:lnL w="12700" cap="flat" cmpd="sng" algn="ctr">
+                        <a:solidFill>
+                          <a:schemeClr val="tx1"/>
+                        </a:solidFill>
+                        <a:prstDash val="solid"/>
+                        <a:round/>
+                        <a:headEnd type="none" w="med" len="med"/>
+                        <a:tailEnd type="none" w="med" len="med"/>
+                      </a:lnL>
+                      <a:lnR w="12700" cap="flat" cmpd="sng" algn="ctr">
+                        <a:solidFill>
+                          <a:schemeClr val="tx1"/>
+                        </a:solidFill>
+                        <a:prstDash val="solid"/>
+                        <a:round/>
+                        <a:headEnd type="none" w="med" len="med"/>
+                        <a:tailEnd type="none" w="med" len="med"/>
+                      </a:lnR>
+                      <a:lnT w="12700" cap="flat" cmpd="sng" algn="ctr">
+                        <a:solidFill>
+                          <a:schemeClr val="tx1"/>
+                        </a:solidFill>
+                        <a:prstDash val="solid"/>
+                        <a:round/>
+                        <a:headEnd type="none" w="med" len="med"/>
+                        <a:tailEnd type="none" w="med" len="med"/>
+                      </a:lnT>
+                      <a:lnB w="12700" cap="flat" cmpd="sng" algn="ctr">
+                        <a:noFill/>
+                        <a:prstDash val="solid"/>
+                        <a:round/>
+                        <a:headEnd type="none" w="med" len="med"/>
+                        <a:tailEnd type="none" w="med" len="med"/>
+                      </a:lnB>
+                      <a:lnTlToBr w="12700" cmpd="sng">
+                        <a:noFill/>
+                        <a:prstDash val="solid"/>
+                      </a:lnTlToBr>
+                      <a:lnBlToTr w="12700" cmpd="sng">
+                        <a:noFill/>
+                        <a:prstDash val="solid"/>
+                      </a:lnBlToTr>
+                      <a:solidFill>
+                        <a:schemeClr val="bg1">
+                          <a:lumMod val="85000"/>
+                        </a:schemeClr>
+                      </a:solidFill>
+                    </a:tcPr>
+                  </a:tc>
+                  <a:tc>
+                    <a:txBody>
+                      <a:bodyPr/>
+                      <a:lstStyle/>
+                      <a:p>
+                        <a:pPr algn="ctr"/>
+                        <a:r>
+                          <a:rPr lang="tr-TR" sz="1600" b="0" strike="noStrike" spc="-1" dirty="0">
+                            <a:latin typeface="Lucida Sans" panose="020B0602030504020204" pitchFamily="34" charset="0"/>
+                          </a:rPr>
+                          <a:t>3⋅7</a:t>
+                        </a:r>
+                      </a:p>
+                      <a:p>
+                        <a:pPr algn="ctr"/>
+                        <a:r>
+                          <a:rPr lang="tr-TR" sz="1600" b="0" strike="noStrike" spc="-1" dirty="0">
+                            <a:latin typeface="Lucida Sans" panose="020B0602030504020204" pitchFamily="34" charset="0"/>
+                          </a:rPr>
+                          <a:t>3⋅7⋅2</a:t>
+                        </a:r>
+                      </a:p>
+                      <a:p>
+                        <a:pPr algn="ctr"/>
+                        <a:r>
+                          <a:rPr lang="tr-TR" sz="1600" b="0" strike="noStrike" spc="-1" dirty="0">
+                            <a:latin typeface="Lucida Sans" panose="020B0602030504020204" pitchFamily="34" charset="0"/>
+                          </a:rPr>
+                          <a:t>7</a:t>
+                        </a:r>
+                      </a:p>
+                      <a:p>
+                        <a:pPr algn="ctr"/>
+                        <a:r>
+                          <a:rPr lang="tr-TR" sz="1600" b="0" strike="noStrike" spc="-1" dirty="0">
+                            <a:latin typeface="Lucida Sans" panose="020B0602030504020204" pitchFamily="34" charset="0"/>
+                          </a:rPr>
+                          <a:t>7⋅2</a:t>
+                        </a:r>
+                        <a:endParaRPr lang="en-US" sz="1600" b="0" strike="noStrike" spc="-1" dirty="0">
+                          <a:latin typeface="Lucida Sans" panose="020B0602030504020204" pitchFamily="34" charset="0"/>
+                        </a:endParaRPr>
+                      </a:p>
+                    </a:txBody>
+                    <a:tcPr marL="90000" marR="90000">
+                      <a:lnL w="12700" cap="flat" cmpd="sng" algn="ctr">
+                        <a:solidFill>
+                          <a:schemeClr val="tx1"/>
+                        </a:solidFill>
+                        <a:prstDash val="solid"/>
+                        <a:round/>
+                        <a:headEnd type="none" w="med" len="med"/>
+                        <a:tailEnd type="none" w="med" len="med"/>
+                      </a:lnL>
+                      <a:lnR w="12700" cap="flat" cmpd="sng" algn="ctr">
+                        <a:solidFill>
+                          <a:schemeClr val="tx1"/>
+                        </a:solidFill>
+                        <a:prstDash val="solid"/>
+                        <a:round/>
+                        <a:headEnd type="none" w="med" len="med"/>
+                        <a:tailEnd type="none" w="med" len="med"/>
+                      </a:lnR>
+                      <a:lnB w="12700" cap="flat" cmpd="sng" algn="ctr">
+                        <a:noFill/>
+                        <a:prstDash val="solid"/>
+                        <a:round/>
+                        <a:headEnd type="none" w="med" len="med"/>
+                        <a:tailEnd type="none" w="med" len="med"/>
+                      </a:lnB>
+                      <a:lnTlToBr w="12700" cmpd="sng">
+                        <a:noFill/>
+                        <a:prstDash val="solid"/>
+                      </a:lnTlToBr>
+                      <a:lnBlToTr w="12700" cmpd="sng">
+                        <a:noFill/>
+                        <a:prstDash val="solid"/>
+                      </a:lnBlToTr>
+                      <a:solidFill>
+                        <a:schemeClr val="bg1">
+                          <a:lumMod val="85000"/>
+                        </a:schemeClr>
+                      </a:solidFill>
+                    </a:tcPr>
+                  </a:tc>
+                  <a:tc>
+                    <a:txBody>
+                      <a:bodyPr/>
+                      <a:lstStyle/>
+                      <a:p>
+                        <a:pPr algn="ctr"/>
+                        <a:endParaRPr lang="en-US" sz="1600" b="0" strike="noStrike" spc="-1" dirty="0">
+                          <a:latin typeface="Lucida Sans" panose="020B0602030504020204" pitchFamily="34" charset="0"/>
+                        </a:endParaRPr>
+                      </a:p>
+                    </a:txBody>
+                    <a:tcPr marL="90000" marR="90000">
+                      <a:lnL w="12700" cap="flat" cmpd="sng" algn="ctr">
+                        <a:solidFill>
+                          <a:schemeClr val="tx1"/>
+                        </a:solidFill>
+                        <a:prstDash val="solid"/>
+                        <a:round/>
+                        <a:headEnd type="none" w="med" len="med"/>
+                        <a:tailEnd type="none" w="med" len="med"/>
                       </a:lnL>
                       <a:lnR w="720">
-                        <a:solidFill>
-                          <a:srgbClr val="FFFFFF"/>
-                        </a:solidFill>
+                        <a:noFill/>
                       </a:lnR>
-                      <a:lnT w="720">
-                        <a:solidFill>
-                          <a:srgbClr val="FFFFFF"/>
-                        </a:solidFill>
+                      <a:lnT w="12700" cap="flat" cmpd="sng" algn="ctr">
+                        <a:solidFill>
+                          <a:schemeClr val="tx1"/>
+                        </a:solidFill>
+                        <a:prstDash val="solid"/>
+                        <a:round/>
+                        <a:headEnd type="none" w="med" len="med"/>
+                        <a:tailEnd type="none" w="med" len="med"/>
+                      </a:lnT>
+                      <a:lnB w="12700" cap="flat" cmpd="sng" algn="ctr">
+                        <a:noFill/>
+                        <a:prstDash val="solid"/>
+                        <a:round/>
+                        <a:headEnd type="none" w="med" len="med"/>
+                        <a:tailEnd type="none" w="med" len="med"/>
+                      </a:lnB>
+                      <a:lnTlToBr w="12700" cmpd="sng">
+                        <a:noFill/>
+                        <a:prstDash val="solid"/>
+                      </a:lnTlToBr>
+                      <a:lnBlToTr w="12700" cmpd="sng">
+                        <a:noFill/>
+                        <a:prstDash val="solid"/>
+                      </a:lnBlToTr>
+                      <a:solidFill>
+                        <a:schemeClr val="bg1">
+                          <a:lumMod val="85000"/>
+                        </a:schemeClr>
+                      </a:solidFill>
+                    </a:tcPr>
+                  </a:tc>
+                  <a:tc>
+                    <a:txBody>
+                      <a:bodyPr/>
+                      <a:lstStyle/>
+                      <a:p>
+                        <a:pPr marL="0" marR="0" lvl="0" indent="0" algn="ctr" defTabSz="914400" rtl="0" eaLnBrk="1" fontAlgn="auto" latinLnBrk="0" hangingPunct="1">
+                          <a:lnSpc>
+                            <a:spcPct val="100000"/>
+                          </a:lnSpc>
+                          <a:spcBef>
+                            <a:spcPts val="0"/>
+                          </a:spcBef>
+                          <a:spcAft>
+                            <a:spcPts val="0"/>
+                          </a:spcAft>
+                          <a:buClrTx/>
+                          <a:buSzTx/>
+                          <a:buFontTx/>
+                          <a:buNone/>
+                          <a:tabLst/>
+                          <a:defRPr/>
+                        </a:pPr>
+                        <a:r>
+                          <a:rPr lang="tr-TR" sz="1600" b="0" strike="noStrike" spc="-1" dirty="0">
+                            <a:latin typeface="Lucida Sans" panose="020B0602030504020204" pitchFamily="34" charset="0"/>
+                          </a:rPr>
+                          <a:t>7⋅2</a:t>
+                        </a:r>
+                      </a:p>
+                      <a:p>
+                        <a:pPr algn="ctr"/>
+                        <a:r>
+                          <a:rPr lang="tr-TR" sz="1600" b="0" strike="noStrike" spc="-1" dirty="0">
+                            <a:latin typeface="Lucida Sans" panose="020B0602030504020204" pitchFamily="34" charset="0"/>
+                          </a:rPr>
+                          <a:t>2</a:t>
+                        </a:r>
+                        <a:endParaRPr lang="en-US" sz="1600" b="0" strike="noStrike" spc="-1" dirty="0">
+                          <a:latin typeface="Lucida Sans" panose="020B0602030504020204" pitchFamily="34" charset="0"/>
+                        </a:endParaRPr>
+                      </a:p>
+                    </a:txBody>
+                    <a:tcPr marL="90000" marR="90000">
+                      <a:lnL w="12700" cmpd="sng">
+                        <a:noFill/>
+                        <a:prstDash val="solid"/>
+                      </a:lnL>
+                      <a:lnR w="720">
+                        <a:noFill/>
+                      </a:lnR>
+                      <a:lnB w="12700" cap="flat" cmpd="sng" algn="ctr">
+                        <a:noFill/>
+                        <a:prstDash val="solid"/>
+                        <a:round/>
+                        <a:headEnd type="none" w="med" len="med"/>
+                        <a:tailEnd type="none" w="med" len="med"/>
+                      </a:lnB>
+                      <a:lnTlToBr w="12700" cmpd="sng">
+                        <a:noFill/>
+                        <a:prstDash val="solid"/>
+                      </a:lnTlToBr>
+                      <a:lnBlToTr w="12700" cmpd="sng">
+                        <a:noFill/>
+                        <a:prstDash val="solid"/>
+                      </a:lnBlToTr>
+                      <a:solidFill>
+                        <a:schemeClr val="bg1">
+                          <a:lumMod val="85000"/>
+                        </a:schemeClr>
+                      </a:solidFill>
+                    </a:tcPr>
+                  </a:tc>
+                  <a:tc>
+                    <a:txBody>
+                      <a:bodyPr/>
+                      <a:lstStyle/>
+                      <a:p>
+                        <a:pPr algn="ctr"/>
+                        <a:endParaRPr lang="en-US" sz="1600" b="0" strike="noStrike" spc="-1" dirty="0">
+                          <a:latin typeface="Lucida Sans" panose="020B0602030504020204" pitchFamily="34" charset="0"/>
+                        </a:endParaRPr>
+                      </a:p>
+                    </a:txBody>
+                    <a:tcPr marL="90000" marR="90000">
+                      <a:lnL w="12700" cmpd="sng">
+                        <a:noFill/>
+                        <a:prstDash val="solid"/>
+                      </a:lnL>
+                      <a:lnR w="12700" cap="flat" cmpd="sng" algn="ctr">
+                        <a:solidFill>
+                          <a:schemeClr val="tx1"/>
+                        </a:solidFill>
+                        <a:prstDash val="solid"/>
+                        <a:round/>
+                        <a:headEnd type="none" w="med" len="med"/>
+                        <a:tailEnd type="none" w="med" len="med"/>
+                      </a:lnR>
+                      <a:lnB w="12700" cap="flat" cmpd="sng" algn="ctr">
+                        <a:noFill/>
+                        <a:prstDash val="solid"/>
+                        <a:round/>
+                        <a:headEnd type="none" w="med" len="med"/>
+                        <a:tailEnd type="none" w="med" len="med"/>
+                      </a:lnB>
+                      <a:lnTlToBr w="12700" cmpd="sng">
+                        <a:noFill/>
+                        <a:prstDash val="solid"/>
+                      </a:lnTlToBr>
+                      <a:lnBlToTr w="12700" cmpd="sng">
+                        <a:noFill/>
+                        <a:prstDash val="solid"/>
+                      </a:lnBlToTr>
+                      <a:solidFill>
+                        <a:schemeClr val="bg1">
+                          <a:lumMod val="85000"/>
+                        </a:schemeClr>
+                      </a:solidFill>
+                    </a:tcPr>
+                  </a:tc>
+                  <a:tc>
+                    <a:txBody>
+                      <a:bodyPr/>
+                      <a:lstStyle/>
+                      <a:p>
+                        <a:pPr algn="ctr"/>
+                        <a:r>
+                          <a:rPr lang="tr-TR" sz="1600" b="0" strike="noStrike" spc="-1" dirty="0">
+                            <a:latin typeface="Lucida Sans" panose="020B0602030504020204" pitchFamily="34" charset="0"/>
+                          </a:rPr>
+                          <a:t>2</a:t>
+                        </a:r>
+                        <a:endParaRPr lang="en-US" sz="1600" b="0" strike="noStrike" spc="-1" dirty="0">
+                          <a:latin typeface="Lucida Sans" panose="020B0602030504020204" pitchFamily="34" charset="0"/>
+                        </a:endParaRPr>
+                      </a:p>
+                    </a:txBody>
+                    <a:tcPr marL="90000" marR="90000">
+                      <a:lnL w="12700" cap="flat" cmpd="sng" algn="ctr">
+                        <a:solidFill>
+                          <a:schemeClr val="tx1"/>
+                        </a:solidFill>
+                        <a:prstDash val="solid"/>
+                        <a:round/>
+                        <a:headEnd type="none" w="med" len="med"/>
+                        <a:tailEnd type="none" w="med" len="med"/>
+                      </a:lnL>
+                      <a:lnR w="720">
+                        <a:noFill/>
+                      </a:lnR>
+                      <a:lnT w="12700" cap="flat" cmpd="sng" algn="ctr">
+                        <a:solidFill>
+                          <a:schemeClr val="tx1"/>
+                        </a:solidFill>
+                        <a:prstDash val="solid"/>
+                        <a:round/>
+                        <a:headEnd type="none" w="med" len="med"/>
+                        <a:tailEnd type="none" w="med" len="med"/>
                       </a:lnT>
                       <a:lnB w="720">
-                        <a:solidFill>
-                          <a:srgbClr val="FFFFFF"/>
-                        </a:solidFill>
+                        <a:noFill/>
                       </a:lnB>
+                      <a:lnTlToBr w="12700" cmpd="sng">
+                        <a:noFill/>
+                        <a:prstDash val="solid"/>
+                      </a:lnTlToBr>
+                      <a:lnBlToTr w="12700" cmpd="sng">
+                        <a:noFill/>
+                        <a:prstDash val="solid"/>
+                      </a:lnBlToTr>
                       <a:solidFill>
-                        <a:srgbClr val="CCCCCC"/>
+                        <a:schemeClr val="bg1">
+                          <a:lumMod val="85000"/>
+                        </a:schemeClr>
                       </a:solidFill>
                     </a:tcPr>
                   </a:tc>
@@ -2940,19 +6429,25 @@
         </p:graphicFrame>
         <p:graphicFrame>
           <p:nvGraphicFramePr>
-            <p:cNvPr id="42" name="Table 2"/>
+            <p:cNvPr id="8" name="Table 1">
+              <a:extLst>
+                <a:ext uri="{FF2B5EF4-FFF2-40B4-BE49-F238E27FC236}">
+                  <a16:creationId xmlns:a16="http://schemas.microsoft.com/office/drawing/2014/main" id="{5C0BA38C-3446-6422-C262-6304A92D946B}"/>
+                </a:ext>
+              </a:extLst>
+            </p:cNvPr>
             <p:cNvGraphicFramePr/>
             <p:nvPr>
               <p:extLst>
                 <p:ext uri="{D42A27DB-BD31-4B8C-83A1-F6EECF244321}">
-                  <p14:modId xmlns:p14="http://schemas.microsoft.com/office/powerpoint/2010/main" val="2538327590"/>
+                  <p14:modId xmlns:p14="http://schemas.microsoft.com/office/powerpoint/2010/main" val="3874094880"/>
                 </p:ext>
               </p:extLst>
             </p:nvPr>
           </p:nvGraphicFramePr>
           <p:xfrm>
-            <a:off x="2518560" y="3006000"/>
-            <a:ext cx="5075640" cy="1280160"/>
+            <a:off x="710768" y="3493611"/>
+            <a:ext cx="5936078" cy="1645920"/>
           </p:xfrm>
           <a:graphic>
             <a:graphicData uri="http://schemas.openxmlformats.org/drawingml/2006/table">
@@ -2966,50 +6461,57 @@
                       </a:ext>
                     </a:extLst>
                   </a:gridCol>
-                  <a:gridCol w="563760">
+                  <a:gridCol w="826566">
                     <a:extLst>
                       <a:ext uri="{9D8B030D-6E8A-4147-A177-3AD203B41FA5}">
                         <a16:colId xmlns:a16="http://schemas.microsoft.com/office/drawing/2014/main" val="20001"/>
                       </a:ext>
                     </a:extLst>
                   </a:gridCol>
-                  <a:gridCol w="563760">
+                  <a:gridCol w="1255544">
                     <a:extLst>
                       <a:ext uri="{9D8B030D-6E8A-4147-A177-3AD203B41FA5}">
-                        <a16:colId xmlns:a16="http://schemas.microsoft.com/office/drawing/2014/main" val="20002"/>
+                        <a16:colId xmlns:a16="http://schemas.microsoft.com/office/drawing/2014/main" val="1732260654"/>
                       </a:ext>
                     </a:extLst>
                   </a:gridCol>
-                  <a:gridCol w="1127520">
+                  <a:gridCol w="694713">
                     <a:extLst>
                       <a:ext uri="{9D8B030D-6E8A-4147-A177-3AD203B41FA5}">
-                        <a16:colId xmlns:a16="http://schemas.microsoft.com/office/drawing/2014/main" val="20003"/>
+                        <a16:colId xmlns:a16="http://schemas.microsoft.com/office/drawing/2014/main" val="4033637158"/>
                       </a:ext>
                     </a:extLst>
                   </a:gridCol>
-                  <a:gridCol w="1127520">
+                  <a:gridCol w="654931">
                     <a:extLst>
                       <a:ext uri="{9D8B030D-6E8A-4147-A177-3AD203B41FA5}">
-                        <a16:colId xmlns:a16="http://schemas.microsoft.com/office/drawing/2014/main" val="20004"/>
+                        <a16:colId xmlns:a16="http://schemas.microsoft.com/office/drawing/2014/main" val="1705362943"/>
                       </a:ext>
                     </a:extLst>
                   </a:gridCol>
-                  <a:gridCol w="563760">
+                  <a:gridCol w="672399">
                     <a:extLst>
                       <a:ext uri="{9D8B030D-6E8A-4147-A177-3AD203B41FA5}">
-                        <a16:colId xmlns:a16="http://schemas.microsoft.com/office/drawing/2014/main" val="20005"/>
+                        <a16:colId xmlns:a16="http://schemas.microsoft.com/office/drawing/2014/main" val="2668137148"/>
                       </a:ext>
                     </a:extLst>
                   </a:gridCol>
-                  <a:gridCol w="565560">
+                  <a:gridCol w="689867">
                     <a:extLst>
                       <a:ext uri="{9D8B030D-6E8A-4147-A177-3AD203B41FA5}">
-                        <a16:colId xmlns:a16="http://schemas.microsoft.com/office/drawing/2014/main" val="20006"/>
+                        <a16:colId xmlns:a16="http://schemas.microsoft.com/office/drawing/2014/main" val="3268386636"/>
+                      </a:ext>
+                    </a:extLst>
+                  </a:gridCol>
+                  <a:gridCol w="578298">
+                    <a:extLst>
+                      <a:ext uri="{9D8B030D-6E8A-4147-A177-3AD203B41FA5}">
+                        <a16:colId xmlns:a16="http://schemas.microsoft.com/office/drawing/2014/main" val="532468388"/>
                       </a:ext>
                     </a:extLst>
                   </a:gridCol>
                 </a:tblGrid>
-                <a:tr h="605880">
+                <a:tr h="166619">
                   <a:tc>
                     <a:txBody>
                       <a:bodyPr/>
@@ -3017,24 +6519,19 @@
                       <a:p>
                         <a:pPr algn="ctr"/>
                         <a:r>
-                          <a:rPr lang="en-US" sz="1800" b="0" strike="noStrike" spc="-1" dirty="0">
-                            <a:latin typeface="Arial"/>
+                          <a:rPr lang="tr-TR" sz="1600" b="0" strike="noStrike" spc="-1" baseline="0" dirty="0">
+                            <a:latin typeface="Lucida Sans" panose="020B0602030504020204" pitchFamily="34" charset="0"/>
                           </a:rPr>
-                          <a:t>x</a:t>
+                          <a:t>p</a:t>
                         </a:r>
-                        <a:r>
-                          <a:rPr lang="en-US" sz="1800" b="0" strike="noStrike" spc="-1" baseline="-25000" dirty="0">
-                            <a:latin typeface="Arial"/>
-                          </a:rPr>
-                          <a:t>1</a:t>
-                        </a:r>
+                        <a:endParaRPr lang="en-US" sz="1600" b="0" strike="noStrike" spc="-1" baseline="0" dirty="0">
+                          <a:latin typeface="Lucida Sans" panose="020B0602030504020204" pitchFamily="34" charset="0"/>
+                        </a:endParaRPr>
                       </a:p>
                     </a:txBody>
                     <a:tcPr marL="90000" marR="90000">
                       <a:lnL w="720">
-                        <a:solidFill>
-                          <a:srgbClr val="FFFFFF"/>
-                        </a:solidFill>
+                        <a:noFill/>
                       </a:lnL>
                       <a:lnR w="12700" cap="flat" cmpd="sng" algn="ctr">
                         <a:solidFill>
@@ -3045,10 +6542,12 @@
                         <a:headEnd type="none" w="med" len="med"/>
                         <a:tailEnd type="none" w="med" len="med"/>
                       </a:lnR>
-                      <a:lnT w="720">
-                        <a:solidFill>
-                          <a:srgbClr val="FFFFFF"/>
-                        </a:solidFill>
+                      <a:lnT w="12700" cap="flat" cmpd="sng" algn="ctr">
+                        <a:noFill/>
+                        <a:prstDash val="solid"/>
+                        <a:round/>
+                        <a:headEnd type="none" w="med" len="med"/>
+                        <a:tailEnd type="none" w="med" len="med"/>
                       </a:lnT>
                       <a:lnB w="12700" cap="flat" cmpd="sng" algn="ctr">
                         <a:solidFill>
@@ -3059,8 +6558,18 @@
                         <a:headEnd type="none" w="med" len="med"/>
                         <a:tailEnd type="none" w="med" len="med"/>
                       </a:lnB>
+                      <a:lnTlToBr w="12700" cmpd="sng">
+                        <a:noFill/>
+                        <a:prstDash val="solid"/>
+                      </a:lnTlToBr>
+                      <a:lnBlToTr w="12700" cmpd="sng">
+                        <a:noFill/>
+                        <a:prstDash val="solid"/>
+                      </a:lnBlToTr>
                       <a:solidFill>
-                        <a:srgbClr val="B3B3B3"/>
+                        <a:schemeClr val="bg1">
+                          <a:lumMod val="65000"/>
+                        </a:schemeClr>
                       </a:solidFill>
                     </a:tcPr>
                   </a:tc>
@@ -3071,11 +6580,14 @@
                       <a:p>
                         <a:pPr algn="ctr"/>
                         <a:r>
-                          <a:rPr lang="en-US" sz="1800" b="0" strike="noStrike" spc="-1">
-                            <a:latin typeface="Arial"/>
+                          <a:rPr lang="tr-TR" sz="1600" b="0" strike="noStrike" spc="-1" dirty="0">
+                            <a:latin typeface="Lucida Sans" panose="020B0602030504020204" pitchFamily="34" charset="0"/>
                           </a:rPr>
                           <a:t>0</a:t>
                         </a:r>
+                        <a:endParaRPr lang="en-US" sz="1600" b="0" strike="noStrike" spc="-1" dirty="0">
+                          <a:latin typeface="Lucida Sans" panose="020B0602030504020204" pitchFamily="34" charset="0"/>
+                        </a:endParaRPr>
                       </a:p>
                     </a:txBody>
                     <a:tcPr marL="90000" marR="90000">
@@ -3097,10 +6609,12 @@
                         <a:headEnd type="none" w="med" len="med"/>
                         <a:tailEnd type="none" w="med" len="med"/>
                       </a:lnR>
-                      <a:lnT w="720">
-                        <a:solidFill>
-                          <a:srgbClr val="FFFFFF"/>
-                        </a:solidFill>
+                      <a:lnT w="12700" cap="flat" cmpd="sng" algn="ctr">
+                        <a:noFill/>
+                        <a:prstDash val="solid"/>
+                        <a:round/>
+                        <a:headEnd type="none" w="med" len="med"/>
+                        <a:tailEnd type="none" w="med" len="med"/>
                       </a:lnT>
                       <a:lnB w="12700" cap="flat" cmpd="sng" algn="ctr">
                         <a:solidFill>
@@ -3111,8 +6625,18 @@
                         <a:headEnd type="none" w="med" len="med"/>
                         <a:tailEnd type="none" w="med" len="med"/>
                       </a:lnB>
+                      <a:lnTlToBr w="12700" cmpd="sng">
+                        <a:noFill/>
+                        <a:prstDash val="solid"/>
+                      </a:lnTlToBr>
+                      <a:lnBlToTr w="12700" cmpd="sng">
+                        <a:noFill/>
+                        <a:prstDash val="solid"/>
+                      </a:lnBlToTr>
                       <a:solidFill>
-                        <a:srgbClr val="B3B3B3"/>
+                        <a:schemeClr val="bg1">
+                          <a:lumMod val="65000"/>
+                        </a:schemeClr>
                       </a:solidFill>
                     </a:tcPr>
                   </a:tc>
@@ -3123,8 +6647,8 @@
                       <a:p>
                         <a:pPr algn="ctr"/>
                         <a:r>
-                          <a:rPr lang="en-US" sz="1800" b="0" strike="noStrike" spc="-1">
-                            <a:latin typeface="Arial"/>
+                          <a:rPr lang="tr-TR" sz="1600" b="0" strike="noStrike" spc="-1" dirty="0">
+                            <a:latin typeface="Lucida Sans" panose="020B0602030504020204" pitchFamily="34" charset="0"/>
                           </a:rPr>
                           <a:t>0</a:t>
                         </a:r>
@@ -3132,11 +6656,12 @@
                       <a:p>
                         <a:pPr algn="ctr"/>
                         <a:r>
-                          <a:rPr lang="en-US" sz="1800" b="0" strike="noStrike" spc="-1">
-                            <a:latin typeface="Arial"/>
+                          <a:rPr lang="tr-TR" sz="1600" b="0" strike="noStrike" spc="-1" dirty="0">
+                            <a:latin typeface="Lucida Sans" panose="020B0602030504020204" pitchFamily="34" charset="0"/>
                           </a:rPr>
-                          <a:t>01</a:t>
+                          <a:t>0⋅1</a:t>
                         </a:r>
+                        <a:endParaRPr lang="en-AT" sz="1600" dirty="0"/>
                       </a:p>
                     </a:txBody>
                     <a:tcPr marL="90000" marR="90000">
@@ -3158,10 +6683,12 @@
                         <a:headEnd type="none" w="med" len="med"/>
                         <a:tailEnd type="none" w="med" len="med"/>
                       </a:lnR>
-                      <a:lnT w="720">
-                        <a:solidFill>
-                          <a:srgbClr val="FFFFFF"/>
-                        </a:solidFill>
+                      <a:lnT w="12700" cap="flat" cmpd="sng" algn="ctr">
+                        <a:noFill/>
+                        <a:prstDash val="solid"/>
+                        <a:round/>
+                        <a:headEnd type="none" w="med" len="med"/>
+                        <a:tailEnd type="none" w="med" len="med"/>
                       </a:lnT>
                       <a:lnB w="12700" cap="flat" cmpd="sng" algn="ctr">
                         <a:solidFill>
@@ -3172,8 +6699,317 @@
                         <a:headEnd type="none" w="med" len="med"/>
                         <a:tailEnd type="none" w="med" len="med"/>
                       </a:lnB>
+                      <a:lnTlToBr w="12700" cmpd="sng">
+                        <a:noFill/>
+                        <a:prstDash val="solid"/>
+                      </a:lnTlToBr>
+                      <a:lnBlToTr w="12700" cmpd="sng">
+                        <a:noFill/>
+                        <a:prstDash val="solid"/>
+                      </a:lnBlToTr>
                       <a:solidFill>
-                        <a:srgbClr val="B3B3B3"/>
+                        <a:schemeClr val="bg1">
+                          <a:lumMod val="65000"/>
+                        </a:schemeClr>
+                      </a:solidFill>
+                    </a:tcPr>
+                  </a:tc>
+                  <a:tc>
+                    <a:txBody>
+                      <a:bodyPr/>
+                      <a:lstStyle/>
+                      <a:p>
+                        <a:pPr marL="0" marR="0" lvl="0" indent="0" algn="ctr" defTabSz="914400" rtl="0" eaLnBrk="1" fontAlgn="auto" latinLnBrk="0" hangingPunct="1">
+                          <a:lnSpc>
+                            <a:spcPct val="100000"/>
+                          </a:lnSpc>
+                          <a:spcBef>
+                            <a:spcPts val="0"/>
+                          </a:spcBef>
+                          <a:spcAft>
+                            <a:spcPts val="0"/>
+                          </a:spcAft>
+                          <a:buClrTx/>
+                          <a:buSzTx/>
+                          <a:buFontTx/>
+                          <a:buNone/>
+                          <a:tabLst/>
+                          <a:defRPr/>
+                        </a:pPr>
+                        <a:r>
+                          <a:rPr lang="tr-TR" sz="1600" b="0" strike="noStrike" spc="-1" dirty="0">
+                            <a:latin typeface="Lucida Sans" panose="020B0602030504020204" pitchFamily="34" charset="0"/>
+                          </a:rPr>
+                          <a:t>0⋅1</a:t>
+                        </a:r>
+                      </a:p>
+                      <a:p>
+                        <a:pPr marL="0" marR="0" lvl="0" indent="0" algn="ctr" defTabSz="914400" rtl="0" eaLnBrk="1" fontAlgn="auto" latinLnBrk="0" hangingPunct="1">
+                          <a:lnSpc>
+                            <a:spcPct val="100000"/>
+                          </a:lnSpc>
+                          <a:spcBef>
+                            <a:spcPts val="0"/>
+                          </a:spcBef>
+                          <a:spcAft>
+                            <a:spcPts val="0"/>
+                          </a:spcAft>
+                          <a:buClrTx/>
+                          <a:buSzTx/>
+                          <a:buFontTx/>
+                          <a:buNone/>
+                          <a:tabLst/>
+                          <a:defRPr/>
+                        </a:pPr>
+                        <a:r>
+                          <a:rPr lang="tr-TR" sz="1600" b="0" strike="noStrike" spc="-1" dirty="0">
+                            <a:latin typeface="Lucida Sans" panose="020B0602030504020204" pitchFamily="34" charset="0"/>
+                          </a:rPr>
+                          <a:t>1</a:t>
+                        </a:r>
+                        <a:endParaRPr lang="en-AT" sz="1600" dirty="0"/>
+                      </a:p>
+                    </a:txBody>
+                    <a:tcPr marL="90000" marR="90000">
+                      <a:lnL w="12700" cap="flat" cmpd="sng" algn="ctr">
+                        <a:solidFill>
+                          <a:schemeClr val="tx1"/>
+                        </a:solidFill>
+                        <a:prstDash val="solid"/>
+                        <a:round/>
+                        <a:headEnd type="none" w="med" len="med"/>
+                        <a:tailEnd type="none" w="med" len="med"/>
+                      </a:lnL>
+                      <a:lnT w="12700" cap="flat" cmpd="sng" algn="ctr">
+                        <a:noFill/>
+                        <a:prstDash val="solid"/>
+                        <a:round/>
+                        <a:headEnd type="none" w="med" len="med"/>
+                        <a:tailEnd type="none" w="med" len="med"/>
+                      </a:lnT>
+                      <a:solidFill>
+                        <a:schemeClr val="bg1">
+                          <a:lumMod val="65000"/>
+                        </a:schemeClr>
+                      </a:solidFill>
+                    </a:tcPr>
+                  </a:tc>
+                  <a:tc gridSpan="3">
+                    <a:txBody>
+                      <a:bodyPr/>
+                      <a:lstStyle/>
+                      <a:p>
+                        <a:pPr algn="ctr"/>
+                        <a:r>
+                          <a:rPr lang="tr-TR" sz="1600" b="0" strike="noStrike" spc="-1" dirty="0">
+                            <a:latin typeface="Lucida Sans" panose="020B0602030504020204" pitchFamily="34" charset="0"/>
+                          </a:rPr>
+                          <a:t>1⋅0</a:t>
+                        </a:r>
+                        <a:endParaRPr lang="en-AT" dirty="0"/>
+                      </a:p>
+                    </a:txBody>
+                    <a:tcPr marL="90000" marR="90000">
+                      <a:lnR w="12700" cap="flat" cmpd="sng" algn="ctr">
+                        <a:solidFill>
+                          <a:schemeClr val="tx1"/>
+                        </a:solidFill>
+                        <a:prstDash val="solid"/>
+                        <a:round/>
+                        <a:headEnd type="none" w="med" len="med"/>
+                        <a:tailEnd type="none" w="med" len="med"/>
+                      </a:lnR>
+                      <a:lnT w="12700" cap="flat" cmpd="sng" algn="ctr">
+                        <a:noFill/>
+                        <a:prstDash val="solid"/>
+                        <a:round/>
+                        <a:headEnd type="none" w="med" len="med"/>
+                        <a:tailEnd type="none" w="med" len="med"/>
+                      </a:lnT>
+                      <a:lnB w="12700" cap="flat" cmpd="sng" algn="ctr">
+                        <a:solidFill>
+                          <a:schemeClr val="tx1"/>
+                        </a:solidFill>
+                        <a:prstDash val="solid"/>
+                        <a:round/>
+                        <a:headEnd type="none" w="med" len="med"/>
+                        <a:tailEnd type="none" w="med" len="med"/>
+                      </a:lnB>
+                      <a:lnTlToBr w="12700" cmpd="sng">
+                        <a:noFill/>
+                        <a:prstDash val="solid"/>
+                      </a:lnTlToBr>
+                      <a:lnBlToTr w="12700" cmpd="sng">
+                        <a:noFill/>
+                        <a:prstDash val="solid"/>
+                      </a:lnBlToTr>
+                      <a:solidFill>
+                        <a:schemeClr val="bg1">
+                          <a:lumMod val="65000"/>
+                        </a:schemeClr>
+                      </a:solidFill>
+                    </a:tcPr>
+                  </a:tc>
+                  <a:tc hMerge="1">
+                    <a:txBody>
+                      <a:bodyPr/>
+                      <a:lstStyle/>
+                      <a:p>
+                        <a:endParaRPr lang="en-AT"/>
+                      </a:p>
+                    </a:txBody>
+                    <a:tcPr>
+                      <a:lnL w="12700" cap="flat" cmpd="sng" algn="ctr">
+                        <a:solidFill>
+                          <a:schemeClr val="tx1"/>
+                        </a:solidFill>
+                        <a:prstDash val="solid"/>
+                        <a:round/>
+                        <a:headEnd type="none" w="med" len="med"/>
+                        <a:tailEnd type="none" w="med" len="med"/>
+                      </a:lnL>
+                    </a:tcPr>
+                  </a:tc>
+                  <a:tc hMerge="1">
+                    <a:txBody>
+                      <a:bodyPr/>
+                      <a:lstStyle/>
+                      <a:p>
+                        <a:endParaRPr lang="en-AT"/>
+                      </a:p>
+                    </a:txBody>
+                    <a:tcPr>
+                      <a:lnL w="12700" cap="flat" cmpd="sng" algn="ctr">
+                        <a:solidFill>
+                          <a:schemeClr val="tx1"/>
+                        </a:solidFill>
+                        <a:prstDash val="solid"/>
+                        <a:round/>
+                        <a:headEnd type="none" w="med" len="med"/>
+                        <a:tailEnd type="none" w="med" len="med"/>
+                      </a:lnL>
+                    </a:tcPr>
+                  </a:tc>
+                  <a:tc>
+                    <a:txBody>
+                      <a:bodyPr/>
+                      <a:lstStyle/>
+                      <a:p>
+                        <a:pPr algn="ctr"/>
+                        <a:r>
+                          <a:rPr lang="tr-TR" sz="1600" b="0" strike="noStrike" spc="-1" dirty="0">
+                            <a:latin typeface="Lucida Sans" panose="020B0602030504020204" pitchFamily="34" charset="0"/>
+                          </a:rPr>
+                          <a:t>0</a:t>
+                        </a:r>
+                        <a:endParaRPr lang="en-AT" dirty="0"/>
+                      </a:p>
+                    </a:txBody>
+                    <a:tcPr marL="90000" marR="90000">
+                      <a:lnL w="12700" cap="flat" cmpd="sng" algn="ctr">
+                        <a:solidFill>
+                          <a:schemeClr val="tx1"/>
+                        </a:solidFill>
+                        <a:prstDash val="solid"/>
+                        <a:round/>
+                        <a:headEnd type="none" w="med" len="med"/>
+                        <a:tailEnd type="none" w="med" len="med"/>
+                      </a:lnL>
+                      <a:lnR w="720">
+                        <a:noFill/>
+                      </a:lnR>
+                      <a:lnT w="12700" cap="flat" cmpd="sng" algn="ctr">
+                        <a:noFill/>
+                        <a:prstDash val="solid"/>
+                        <a:round/>
+                        <a:headEnd type="none" w="med" len="med"/>
+                        <a:tailEnd type="none" w="med" len="med"/>
+                      </a:lnT>
+                      <a:lnB w="12700" cap="flat" cmpd="sng" algn="ctr">
+                        <a:solidFill>
+                          <a:schemeClr val="tx1"/>
+                        </a:solidFill>
+                        <a:prstDash val="solid"/>
+                        <a:round/>
+                        <a:headEnd type="none" w="med" len="med"/>
+                        <a:tailEnd type="none" w="med" len="med"/>
+                      </a:lnB>
+                      <a:lnTlToBr w="12700" cmpd="sng">
+                        <a:noFill/>
+                        <a:prstDash val="solid"/>
+                      </a:lnTlToBr>
+                      <a:lnBlToTr w="12700" cmpd="sng">
+                        <a:noFill/>
+                        <a:prstDash val="solid"/>
+                      </a:lnBlToTr>
+                      <a:solidFill>
+                        <a:schemeClr val="bg1">
+                          <a:lumMod val="65000"/>
+                        </a:schemeClr>
+                      </a:solidFill>
+                    </a:tcPr>
+                  </a:tc>
+                  <a:extLst>
+                    <a:ext uri="{0D108BD9-81ED-4DB2-BD59-A6C34878D82A}">
+                      <a16:rowId xmlns:a16="http://schemas.microsoft.com/office/drawing/2014/main" val="10000"/>
+                    </a:ext>
+                  </a:extLst>
+                </a:tr>
+                <a:tr h="234781">
+                  <a:tc>
+                    <a:txBody>
+                      <a:bodyPr/>
+                      <a:lstStyle/>
+                      <a:p>
+                        <a:pPr algn="ctr"/>
+                        <a:r>
+                          <a:rPr lang="tr-TR" sz="1600" b="0" strike="noStrike" spc="-1" baseline="0" dirty="0">
+                            <a:latin typeface="Lucida Sans" panose="020B0602030504020204" pitchFamily="34" charset="0"/>
+                          </a:rPr>
+                          <a:t>q</a:t>
+                        </a:r>
+                        <a:endParaRPr lang="en-US" sz="1600" b="0" strike="noStrike" spc="-1" baseline="0" dirty="0">
+                          <a:latin typeface="Lucida Sans" panose="020B0602030504020204" pitchFamily="34" charset="0"/>
+                        </a:endParaRPr>
+                      </a:p>
+                    </a:txBody>
+                    <a:tcPr marL="90000" marR="90000">
+                      <a:lnL w="720">
+                        <a:noFill/>
+                      </a:lnL>
+                      <a:lnR w="12700" cap="flat" cmpd="sng" algn="ctr">
+                        <a:solidFill>
+                          <a:schemeClr val="tx1"/>
+                        </a:solidFill>
+                        <a:prstDash val="solid"/>
+                        <a:round/>
+                        <a:headEnd type="none" w="med" len="med"/>
+                        <a:tailEnd type="none" w="med" len="med"/>
+                      </a:lnR>
+                      <a:lnT w="12700" cap="flat" cmpd="sng" algn="ctr">
+                        <a:solidFill>
+                          <a:schemeClr val="tx1"/>
+                        </a:solidFill>
+                        <a:prstDash val="solid"/>
+                        <a:round/>
+                        <a:headEnd type="none" w="med" len="med"/>
+                        <a:tailEnd type="none" w="med" len="med"/>
+                      </a:lnT>
+                      <a:lnB w="720">
+                        <a:noFill/>
+                      </a:lnB>
+                      <a:lnTlToBr w="12700" cmpd="sng">
+                        <a:noFill/>
+                        <a:prstDash val="solid"/>
+                      </a:lnTlToBr>
+                      <a:lnBlToTr w="12700" cmpd="sng">
+                        <a:noFill/>
+                        <a:prstDash val="solid"/>
+                      </a:lnBlToTr>
+                      <a:solidFill>
+                        <a:schemeClr val="bg1">
+                          <a:lumMod val="85000"/>
+                        </a:schemeClr>
                       </a:solidFill>
                     </a:tcPr>
                   </a:tc>
@@ -3184,20 +7020,23 @@
                       <a:p>
                         <a:pPr algn="ctr"/>
                         <a:r>
-                          <a:rPr lang="en-US" sz="1800" b="0" strike="noStrike" spc="-1" dirty="0">
-                            <a:latin typeface="Arial"/>
+                          <a:rPr lang="tr-TR" sz="1600" b="0" strike="noStrike" spc="-1" dirty="0">
+                            <a:latin typeface="Lucida Sans" panose="020B0602030504020204" pitchFamily="34" charset="0"/>
                           </a:rPr>
-                          <a:t>01</a:t>
+                          <a:t>0</a:t>
                         </a:r>
                       </a:p>
                       <a:p>
                         <a:pPr algn="ctr"/>
                         <a:r>
-                          <a:rPr lang="en-US" sz="1800" b="0" strike="noStrike" spc="-1" dirty="0">
-                            <a:latin typeface="Arial"/>
+                          <a:rPr lang="tr-TR" sz="1600" b="0" strike="noStrike" spc="-1" dirty="0">
+                            <a:latin typeface="Lucida Sans" panose="020B0602030504020204" pitchFamily="34" charset="0"/>
                           </a:rPr>
-                          <a:t>1</a:t>
+                          <a:t>0⋅1</a:t>
                         </a:r>
+                        <a:endParaRPr lang="en-US" sz="1600" b="0" strike="noStrike" spc="-1" dirty="0">
+                          <a:latin typeface="Lucida Sans" panose="020B0602030504020204" pitchFamily="34" charset="0"/>
+                        </a:endParaRPr>
                       </a:p>
                     </a:txBody>
                     <a:tcPr marL="90000" marR="90000">
@@ -3219,22 +7058,34 @@
                         <a:headEnd type="none" w="med" len="med"/>
                         <a:tailEnd type="none" w="med" len="med"/>
                       </a:lnR>
-                      <a:lnT w="720">
-                        <a:solidFill>
-                          <a:srgbClr val="FFFFFF"/>
-                        </a:solidFill>
+                      <a:lnT w="12700" cap="flat" cmpd="sng" algn="ctr">
+                        <a:solidFill>
+                          <a:schemeClr val="tx1"/>
+                        </a:solidFill>
+                        <a:prstDash val="solid"/>
+                        <a:round/>
+                        <a:headEnd type="none" w="med" len="med"/>
+                        <a:tailEnd type="none" w="med" len="med"/>
                       </a:lnT>
                       <a:lnB w="12700" cap="flat" cmpd="sng" algn="ctr">
-                        <a:solidFill>
-                          <a:schemeClr val="tx1"/>
-                        </a:solidFill>
+                        <a:noFill/>
                         <a:prstDash val="solid"/>
                         <a:round/>
                         <a:headEnd type="none" w="med" len="med"/>
                         <a:tailEnd type="none" w="med" len="med"/>
                       </a:lnB>
+                      <a:lnTlToBr w="12700" cmpd="sng">
+                        <a:noFill/>
+                        <a:prstDash val="solid"/>
+                      </a:lnTlToBr>
+                      <a:lnBlToTr w="12700" cmpd="sng">
+                        <a:noFill/>
+                        <a:prstDash val="solid"/>
+                      </a:lnBlToTr>
                       <a:solidFill>
-                        <a:srgbClr val="B3B3B3"/>
+                        <a:schemeClr val="bg1">
+                          <a:lumMod val="85000"/>
+                        </a:schemeClr>
                       </a:solidFill>
                     </a:tcPr>
                   </a:tc>
@@ -3245,20 +7096,64 @@
                       <a:p>
                         <a:pPr algn="ctr"/>
                         <a:r>
-                          <a:rPr lang="en-US" sz="1800" b="0" strike="noStrike" spc="-1">
-                            <a:latin typeface="Arial"/>
+                          <a:rPr lang="tr-TR" sz="1600" b="0" strike="noStrike" spc="-1" dirty="0">
+                            <a:latin typeface="Lucida Sans" panose="020B0602030504020204" pitchFamily="34" charset="0"/>
+                          </a:rPr>
+                          <a:t>0</a:t>
+                        </a:r>
+                      </a:p>
+                      <a:p>
+                        <a:pPr marL="0" marR="0" lvl="0" indent="0" algn="ctr" defTabSz="914400" rtl="0" eaLnBrk="1" fontAlgn="auto" latinLnBrk="0" hangingPunct="1">
+                          <a:lnSpc>
+                            <a:spcPct val="100000"/>
+                          </a:lnSpc>
+                          <a:spcBef>
+                            <a:spcPts val="0"/>
+                          </a:spcBef>
+                          <a:spcAft>
+                            <a:spcPts val="0"/>
+                          </a:spcAft>
+                          <a:buClrTx/>
+                          <a:buSzTx/>
+                          <a:buFontTx/>
+                          <a:buNone/>
+                          <a:tabLst/>
+                          <a:defRPr/>
+                        </a:pPr>
+                        <a:r>
+                          <a:rPr lang="tr-TR" sz="1600" b="0" strike="noStrike" spc="-1" dirty="0">
+                            <a:latin typeface="Lucida Sans" panose="020B0602030504020204" pitchFamily="34" charset="0"/>
+                          </a:rPr>
+                          <a:t>0⋅1</a:t>
+                        </a:r>
+                      </a:p>
+                      <a:p>
+                        <a:pPr marL="0" marR="0" lvl="0" indent="0" algn="ctr" defTabSz="914400" rtl="0" eaLnBrk="1" fontAlgn="auto" latinLnBrk="0" hangingPunct="1">
+                          <a:lnSpc>
+                            <a:spcPct val="100000"/>
+                          </a:lnSpc>
+                          <a:spcBef>
+                            <a:spcPts val="0"/>
+                          </a:spcBef>
+                          <a:spcAft>
+                            <a:spcPts val="0"/>
+                          </a:spcAft>
+                          <a:buClrTx/>
+                          <a:buSzTx/>
+                          <a:buFontTx/>
+                          <a:buNone/>
+                          <a:tabLst/>
+                          <a:defRPr/>
+                        </a:pPr>
+                        <a:r>
+                          <a:rPr lang="tr-TR" sz="1600" b="0" strike="noStrike" spc="-1" dirty="0">
+                            <a:latin typeface="Lucida Sans" panose="020B0602030504020204" pitchFamily="34" charset="0"/>
                           </a:rPr>
                           <a:t>1</a:t>
                         </a:r>
-                      </a:p>
-                      <a:p>
-                        <a:pPr algn="ctr"/>
-                        <a:r>
-                          <a:rPr lang="en-US" sz="1800" b="0" strike="noStrike" spc="-1">
-                            <a:latin typeface="Arial"/>
-                          </a:rPr>
-                          <a:t>10</a:t>
-                        </a:r>
+                        <a:endParaRPr lang="en-US" sz="1600" b="0" strike="noStrike" spc="-1" dirty="0">
+                          <a:latin typeface="Lucida Sans" panose="020B0602030504020204" pitchFamily="34" charset="0"/>
+                        </a:endParaRPr>
                       </a:p>
                     </a:txBody>
                     <a:tcPr marL="90000" marR="90000">
@@ -3280,22 +7175,34 @@
                         <a:headEnd type="none" w="med" len="med"/>
                         <a:tailEnd type="none" w="med" len="med"/>
                       </a:lnR>
-                      <a:lnT w="720">
-                        <a:solidFill>
-                          <a:srgbClr val="FFFFFF"/>
-                        </a:solidFill>
+                      <a:lnT w="12700" cap="flat" cmpd="sng" algn="ctr">
+                        <a:solidFill>
+                          <a:schemeClr val="tx1"/>
+                        </a:solidFill>
+                        <a:prstDash val="solid"/>
+                        <a:round/>
+                        <a:headEnd type="none" w="med" len="med"/>
+                        <a:tailEnd type="none" w="med" len="med"/>
                       </a:lnT>
                       <a:lnB w="12700" cap="flat" cmpd="sng" algn="ctr">
-                        <a:solidFill>
-                          <a:schemeClr val="tx1"/>
-                        </a:solidFill>
+                        <a:noFill/>
                         <a:prstDash val="solid"/>
                         <a:round/>
                         <a:headEnd type="none" w="med" len="med"/>
                         <a:tailEnd type="none" w="med" len="med"/>
                       </a:lnB>
+                      <a:lnTlToBr w="12700" cmpd="sng">
+                        <a:noFill/>
+                        <a:prstDash val="solid"/>
+                      </a:lnTlToBr>
+                      <a:lnBlToTr w="12700" cmpd="sng">
+                        <a:noFill/>
+                        <a:prstDash val="solid"/>
+                      </a:lnBlToTr>
                       <a:solidFill>
-                        <a:srgbClr val="B3B3B3"/>
+                        <a:schemeClr val="bg1">
+                          <a:lumMod val="85000"/>
+                        </a:schemeClr>
                       </a:solidFill>
                     </a:tcPr>
                   </a:tc>
@@ -3306,20 +7213,41 @@
                       <a:p>
                         <a:pPr algn="ctr"/>
                         <a:r>
-                          <a:rPr lang="en-US" sz="1800" b="0" strike="noStrike" spc="-1">
-                            <a:latin typeface="Arial"/>
+                          <a:rPr lang="tr-TR" sz="1600" b="0" strike="noStrike" spc="-1" dirty="0">
+                            <a:latin typeface="Lucida Sans" panose="020B0602030504020204" pitchFamily="34" charset="0"/>
                           </a:rPr>
-                          <a:t>10</a:t>
+                          <a:t>0⋅1</a:t>
                         </a:r>
                       </a:p>
                       <a:p>
                         <a:pPr algn="ctr"/>
                         <a:r>
-                          <a:rPr lang="en-US" sz="1800" b="0" strike="noStrike" spc="-1">
-                            <a:latin typeface="Arial"/>
+                          <a:rPr lang="tr-TR" sz="1600" b="0" strike="noStrike" spc="-1" dirty="0">
+                            <a:latin typeface="Lucida Sans" panose="020B0602030504020204" pitchFamily="34" charset="0"/>
                           </a:rPr>
-                          <a:t>0</a:t>
+                          <a:t>0⋅1⋅0</a:t>
                         </a:r>
+                      </a:p>
+                      <a:p>
+                        <a:pPr algn="ctr"/>
+                        <a:r>
+                          <a:rPr lang="tr-TR" sz="1600" b="0" strike="noStrike" spc="-1" dirty="0">
+                            <a:latin typeface="Lucida Sans" panose="020B0602030504020204" pitchFamily="34" charset="0"/>
+                          </a:rPr>
+                          <a:t>1</a:t>
+                        </a:r>
+                      </a:p>
+                      <a:p>
+                        <a:pPr algn="ctr"/>
+                        <a:r>
+                          <a:rPr lang="tr-TR" sz="1600" b="0" strike="noStrike" spc="-1" dirty="0">
+                            <a:latin typeface="Lucida Sans" panose="020B0602030504020204" pitchFamily="34" charset="0"/>
+                          </a:rPr>
+                          <a:t>1⋅0</a:t>
+                        </a:r>
+                        <a:endParaRPr lang="en-US" sz="1600" b="0" strike="noStrike" spc="-1" dirty="0">
+                          <a:latin typeface="Lucida Sans" panose="020B0602030504020204" pitchFamily="34" charset="0"/>
+                        </a:endParaRPr>
                       </a:p>
                     </a:txBody>
                     <a:tcPr marL="90000" marR="90000">
@@ -3341,22 +7269,199 @@
                         <a:headEnd type="none" w="med" len="med"/>
                         <a:tailEnd type="none" w="med" len="med"/>
                       </a:lnR>
-                      <a:lnT w="720">
-                        <a:solidFill>
-                          <a:srgbClr val="FFFFFF"/>
-                        </a:solidFill>
+                      <a:lnB w="12700" cap="flat" cmpd="sng" algn="ctr">
+                        <a:noFill/>
+                        <a:prstDash val="solid"/>
+                        <a:round/>
+                        <a:headEnd type="none" w="med" len="med"/>
+                        <a:tailEnd type="none" w="med" len="med"/>
+                      </a:lnB>
+                      <a:lnTlToBr w="12700" cmpd="sng">
+                        <a:noFill/>
+                        <a:prstDash val="solid"/>
+                      </a:lnTlToBr>
+                      <a:lnBlToTr w="12700" cmpd="sng">
+                        <a:noFill/>
+                        <a:prstDash val="solid"/>
+                      </a:lnBlToTr>
+                      <a:solidFill>
+                        <a:schemeClr val="bg1">
+                          <a:lumMod val="85000"/>
+                        </a:schemeClr>
+                      </a:solidFill>
+                    </a:tcPr>
+                  </a:tc>
+                  <a:tc>
+                    <a:txBody>
+                      <a:bodyPr/>
+                      <a:lstStyle/>
+                      <a:p>
+                        <a:pPr algn="ctr"/>
+                        <a:endParaRPr lang="en-US" sz="1600" b="0" strike="noStrike" spc="-1" dirty="0">
+                          <a:latin typeface="Lucida Sans" panose="020B0602030504020204" pitchFamily="34" charset="0"/>
+                        </a:endParaRPr>
+                      </a:p>
+                    </a:txBody>
+                    <a:tcPr marL="90000" marR="90000">
+                      <a:lnL w="12700" cap="flat" cmpd="sng" algn="ctr">
+                        <a:solidFill>
+                          <a:schemeClr val="tx1"/>
+                        </a:solidFill>
+                        <a:prstDash val="solid"/>
+                        <a:round/>
+                        <a:headEnd type="none" w="med" len="med"/>
+                        <a:tailEnd type="none" w="med" len="med"/>
+                      </a:lnL>
+                      <a:lnR w="720">
+                        <a:noFill/>
+                      </a:lnR>
+                      <a:lnT w="12700" cap="flat" cmpd="sng" algn="ctr">
+                        <a:solidFill>
+                          <a:schemeClr val="tx1"/>
+                        </a:solidFill>
+                        <a:prstDash val="solid"/>
+                        <a:round/>
+                        <a:headEnd type="none" w="med" len="med"/>
+                        <a:tailEnd type="none" w="med" len="med"/>
                       </a:lnT>
                       <a:lnB w="12700" cap="flat" cmpd="sng" algn="ctr">
-                        <a:solidFill>
-                          <a:schemeClr val="tx1"/>
-                        </a:solidFill>
+                        <a:noFill/>
                         <a:prstDash val="solid"/>
                         <a:round/>
                         <a:headEnd type="none" w="med" len="med"/>
                         <a:tailEnd type="none" w="med" len="med"/>
                       </a:lnB>
+                      <a:lnTlToBr w="12700" cmpd="sng">
+                        <a:noFill/>
+                        <a:prstDash val="solid"/>
+                      </a:lnTlToBr>
+                      <a:lnBlToTr w="12700" cmpd="sng">
+                        <a:noFill/>
+                        <a:prstDash val="solid"/>
+                      </a:lnBlToTr>
                       <a:solidFill>
-                        <a:srgbClr val="B3B3B3"/>
+                        <a:schemeClr val="bg1">
+                          <a:lumMod val="85000"/>
+                        </a:schemeClr>
+                      </a:solidFill>
+                    </a:tcPr>
+                  </a:tc>
+                  <a:tc>
+                    <a:txBody>
+                      <a:bodyPr/>
+                      <a:lstStyle/>
+                      <a:p>
+                        <a:pPr marL="0" marR="0" lvl="0" indent="0" algn="ctr" defTabSz="914400" rtl="0" eaLnBrk="1" fontAlgn="auto" latinLnBrk="0" hangingPunct="1">
+                          <a:lnSpc>
+                            <a:spcPct val="100000"/>
+                          </a:lnSpc>
+                          <a:spcBef>
+                            <a:spcPts val="0"/>
+                          </a:spcBef>
+                          <a:spcAft>
+                            <a:spcPts val="0"/>
+                          </a:spcAft>
+                          <a:buClrTx/>
+                          <a:buSzTx/>
+                          <a:buFontTx/>
+                          <a:buNone/>
+                          <a:tabLst/>
+                          <a:defRPr/>
+                        </a:pPr>
+                        <a:r>
+                          <a:rPr lang="tr-TR" sz="1600" b="0" strike="noStrike" spc="-1" dirty="0">
+                            <a:latin typeface="Lucida Sans" panose="020B0602030504020204" pitchFamily="34" charset="0"/>
+                          </a:rPr>
+                          <a:t>1⋅0</a:t>
+                        </a:r>
+                      </a:p>
+                      <a:p>
+                        <a:pPr algn="ctr"/>
+                        <a:r>
+                          <a:rPr lang="tr-TR" sz="1600" b="0" strike="noStrike" spc="-1" dirty="0">
+                            <a:latin typeface="Lucida Sans" panose="020B0602030504020204" pitchFamily="34" charset="0"/>
+                          </a:rPr>
+                          <a:t>0</a:t>
+                        </a:r>
+                        <a:endParaRPr lang="en-US" sz="1600" b="0" strike="noStrike" spc="-1" dirty="0">
+                          <a:latin typeface="Lucida Sans" panose="020B0602030504020204" pitchFamily="34" charset="0"/>
+                        </a:endParaRPr>
+                      </a:p>
+                    </a:txBody>
+                    <a:tcPr marL="90000" marR="90000">
+                      <a:lnL w="12700" cmpd="sng">
+                        <a:noFill/>
+                        <a:prstDash val="solid"/>
+                      </a:lnL>
+                      <a:lnR w="720">
+                        <a:noFill/>
+                      </a:lnR>
+                      <a:lnB w="12700" cap="flat" cmpd="sng" algn="ctr">
+                        <a:noFill/>
+                        <a:prstDash val="solid"/>
+                        <a:round/>
+                        <a:headEnd type="none" w="med" len="med"/>
+                        <a:tailEnd type="none" w="med" len="med"/>
+                      </a:lnB>
+                      <a:lnTlToBr w="12700" cmpd="sng">
+                        <a:noFill/>
+                        <a:prstDash val="solid"/>
+                      </a:lnTlToBr>
+                      <a:lnBlToTr w="12700" cmpd="sng">
+                        <a:noFill/>
+                        <a:prstDash val="solid"/>
+                      </a:lnBlToTr>
+                      <a:solidFill>
+                        <a:schemeClr val="bg1">
+                          <a:lumMod val="85000"/>
+                        </a:schemeClr>
+                      </a:solidFill>
+                    </a:tcPr>
+                  </a:tc>
+                  <a:tc>
+                    <a:txBody>
+                      <a:bodyPr/>
+                      <a:lstStyle/>
+                      <a:p>
+                        <a:pPr algn="ctr"/>
+                        <a:endParaRPr lang="en-US" sz="1600" b="0" strike="noStrike" spc="-1" dirty="0">
+                          <a:latin typeface="Lucida Sans" panose="020B0602030504020204" pitchFamily="34" charset="0"/>
+                        </a:endParaRPr>
+                      </a:p>
+                    </a:txBody>
+                    <a:tcPr marL="90000" marR="90000">
+                      <a:lnL w="12700" cmpd="sng">
+                        <a:noFill/>
+                        <a:prstDash val="solid"/>
+                      </a:lnL>
+                      <a:lnR w="12700" cap="flat" cmpd="sng" algn="ctr">
+                        <a:solidFill>
+                          <a:schemeClr val="tx1"/>
+                        </a:solidFill>
+                        <a:prstDash val="solid"/>
+                        <a:round/>
+                        <a:headEnd type="none" w="med" len="med"/>
+                        <a:tailEnd type="none" w="med" len="med"/>
+                      </a:lnR>
+                      <a:lnB w="12700" cap="flat" cmpd="sng" algn="ctr">
+                        <a:noFill/>
+                        <a:prstDash val="solid"/>
+                        <a:round/>
+                        <a:headEnd type="none" w="med" len="med"/>
+                        <a:tailEnd type="none" w="med" len="med"/>
+                      </a:lnB>
+                      <a:lnTlToBr w="12700" cmpd="sng">
+                        <a:noFill/>
+                        <a:prstDash val="solid"/>
+                      </a:lnTlToBr>
+                      <a:lnBlToTr w="12700" cmpd="sng">
+                        <a:noFill/>
+                        <a:prstDash val="solid"/>
+                      </a:lnBlToTr>
+                      <a:solidFill>
+                        <a:schemeClr val="bg1">
+                          <a:lumMod val="85000"/>
+                        </a:schemeClr>
                       </a:solidFill>
                     </a:tcPr>
                   </a:tc>
@@ -3367,11 +7472,14 @@
                       <a:p>
                         <a:pPr algn="ctr"/>
                         <a:r>
-                          <a:rPr lang="en-US" sz="1800" b="0" strike="noStrike" spc="-1">
-                            <a:latin typeface="Arial"/>
+                          <a:rPr lang="tr-TR" sz="1600" b="0" strike="noStrike" spc="-1" dirty="0">
+                            <a:latin typeface="Lucida Sans" panose="020B0602030504020204" pitchFamily="34" charset="0"/>
                           </a:rPr>
                           <a:t>0</a:t>
                         </a:r>
+                        <a:endParaRPr lang="en-US" sz="1600" b="0" strike="noStrike" spc="-1" dirty="0">
+                          <a:latin typeface="Lucida Sans" panose="020B0602030504020204" pitchFamily="34" charset="0"/>
+                        </a:endParaRPr>
                       </a:p>
                     </a:txBody>
                     <a:tcPr marL="90000" marR="90000">
@@ -3385,70 +7493,7 @@
                         <a:tailEnd type="none" w="med" len="med"/>
                       </a:lnL>
                       <a:lnR w="720">
-                        <a:solidFill>
-                          <a:srgbClr val="FFFFFF"/>
-                        </a:solidFill>
-                      </a:lnR>
-                      <a:lnT w="720">
-                        <a:solidFill>
-                          <a:srgbClr val="FFFFFF"/>
-                        </a:solidFill>
-                      </a:lnT>
-                      <a:lnB w="12700" cap="flat" cmpd="sng" algn="ctr">
-                        <a:solidFill>
-                          <a:schemeClr val="tx1"/>
-                        </a:solidFill>
-                        <a:prstDash val="solid"/>
-                        <a:round/>
-                        <a:headEnd type="none" w="med" len="med"/>
-                        <a:tailEnd type="none" w="med" len="med"/>
-                      </a:lnB>
-                      <a:solidFill>
-                        <a:srgbClr val="B3B3B3"/>
-                      </a:solidFill>
-                    </a:tcPr>
-                  </a:tc>
-                  <a:extLst>
-                    <a:ext uri="{0D108BD9-81ED-4DB2-BD59-A6C34878D82A}">
-                      <a16:rowId xmlns:a16="http://schemas.microsoft.com/office/drawing/2014/main" val="10000"/>
-                    </a:ext>
-                  </a:extLst>
-                </a:tr>
-                <a:tr h="605880">
-                  <a:tc>
-                    <a:txBody>
-                      <a:bodyPr/>
-                      <a:lstStyle/>
-                      <a:p>
-                        <a:pPr algn="ctr"/>
-                        <a:r>
-                          <a:rPr lang="en-US" sz="1800" b="0" strike="noStrike" spc="-1" dirty="0">
-                            <a:latin typeface="Arial"/>
-                          </a:rPr>
-                          <a:t>x</a:t>
-                        </a:r>
-                        <a:r>
-                          <a:rPr lang="en-US" sz="1800" b="0" strike="noStrike" spc="-1" baseline="-25000" dirty="0">
-                            <a:latin typeface="Arial"/>
-                          </a:rPr>
-                          <a:t>2</a:t>
-                        </a:r>
-                      </a:p>
-                    </a:txBody>
-                    <a:tcPr marL="90000" marR="90000">
-                      <a:lnL w="720">
-                        <a:solidFill>
-                          <a:srgbClr val="FFFFFF"/>
-                        </a:solidFill>
-                      </a:lnL>
-                      <a:lnR w="12700" cap="flat" cmpd="sng" algn="ctr">
-                        <a:solidFill>
-                          <a:schemeClr val="tx1"/>
-                        </a:solidFill>
-                        <a:prstDash val="solid"/>
-                        <a:round/>
-                        <a:headEnd type="none" w="med" len="med"/>
-                        <a:tailEnd type="none" w="med" len="med"/>
+                        <a:noFill/>
                       </a:lnR>
                       <a:lnT w="12700" cap="flat" cmpd="sng" algn="ctr">
                         <a:solidFill>
@@ -3460,338 +7505,20 @@
                         <a:tailEnd type="none" w="med" len="med"/>
                       </a:lnT>
                       <a:lnB w="720">
-                        <a:solidFill>
-                          <a:srgbClr val="FFFFFF"/>
-                        </a:solidFill>
+                        <a:noFill/>
                       </a:lnB>
+                      <a:lnTlToBr w="12700" cmpd="sng">
+                        <a:noFill/>
+                        <a:prstDash val="solid"/>
+                      </a:lnTlToBr>
+                      <a:lnBlToTr w="12700" cmpd="sng">
+                        <a:noFill/>
+                        <a:prstDash val="solid"/>
+                      </a:lnBlToTr>
                       <a:solidFill>
-                        <a:srgbClr val="CCCCCC"/>
-                      </a:solidFill>
-                    </a:tcPr>
-                  </a:tc>
-                  <a:tc>
-                    <a:txBody>
-                      <a:bodyPr/>
-                      <a:lstStyle/>
-                      <a:p>
-                        <a:pPr algn="ctr"/>
-                        <a:r>
-                          <a:rPr lang="en-US" sz="1800" b="0" strike="noStrike" spc="-1">
-                            <a:latin typeface="Arial"/>
-                          </a:rPr>
-                          <a:t>1</a:t>
-                        </a:r>
-                      </a:p>
-                    </a:txBody>
-                    <a:tcPr marL="90000" marR="90000">
-                      <a:lnL w="12700" cap="flat" cmpd="sng" algn="ctr">
-                        <a:solidFill>
-                          <a:schemeClr val="tx1"/>
-                        </a:solidFill>
-                        <a:prstDash val="solid"/>
-                        <a:round/>
-                        <a:headEnd type="none" w="med" len="med"/>
-                        <a:tailEnd type="none" w="med" len="med"/>
-                      </a:lnL>
-                      <a:lnR w="12700" cap="flat" cmpd="sng" algn="ctr">
-                        <a:solidFill>
-                          <a:schemeClr val="tx1"/>
-                        </a:solidFill>
-                        <a:prstDash val="solid"/>
-                        <a:round/>
-                        <a:headEnd type="none" w="med" len="med"/>
-                        <a:tailEnd type="none" w="med" len="med"/>
-                      </a:lnR>
-                      <a:lnT w="12700" cap="flat" cmpd="sng" algn="ctr">
-                        <a:solidFill>
-                          <a:schemeClr val="tx1"/>
-                        </a:solidFill>
-                        <a:prstDash val="solid"/>
-                        <a:round/>
-                        <a:headEnd type="none" w="med" len="med"/>
-                        <a:tailEnd type="none" w="med" len="med"/>
-                      </a:lnT>
-                      <a:lnB w="720">
-                        <a:solidFill>
-                          <a:srgbClr val="FFFFFF"/>
-                        </a:solidFill>
-                      </a:lnB>
-                      <a:solidFill>
-                        <a:srgbClr val="CCCCCC"/>
-                      </a:solidFill>
-                    </a:tcPr>
-                  </a:tc>
-                  <a:tc>
-                    <a:txBody>
-                      <a:bodyPr/>
-                      <a:lstStyle/>
-                      <a:p>
-                        <a:pPr algn="ctr"/>
-                        <a:r>
-                          <a:rPr lang="en-US" sz="1800" b="0" strike="noStrike" spc="-1">
-                            <a:latin typeface="Arial"/>
-                          </a:rPr>
-                          <a:t>1</a:t>
-                        </a:r>
-                      </a:p>
-                    </a:txBody>
-                    <a:tcPr marL="90000" marR="90000">
-                      <a:lnL w="12700" cap="flat" cmpd="sng" algn="ctr">
-                        <a:solidFill>
-                          <a:schemeClr val="tx1"/>
-                        </a:solidFill>
-                        <a:prstDash val="solid"/>
-                        <a:round/>
-                        <a:headEnd type="none" w="med" len="med"/>
-                        <a:tailEnd type="none" w="med" len="med"/>
-                      </a:lnL>
-                      <a:lnR w="12700" cap="flat" cmpd="sng" algn="ctr">
-                        <a:solidFill>
-                          <a:schemeClr val="tx1"/>
-                        </a:solidFill>
-                        <a:prstDash val="solid"/>
-                        <a:round/>
-                        <a:headEnd type="none" w="med" len="med"/>
-                        <a:tailEnd type="none" w="med" len="med"/>
-                      </a:lnR>
-                      <a:lnT w="12700" cap="flat" cmpd="sng" algn="ctr">
-                        <a:solidFill>
-                          <a:schemeClr val="tx1"/>
-                        </a:solidFill>
-                        <a:prstDash val="solid"/>
-                        <a:round/>
-                        <a:headEnd type="none" w="med" len="med"/>
-                        <a:tailEnd type="none" w="med" len="med"/>
-                      </a:lnT>
-                      <a:lnB w="720">
-                        <a:solidFill>
-                          <a:srgbClr val="FFFFFF"/>
-                        </a:solidFill>
-                      </a:lnB>
-                      <a:solidFill>
-                        <a:srgbClr val="CCCCCC"/>
-                      </a:solidFill>
-                    </a:tcPr>
-                  </a:tc>
-                  <a:tc>
-                    <a:txBody>
-                      <a:bodyPr/>
-                      <a:lstStyle/>
-                      <a:p>
-                        <a:pPr algn="ctr"/>
-                        <a:r>
-                          <a:rPr lang="en-US" sz="1800" b="0" strike="noStrike" spc="-1">
-                            <a:latin typeface="Arial"/>
-                          </a:rPr>
-                          <a:t>1</a:t>
-                        </a:r>
-                      </a:p>
-                      <a:p>
-                        <a:pPr algn="ctr"/>
-                        <a:r>
-                          <a:rPr lang="en-US" sz="1800" b="0" strike="noStrike" spc="-1">
-                            <a:latin typeface="Arial"/>
-                          </a:rPr>
-                          <a:t>10</a:t>
-                        </a:r>
-                      </a:p>
-                    </a:txBody>
-                    <a:tcPr marL="90000" marR="90000">
-                      <a:lnL w="12700" cap="flat" cmpd="sng" algn="ctr">
-                        <a:solidFill>
-                          <a:schemeClr val="tx1"/>
-                        </a:solidFill>
-                        <a:prstDash val="solid"/>
-                        <a:round/>
-                        <a:headEnd type="none" w="med" len="med"/>
-                        <a:tailEnd type="none" w="med" len="med"/>
-                      </a:lnL>
-                      <a:lnR w="12700" cap="flat" cmpd="sng" algn="ctr">
-                        <a:solidFill>
-                          <a:schemeClr val="tx1"/>
-                        </a:solidFill>
-                        <a:prstDash val="solid"/>
-                        <a:round/>
-                        <a:headEnd type="none" w="med" len="med"/>
-                        <a:tailEnd type="none" w="med" len="med"/>
-                      </a:lnR>
-                      <a:lnT w="12700" cap="flat" cmpd="sng" algn="ctr">
-                        <a:solidFill>
-                          <a:schemeClr val="tx1"/>
-                        </a:solidFill>
-                        <a:prstDash val="solid"/>
-                        <a:round/>
-                        <a:headEnd type="none" w="med" len="med"/>
-                        <a:tailEnd type="none" w="med" len="med"/>
-                      </a:lnT>
-                      <a:lnB w="720">
-                        <a:solidFill>
-                          <a:srgbClr val="FFFFFF"/>
-                        </a:solidFill>
-                      </a:lnB>
-                      <a:solidFill>
-                        <a:srgbClr val="CCCCCC"/>
-                      </a:solidFill>
-                    </a:tcPr>
-                  </a:tc>
-                  <a:tc>
-                    <a:txBody>
-                      <a:bodyPr/>
-                      <a:lstStyle/>
-                      <a:p>
-                        <a:pPr algn="ctr"/>
-                        <a:r>
-                          <a:rPr lang="en-US" sz="1800" b="0" strike="noStrike" spc="-1">
-                            <a:latin typeface="Arial"/>
-                          </a:rPr>
-                          <a:t>10</a:t>
-                        </a:r>
-                      </a:p>
-                      <a:p>
-                        <a:pPr algn="ctr"/>
-                        <a:r>
-                          <a:rPr lang="en-US" sz="1800" b="0" strike="noStrike" spc="-1">
-                            <a:latin typeface="Arial"/>
-                          </a:rPr>
-                          <a:t>0</a:t>
-                        </a:r>
-                      </a:p>
-                    </a:txBody>
-                    <a:tcPr marL="90000" marR="90000">
-                      <a:lnL w="12700" cap="flat" cmpd="sng" algn="ctr">
-                        <a:solidFill>
-                          <a:schemeClr val="tx1"/>
-                        </a:solidFill>
-                        <a:prstDash val="solid"/>
-                        <a:round/>
-                        <a:headEnd type="none" w="med" len="med"/>
-                        <a:tailEnd type="none" w="med" len="med"/>
-                      </a:lnL>
-                      <a:lnR w="12700" cap="flat" cmpd="sng" algn="ctr">
-                        <a:solidFill>
-                          <a:schemeClr val="tx1"/>
-                        </a:solidFill>
-                        <a:prstDash val="solid"/>
-                        <a:round/>
-                        <a:headEnd type="none" w="med" len="med"/>
-                        <a:tailEnd type="none" w="med" len="med"/>
-                      </a:lnR>
-                      <a:lnT w="12700" cap="flat" cmpd="sng" algn="ctr">
-                        <a:solidFill>
-                          <a:schemeClr val="tx1"/>
-                        </a:solidFill>
-                        <a:prstDash val="solid"/>
-                        <a:round/>
-                        <a:headEnd type="none" w="med" len="med"/>
-                        <a:tailEnd type="none" w="med" len="med"/>
-                      </a:lnT>
-                      <a:lnB w="720">
-                        <a:solidFill>
-                          <a:srgbClr val="FFFFFF"/>
-                        </a:solidFill>
-                      </a:lnB>
-                      <a:solidFill>
-                        <a:srgbClr val="CCCCCC"/>
-                      </a:solidFill>
-                    </a:tcPr>
-                  </a:tc>
-                  <a:tc>
-                    <a:txBody>
-                      <a:bodyPr/>
-                      <a:lstStyle/>
-                      <a:p>
-                        <a:pPr algn="ctr"/>
-                        <a:r>
-                          <a:rPr lang="en-US" sz="1800" b="0" strike="noStrike" spc="-1">
-                            <a:latin typeface="Arial"/>
-                          </a:rPr>
-                          <a:t>0</a:t>
-                        </a:r>
-                      </a:p>
-                    </a:txBody>
-                    <a:tcPr marL="90000" marR="90000">
-                      <a:lnL w="12700" cap="flat" cmpd="sng" algn="ctr">
-                        <a:solidFill>
-                          <a:schemeClr val="tx1"/>
-                        </a:solidFill>
-                        <a:prstDash val="solid"/>
-                        <a:round/>
-                        <a:headEnd type="none" w="med" len="med"/>
-                        <a:tailEnd type="none" w="med" len="med"/>
-                      </a:lnL>
-                      <a:lnR w="12700" cap="flat" cmpd="sng" algn="ctr">
-                        <a:solidFill>
-                          <a:schemeClr val="tx1"/>
-                        </a:solidFill>
-                        <a:prstDash val="solid"/>
-                        <a:round/>
-                        <a:headEnd type="none" w="med" len="med"/>
-                        <a:tailEnd type="none" w="med" len="med"/>
-                      </a:lnR>
-                      <a:lnT w="12700" cap="flat" cmpd="sng" algn="ctr">
-                        <a:solidFill>
-                          <a:schemeClr val="tx1"/>
-                        </a:solidFill>
-                        <a:prstDash val="solid"/>
-                        <a:round/>
-                        <a:headEnd type="none" w="med" len="med"/>
-                        <a:tailEnd type="none" w="med" len="med"/>
-                      </a:lnT>
-                      <a:lnB w="720">
-                        <a:solidFill>
-                          <a:srgbClr val="FFFFFF"/>
-                        </a:solidFill>
-                      </a:lnB>
-                      <a:solidFill>
-                        <a:srgbClr val="CCCCCC"/>
-                      </a:solidFill>
-                    </a:tcPr>
-                  </a:tc>
-                  <a:tc>
-                    <a:txBody>
-                      <a:bodyPr/>
-                      <a:lstStyle/>
-                      <a:p>
-                        <a:pPr algn="ctr"/>
-                        <a:r>
-                          <a:rPr lang="en-US" sz="1800" b="0" strike="noStrike" spc="-1" dirty="0">
-                            <a:latin typeface="Arial"/>
-                          </a:rPr>
-                          <a:t>0</a:t>
-                        </a:r>
-                      </a:p>
-                    </a:txBody>
-                    <a:tcPr marL="90000" marR="90000">
-                      <a:lnL w="12700" cap="flat" cmpd="sng" algn="ctr">
-                        <a:solidFill>
-                          <a:schemeClr val="tx1"/>
-                        </a:solidFill>
-                        <a:prstDash val="solid"/>
-                        <a:round/>
-                        <a:headEnd type="none" w="med" len="med"/>
-                        <a:tailEnd type="none" w="med" len="med"/>
-                      </a:lnL>
-                      <a:lnR w="720">
-                        <a:solidFill>
-                          <a:srgbClr val="FFFFFF"/>
-                        </a:solidFill>
-                      </a:lnR>
-                      <a:lnT w="12700" cap="flat" cmpd="sng" algn="ctr">
-                        <a:solidFill>
-                          <a:schemeClr val="tx1"/>
-                        </a:solidFill>
-                        <a:prstDash val="solid"/>
-                        <a:round/>
-                        <a:headEnd type="none" w="med" len="med"/>
-                        <a:tailEnd type="none" w="med" len="med"/>
-                      </a:lnT>
-                      <a:lnB w="720">
-                        <a:solidFill>
-                          <a:srgbClr val="FFFFFF"/>
-                        </a:solidFill>
-                      </a:lnB>
-                      <a:solidFill>
-                        <a:srgbClr val="CCCCCC"/>
+                        <a:schemeClr val="bg1">
+                          <a:lumMod val="85000"/>
+                        </a:schemeClr>
                       </a:solidFill>
                     </a:tcPr>
                   </a:tc>
@@ -3807,14 +7534,20 @@
         </p:graphicFrame>
         <p:sp>
           <p:nvSpPr>
-            <p:cNvPr id="43" name="TextShape 3"/>
+            <p:cNvPr id="10" name="TextShape 4">
+              <a:extLst>
+                <a:ext uri="{FF2B5EF4-FFF2-40B4-BE49-F238E27FC236}">
+                  <a16:creationId xmlns:a16="http://schemas.microsoft.com/office/drawing/2014/main" id="{43A2D5B0-E769-5D6C-B9E8-731DB6884992}"/>
+                </a:ext>
+              </a:extLst>
+            </p:cNvPr>
             <p:cNvSpPr txBox="1"/>
             <p:nvPr/>
           </p:nvSpPr>
           <p:spPr>
             <a:xfrm>
-              <a:off x="2053440" y="1793160"/>
-              <a:ext cx="459720" cy="401400"/>
+              <a:off x="298451" y="3877067"/>
+              <a:ext cx="497184" cy="401400"/>
             </a:xfrm>
             <a:prstGeom prst="rect">
               <a:avLst/>
@@ -3829,292 +7562,22 @@
             <a:lstStyle/>
             <a:p>
               <a:r>
-                <a:rPr lang="en-US" sz="1800" b="0" strike="noStrike" spc="-1">
-                  <a:latin typeface="Arial"/>
+                <a:rPr lang="en-US" sz="1400" b="0" strike="noStrike" spc="-1" dirty="0">
+                  <a:latin typeface="Lucida Sans" panose="020B0602030504020204" pitchFamily="34" charset="0"/>
                 </a:rPr>
-                <a:t>(a)</a:t>
+                <a:t>(</a:t>
               </a:r>
-            </a:p>
-          </p:txBody>
-        </p:sp>
-        <p:sp>
-          <p:nvSpPr>
-            <p:cNvPr id="44" name="TextShape 4"/>
-            <p:cNvSpPr txBox="1"/>
-            <p:nvPr/>
-          </p:nvSpPr>
-          <p:spPr>
-            <a:xfrm>
-              <a:off x="2058840" y="3383280"/>
-              <a:ext cx="459720" cy="401400"/>
-            </a:xfrm>
-            <a:prstGeom prst="rect">
-              <a:avLst/>
-            </a:prstGeom>
-            <a:noFill/>
-            <a:ln>
-              <a:noFill/>
-            </a:ln>
-          </p:spPr>
-          <p:txBody>
-            <a:bodyPr lIns="90000" tIns="45000" rIns="90000" bIns="45000"/>
-            <a:lstStyle/>
-            <a:p>
               <a:r>
-                <a:rPr lang="en-US" sz="1800" b="0" strike="noStrike" spc="-1">
-                  <a:latin typeface="Arial"/>
+                <a:rPr lang="tr-TR" sz="1400" b="0" strike="noStrike" spc="-1" dirty="0">
+                  <a:latin typeface="Lucida Sans" panose="020B0602030504020204" pitchFamily="34" charset="0"/>
                 </a:rPr>
-                <a:t>(b)</a:t>
-              </a:r>
-            </a:p>
-          </p:txBody>
-        </p:sp>
-        <p:sp>
-          <p:nvSpPr>
-            <p:cNvPr id="45" name="TextShape 5"/>
-            <p:cNvSpPr txBox="1"/>
-            <p:nvPr/>
-          </p:nvSpPr>
-          <p:spPr>
-            <a:xfrm>
-              <a:off x="2750821" y="1287720"/>
-              <a:ext cx="5075640" cy="346320"/>
-            </a:xfrm>
-            <a:prstGeom prst="rect">
-              <a:avLst/>
-            </a:prstGeom>
-            <a:noFill/>
-            <a:ln>
-              <a:noFill/>
-            </a:ln>
-          </p:spPr>
-          <p:txBody>
-            <a:bodyPr lIns="90000" tIns="45000" rIns="90000" bIns="45000"/>
-            <a:lstStyle/>
-            <a:p>
-              <a:r>
-                <a:rPr lang="tr-TR" sz="1400" spc="-1" dirty="0">
-                  <a:latin typeface="Arial"/>
-                </a:rPr>
-                <a:t>t:  </a:t>
+                <a:t>c</a:t>
               </a:r>
               <a:r>
                 <a:rPr lang="en-US" sz="1400" b="0" strike="noStrike" spc="-1" dirty="0">
-                  <a:latin typeface="Arial"/>
+                  <a:latin typeface="Lucida Sans" panose="020B0602030504020204" pitchFamily="34" charset="0"/>
                 </a:rPr>
-                <a:t>0     </a:t>
-              </a:r>
-              <a:r>
-                <a:rPr lang="tr-TR" sz="1400" b="0" strike="noStrike" spc="-1" dirty="0">
-                  <a:latin typeface="Arial"/>
-                </a:rPr>
-                <a:t>  </a:t>
-              </a:r>
-              <a:r>
-                <a:rPr lang="en-US" sz="1400" b="0" strike="noStrike" spc="-1" dirty="0">
-                  <a:latin typeface="Arial"/>
-                </a:rPr>
-                <a:t>  1      </a:t>
-              </a:r>
-              <a:r>
-                <a:rPr lang="tr-TR" sz="1400" b="0" strike="noStrike" spc="-1" dirty="0">
-                  <a:latin typeface="Arial"/>
-                </a:rPr>
-                <a:t>   </a:t>
-              </a:r>
-              <a:r>
-                <a:rPr lang="en-US" sz="1400" b="0" strike="noStrike" spc="-1" dirty="0">
-                  <a:latin typeface="Arial"/>
-                </a:rPr>
-                <a:t> 2           </a:t>
-              </a:r>
-              <a:r>
-                <a:rPr lang="tr-TR" sz="1400" b="0" strike="noStrike" spc="-1" dirty="0">
-                  <a:latin typeface="Arial"/>
-                </a:rPr>
-                <a:t>    </a:t>
-              </a:r>
-              <a:r>
-                <a:rPr lang="en-US" sz="1400" b="0" strike="noStrike" spc="-1" dirty="0">
-                  <a:latin typeface="Arial"/>
-                </a:rPr>
-                <a:t>    </a:t>
-              </a:r>
-              <a:r>
-                <a:rPr lang="tr-TR" sz="1400" b="0" strike="noStrike" spc="-1" dirty="0">
-                  <a:latin typeface="Arial"/>
-                </a:rPr>
-                <a:t> </a:t>
-              </a:r>
-              <a:r>
-                <a:rPr lang="en-US" sz="1400" b="0" strike="noStrike" spc="-1" dirty="0">
-                  <a:latin typeface="Arial"/>
-                </a:rPr>
-                <a:t>4              </a:t>
-              </a:r>
-              <a:r>
-                <a:rPr lang="tr-TR" sz="1400" b="0" strike="noStrike" spc="-1" dirty="0">
-                  <a:latin typeface="Arial"/>
-                </a:rPr>
-                <a:t>      </a:t>
-              </a:r>
-              <a:r>
-                <a:rPr lang="en-US" sz="1400" b="0" strike="noStrike" spc="-1" dirty="0">
-                  <a:latin typeface="Arial"/>
-                </a:rPr>
-                <a:t>  6     </a:t>
-              </a:r>
-              <a:r>
-                <a:rPr lang="tr-TR" sz="1400" b="0" strike="noStrike" spc="-1" dirty="0">
-                  <a:latin typeface="Arial"/>
-                </a:rPr>
-                <a:t>   </a:t>
-              </a:r>
-              <a:r>
-                <a:rPr lang="en-US" sz="1400" b="0" strike="noStrike" spc="-1" dirty="0">
-                  <a:latin typeface="Arial"/>
-                </a:rPr>
-                <a:t> 7      </a:t>
-              </a:r>
-              <a:r>
-                <a:rPr lang="tr-TR" sz="1400" b="0" strike="noStrike" spc="-1" dirty="0">
-                  <a:latin typeface="Arial"/>
-                </a:rPr>
-                <a:t>  </a:t>
-              </a:r>
-              <a:r>
-                <a:rPr lang="en-US" sz="1400" b="0" strike="noStrike" spc="-1" dirty="0">
-                  <a:latin typeface="Arial"/>
-                </a:rPr>
-                <a:t> 8</a:t>
-              </a:r>
-            </a:p>
-          </p:txBody>
-        </p:sp>
-        <p:sp>
-          <p:nvSpPr>
-            <p:cNvPr id="2" name="TextShape 5">
-              <a:extLst>
-                <a:ext uri="{FF2B5EF4-FFF2-40B4-BE49-F238E27FC236}">
-                  <a16:creationId xmlns:a16="http://schemas.microsoft.com/office/drawing/2014/main" id="{94D20C2B-7921-5D54-D8F1-22C6763FB2D1}"/>
-                </a:ext>
-              </a:extLst>
-            </p:cNvPr>
-            <p:cNvSpPr txBox="1"/>
-            <p:nvPr/>
-          </p:nvSpPr>
-          <p:spPr>
-            <a:xfrm>
-              <a:off x="2750821" y="2685250"/>
-              <a:ext cx="5075640" cy="346320"/>
-            </a:xfrm>
-            <a:prstGeom prst="rect">
-              <a:avLst/>
-            </a:prstGeom>
-            <a:noFill/>
-            <a:ln>
-              <a:noFill/>
-            </a:ln>
-          </p:spPr>
-          <p:txBody>
-            <a:bodyPr lIns="90000" tIns="45000" rIns="90000" bIns="45000"/>
-            <a:lstStyle/>
-            <a:p>
-              <a:r>
-                <a:rPr lang="tr-TR" sz="1400" spc="-1" dirty="0">
-                  <a:latin typeface="Arial"/>
-                </a:rPr>
-                <a:t>t:  </a:t>
-              </a:r>
-              <a:r>
-                <a:rPr lang="en-US" sz="1400" b="0" strike="noStrike" spc="-1" dirty="0">
-                  <a:latin typeface="Arial"/>
-                </a:rPr>
-                <a:t>0     </a:t>
-              </a:r>
-              <a:r>
-                <a:rPr lang="tr-TR" sz="1400" b="0" strike="noStrike" spc="-1" dirty="0">
-                  <a:latin typeface="Arial"/>
-                </a:rPr>
-                <a:t>  </a:t>
-              </a:r>
-              <a:r>
-                <a:rPr lang="en-US" sz="1400" b="0" strike="noStrike" spc="-1" dirty="0">
-                  <a:latin typeface="Arial"/>
-                </a:rPr>
-                <a:t>  1      </a:t>
-              </a:r>
-              <a:r>
-                <a:rPr lang="tr-TR" sz="1400" b="0" strike="noStrike" spc="-1" dirty="0">
-                  <a:latin typeface="Arial"/>
-                </a:rPr>
-                <a:t>   </a:t>
-              </a:r>
-              <a:r>
-                <a:rPr lang="en-US" sz="1400" b="0" strike="noStrike" spc="-1" dirty="0">
-                  <a:latin typeface="Arial"/>
-                </a:rPr>
-                <a:t> 2           </a:t>
-              </a:r>
-              <a:r>
-                <a:rPr lang="tr-TR" sz="1400" b="0" strike="noStrike" spc="-1" dirty="0">
-                  <a:latin typeface="Arial"/>
-                </a:rPr>
-                <a:t>    </a:t>
-              </a:r>
-              <a:r>
-                <a:rPr lang="en-US" sz="1400" b="0" strike="noStrike" spc="-1" dirty="0">
-                  <a:latin typeface="Arial"/>
-                </a:rPr>
-                <a:t>    </a:t>
-              </a:r>
-              <a:r>
-                <a:rPr lang="tr-TR" sz="1400" b="0" strike="noStrike" spc="-1" dirty="0">
-                  <a:latin typeface="Arial"/>
-                </a:rPr>
-                <a:t> </a:t>
-              </a:r>
-              <a:r>
-                <a:rPr lang="en-US" sz="1400" b="0" strike="noStrike" spc="-1" dirty="0">
-                  <a:latin typeface="Arial"/>
-                </a:rPr>
-                <a:t>4              </a:t>
-              </a:r>
-              <a:r>
-                <a:rPr lang="tr-TR" sz="1400" b="0" strike="noStrike" spc="-1" dirty="0">
-                  <a:latin typeface="Arial"/>
-                </a:rPr>
-                <a:t>      </a:t>
-              </a:r>
-              <a:r>
-                <a:rPr lang="en-US" sz="1400" b="0" strike="noStrike" spc="-1" dirty="0">
-                  <a:latin typeface="Arial"/>
-                </a:rPr>
-                <a:t>  6     </a:t>
-              </a:r>
-              <a:r>
-                <a:rPr lang="tr-TR" sz="1400" b="0" strike="noStrike" spc="-1" dirty="0">
-                  <a:latin typeface="Arial"/>
-                </a:rPr>
-                <a:t>   </a:t>
-              </a:r>
-              <a:r>
-                <a:rPr lang="en-US" sz="1400" b="0" strike="noStrike" spc="-1" dirty="0">
-                  <a:latin typeface="Arial"/>
-                </a:rPr>
-                <a:t> 7      </a:t>
-              </a:r>
-              <a:r>
-                <a:rPr lang="tr-TR" sz="1400" b="0" strike="noStrike" spc="-1" dirty="0">
-                  <a:latin typeface="Arial"/>
-                </a:rPr>
-                <a:t>  </a:t>
-              </a:r>
-              <a:r>
-                <a:rPr lang="en-US" sz="1400" b="0" strike="noStrike" spc="-1" dirty="0">
-                  <a:latin typeface="Arial"/>
-                </a:rPr>
-                <a:t> 8</a:t>
+                <a:t>)</a:t>
               </a:r>
             </a:p>
           </p:txBody>
@@ -4155,7 +7618,1421 @@
 </p:sld>
 </file>
 
-<file path=ppt/slides/slide2.xml><?xml version="1.0" encoding="utf-8"?>
+<file path=ppt/slides/slide3.xml><?xml version="1.0" encoding="utf-8"?>
+<p:sld xmlns:a="http://schemas.openxmlformats.org/drawingml/2006/main" xmlns:r="http://schemas.openxmlformats.org/officeDocument/2006/relationships" xmlns:p="http://schemas.openxmlformats.org/presentationml/2006/main">
+  <p:cSld>
+    <p:spTree>
+      <p:nvGrpSpPr>
+        <p:cNvPr id="1" name=""/>
+        <p:cNvGrpSpPr/>
+        <p:nvPr/>
+      </p:nvGrpSpPr>
+      <p:grpSpPr>
+        <a:xfrm>
+          <a:off x="0" y="0"/>
+          <a:ext cx="0" cy="0"/>
+          <a:chOff x="0" y="0"/>
+          <a:chExt cx="0" cy="0"/>
+        </a:xfrm>
+      </p:grpSpPr>
+      <p:grpSp>
+        <p:nvGrpSpPr>
+          <p:cNvPr id="59" name="Group 58">
+            <a:extLst>
+              <a:ext uri="{FF2B5EF4-FFF2-40B4-BE49-F238E27FC236}">
+                <a16:creationId xmlns:a16="http://schemas.microsoft.com/office/drawing/2014/main" id="{2D3B6826-028F-FBCA-AB2D-19F3B2BBB179}"/>
+              </a:ext>
+            </a:extLst>
+          </p:cNvPr>
+          <p:cNvGrpSpPr/>
+          <p:nvPr/>
+        </p:nvGrpSpPr>
+        <p:grpSpPr>
+          <a:xfrm>
+            <a:off x="575816" y="-49273"/>
+            <a:ext cx="6521702" cy="3100572"/>
+            <a:chOff x="575816" y="-49273"/>
+            <a:chExt cx="6521702" cy="3100572"/>
+          </a:xfrm>
+        </p:grpSpPr>
+        <p:sp>
+          <p:nvSpPr>
+            <p:cNvPr id="56" name="TextShape 4">
+              <a:extLst>
+                <a:ext uri="{FF2B5EF4-FFF2-40B4-BE49-F238E27FC236}">
+                  <a16:creationId xmlns:a16="http://schemas.microsoft.com/office/drawing/2014/main" id="{E58F5D95-FC9A-DC56-B175-47B16DE45A3C}"/>
+                </a:ext>
+              </a:extLst>
+            </p:cNvPr>
+            <p:cNvSpPr txBox="1"/>
+            <p:nvPr/>
+          </p:nvSpPr>
+          <p:spPr>
+            <a:xfrm>
+              <a:off x="1799952" y="1369605"/>
+              <a:ext cx="3816424" cy="1681694"/>
+            </a:xfrm>
+            <a:prstGeom prst="rect">
+              <a:avLst/>
+            </a:prstGeom>
+            <a:noFill/>
+            <a:ln>
+              <a:noFill/>
+            </a:ln>
+          </p:spPr>
+          <p:txBody>
+            <a:bodyPr lIns="90000" tIns="45000" rIns="90000" bIns="45000"/>
+            <a:lstStyle/>
+            <a:p>
+              <a:r>
+                <a:rPr lang="tr-TR" sz="1000" b="0" strike="noStrike" spc="-1" dirty="0">
+                  <a:latin typeface="Lucida Sans" panose="020B0602030504020204" pitchFamily="34" charset="0"/>
+                </a:rPr>
+                <a:t> </a:t>
+              </a:r>
+              <a:r>
+                <a:rPr lang="en-US" sz="1000" b="0" strike="noStrike" spc="-1" dirty="0">
+                  <a:latin typeface="Lucida Sans" panose="020B0602030504020204" pitchFamily="34" charset="0"/>
+                </a:rPr>
+                <a:t>(</a:t>
+              </a:r>
+              <a:r>
+                <a:rPr lang="tr-TR" sz="1000" b="0" strike="noStrike" spc="-1" dirty="0">
+                  <a:latin typeface="Lucida Sans" panose="020B0602030504020204" pitchFamily="34" charset="0"/>
+                </a:rPr>
+                <a:t>1</a:t>
+              </a:r>
+              <a:r>
+                <a:rPr lang="en-US" sz="1000" b="0" strike="noStrike" spc="-1" dirty="0">
+                  <a:latin typeface="Lucida Sans" panose="020B0602030504020204" pitchFamily="34" charset="0"/>
+                </a:rPr>
+                <a:t>)</a:t>
+              </a:r>
+              <a:endParaRPr lang="tr-TR" sz="1000" b="0" strike="noStrike" spc="-1" dirty="0">
+                <a:latin typeface="Lucida Sans" panose="020B0602030504020204" pitchFamily="34" charset="0"/>
+              </a:endParaRPr>
+            </a:p>
+            <a:p>
+              <a:endParaRPr lang="tr-TR" sz="500" spc="-1" dirty="0">
+                <a:latin typeface="Lucida Sans" panose="020B0602030504020204" pitchFamily="34" charset="0"/>
+              </a:endParaRPr>
+            </a:p>
+            <a:p>
+              <a:r>
+                <a:rPr lang="tr-TR" sz="1000" spc="-1" dirty="0">
+                  <a:latin typeface="Lucida Sans" panose="020B0602030504020204" pitchFamily="34" charset="0"/>
+                </a:rPr>
+                <a:t>   (2)</a:t>
+              </a:r>
+            </a:p>
+            <a:p>
+              <a:endParaRPr lang="tr-TR" sz="500" spc="-1" dirty="0">
+                <a:latin typeface="Lucida Sans" panose="020B0602030504020204" pitchFamily="34" charset="0"/>
+              </a:endParaRPr>
+            </a:p>
+            <a:p>
+              <a:r>
+                <a:rPr lang="tr-TR" sz="1000" spc="-1" dirty="0">
+                  <a:latin typeface="Lucida Sans" panose="020B0602030504020204" pitchFamily="34" charset="0"/>
+                </a:rPr>
+                <a:t>     (3)</a:t>
+              </a:r>
+            </a:p>
+            <a:p>
+              <a:endParaRPr lang="tr-TR" sz="400" spc="-1" dirty="0">
+                <a:latin typeface="Lucida Sans" panose="020B0602030504020204" pitchFamily="34" charset="0"/>
+              </a:endParaRPr>
+            </a:p>
+            <a:p>
+              <a:r>
+                <a:rPr lang="tr-TR" sz="1000" spc="-1" dirty="0">
+                  <a:latin typeface="Lucida Sans" panose="020B0602030504020204" pitchFamily="34" charset="0"/>
+                </a:rPr>
+                <a:t>                 (4)</a:t>
+              </a:r>
+            </a:p>
+            <a:p>
+              <a:endParaRPr lang="tr-TR" sz="500" spc="-1" dirty="0">
+                <a:latin typeface="Lucida Sans" panose="020B0602030504020204" pitchFamily="34" charset="0"/>
+              </a:endParaRPr>
+            </a:p>
+            <a:p>
+              <a:r>
+                <a:rPr lang="tr-TR" sz="1000" spc="-1" dirty="0">
+                  <a:latin typeface="Lucida Sans" panose="020B0602030504020204" pitchFamily="34" charset="0"/>
+                </a:rPr>
+                <a:t>                       (5)</a:t>
+              </a:r>
+            </a:p>
+            <a:p>
+              <a:endParaRPr lang="tr-TR" sz="400" spc="-1" dirty="0">
+                <a:latin typeface="Lucida Sans" panose="020B0602030504020204" pitchFamily="34" charset="0"/>
+              </a:endParaRPr>
+            </a:p>
+            <a:p>
+              <a:r>
+                <a:rPr lang="tr-TR" sz="1000" spc="-1" dirty="0">
+                  <a:latin typeface="Lucida Sans" panose="020B0602030504020204" pitchFamily="34" charset="0"/>
+                </a:rPr>
+                <a:t>                           (6)</a:t>
+              </a:r>
+            </a:p>
+            <a:p>
+              <a:endParaRPr lang="tr-TR" sz="400" spc="-1" dirty="0">
+                <a:latin typeface="Lucida Sans" panose="020B0602030504020204" pitchFamily="34" charset="0"/>
+              </a:endParaRPr>
+            </a:p>
+            <a:p>
+              <a:r>
+                <a:rPr lang="tr-TR" sz="1000" spc="-1" dirty="0">
+                  <a:latin typeface="Lucida Sans" panose="020B0602030504020204" pitchFamily="34" charset="0"/>
+                </a:rPr>
+                <a:t>                                (7)</a:t>
+              </a:r>
+            </a:p>
+            <a:p>
+              <a:endParaRPr lang="en-US" sz="1000" b="0" strike="noStrike" spc="-1" dirty="0">
+                <a:latin typeface="Lucida Sans" panose="020B0602030504020204" pitchFamily="34" charset="0"/>
+              </a:endParaRPr>
+            </a:p>
+          </p:txBody>
+        </p:sp>
+        <p:grpSp>
+          <p:nvGrpSpPr>
+            <p:cNvPr id="11" name="Group 10">
+              <a:extLst>
+                <a:ext uri="{FF2B5EF4-FFF2-40B4-BE49-F238E27FC236}">
+                  <a16:creationId xmlns:a16="http://schemas.microsoft.com/office/drawing/2014/main" id="{C9E8B080-97F5-166F-EDD0-41CD956B0E9A}"/>
+                </a:ext>
+              </a:extLst>
+            </p:cNvPr>
+            <p:cNvGrpSpPr/>
+            <p:nvPr/>
+          </p:nvGrpSpPr>
+          <p:grpSpPr>
+            <a:xfrm>
+              <a:off x="575816" y="-49273"/>
+              <a:ext cx="6521702" cy="1345842"/>
+              <a:chOff x="575816" y="-49273"/>
+              <a:chExt cx="6521702" cy="1345842"/>
+            </a:xfrm>
+          </p:grpSpPr>
+          <p:graphicFrame>
+            <p:nvGraphicFramePr>
+              <p:cNvPr id="8" name="Table 1">
+                <a:extLst>
+                  <a:ext uri="{FF2B5EF4-FFF2-40B4-BE49-F238E27FC236}">
+                    <a16:creationId xmlns:a16="http://schemas.microsoft.com/office/drawing/2014/main" id="{5C0BA38C-3446-6422-C262-6304A92D946B}"/>
+                  </a:ext>
+                </a:extLst>
+              </p:cNvPr>
+              <p:cNvGraphicFramePr/>
+              <p:nvPr>
+                <p:extLst>
+                  <p:ext uri="{D42A27DB-BD31-4B8C-83A1-F6EECF244321}">
+                    <p14:modId xmlns:p14="http://schemas.microsoft.com/office/powerpoint/2010/main" val="2010191677"/>
+                  </p:ext>
+                </p:extLst>
+              </p:nvPr>
+            </p:nvGraphicFramePr>
+            <p:xfrm>
+              <a:off x="760418" y="229769"/>
+              <a:ext cx="5936078" cy="1066800"/>
+            </p:xfrm>
+            <a:graphic>
+              <a:graphicData uri="http://schemas.openxmlformats.org/drawingml/2006/table">
+                <a:tbl>
+                  <a:tblPr/>
+                  <a:tblGrid>
+                    <a:gridCol w="563760">
+                      <a:extLst>
+                        <a:ext uri="{9D8B030D-6E8A-4147-A177-3AD203B41FA5}">
+                          <a16:colId xmlns:a16="http://schemas.microsoft.com/office/drawing/2014/main" val="20000"/>
+                        </a:ext>
+                      </a:extLst>
+                    </a:gridCol>
+                    <a:gridCol w="835814">
+                      <a:extLst>
+                        <a:ext uri="{9D8B030D-6E8A-4147-A177-3AD203B41FA5}">
+                          <a16:colId xmlns:a16="http://schemas.microsoft.com/office/drawing/2014/main" val="20001"/>
+                        </a:ext>
+                      </a:extLst>
+                    </a:gridCol>
+                    <a:gridCol w="1224136">
+                      <a:extLst>
+                        <a:ext uri="{9D8B030D-6E8A-4147-A177-3AD203B41FA5}">
+                          <a16:colId xmlns:a16="http://schemas.microsoft.com/office/drawing/2014/main" val="1732260654"/>
+                        </a:ext>
+                      </a:extLst>
+                    </a:gridCol>
+                    <a:gridCol w="720080">
+                      <a:extLst>
+                        <a:ext uri="{9D8B030D-6E8A-4147-A177-3AD203B41FA5}">
+                          <a16:colId xmlns:a16="http://schemas.microsoft.com/office/drawing/2014/main" val="4033637158"/>
+                        </a:ext>
+                      </a:extLst>
+                    </a:gridCol>
+                    <a:gridCol w="651724">
+                      <a:extLst>
+                        <a:ext uri="{9D8B030D-6E8A-4147-A177-3AD203B41FA5}">
+                          <a16:colId xmlns:a16="http://schemas.microsoft.com/office/drawing/2014/main" val="1705362943"/>
+                        </a:ext>
+                      </a:extLst>
+                    </a:gridCol>
+                    <a:gridCol w="672399">
+                      <a:extLst>
+                        <a:ext uri="{9D8B030D-6E8A-4147-A177-3AD203B41FA5}">
+                          <a16:colId xmlns:a16="http://schemas.microsoft.com/office/drawing/2014/main" val="2668137148"/>
+                        </a:ext>
+                      </a:extLst>
+                    </a:gridCol>
+                    <a:gridCol w="689867">
+                      <a:extLst>
+                        <a:ext uri="{9D8B030D-6E8A-4147-A177-3AD203B41FA5}">
+                          <a16:colId xmlns:a16="http://schemas.microsoft.com/office/drawing/2014/main" val="3268386636"/>
+                        </a:ext>
+                      </a:extLst>
+                    </a:gridCol>
+                    <a:gridCol w="578298">
+                      <a:extLst>
+                        <a:ext uri="{9D8B030D-6E8A-4147-A177-3AD203B41FA5}">
+                          <a16:colId xmlns:a16="http://schemas.microsoft.com/office/drawing/2014/main" val="532468388"/>
+                        </a:ext>
+                      </a:extLst>
+                    </a:gridCol>
+                  </a:tblGrid>
+                  <a:tr h="234781">
+                    <a:tc>
+                      <a:txBody>
+                        <a:bodyPr/>
+                        <a:lstStyle/>
+                        <a:p>
+                          <a:pPr algn="ctr"/>
+                          <a:r>
+                            <a:rPr lang="tr-TR" sz="1600" b="0" strike="noStrike" spc="-1" baseline="0" dirty="0">
+                              <a:latin typeface="Lucida Sans" panose="020B0602030504020204" pitchFamily="34" charset="0"/>
+                            </a:rPr>
+                            <a:t>q</a:t>
+                          </a:r>
+                          <a:endParaRPr lang="en-US" sz="1600" b="0" strike="noStrike" spc="-1" baseline="0" dirty="0">
+                            <a:latin typeface="Lucida Sans" panose="020B0602030504020204" pitchFamily="34" charset="0"/>
+                          </a:endParaRPr>
+                        </a:p>
+                      </a:txBody>
+                      <a:tcPr marL="90000" marR="90000">
+                        <a:lnL w="720">
+                          <a:noFill/>
+                        </a:lnL>
+                        <a:lnR w="12700" cap="flat" cmpd="sng" algn="ctr">
+                          <a:solidFill>
+                            <a:schemeClr val="tx1"/>
+                          </a:solidFill>
+                          <a:prstDash val="solid"/>
+                          <a:round/>
+                          <a:headEnd type="none" w="med" len="med"/>
+                          <a:tailEnd type="none" w="med" len="med"/>
+                        </a:lnR>
+                        <a:lnT w="12700" cap="flat" cmpd="sng" algn="ctr">
+                          <a:noFill/>
+                          <a:prstDash val="solid"/>
+                          <a:round/>
+                          <a:headEnd type="none" w="med" len="med"/>
+                          <a:tailEnd type="none" w="med" len="med"/>
+                        </a:lnT>
+                        <a:lnB w="720">
+                          <a:noFill/>
+                        </a:lnB>
+                        <a:lnTlToBr w="12700" cmpd="sng">
+                          <a:noFill/>
+                          <a:prstDash val="solid"/>
+                        </a:lnTlToBr>
+                        <a:lnBlToTr w="12700" cmpd="sng">
+                          <a:noFill/>
+                          <a:prstDash val="solid"/>
+                        </a:lnBlToTr>
+                        <a:solidFill>
+                          <a:schemeClr val="bg1">
+                            <a:lumMod val="85000"/>
+                          </a:schemeClr>
+                        </a:solidFill>
+                      </a:tcPr>
+                    </a:tc>
+                    <a:tc>
+                      <a:txBody>
+                        <a:bodyPr/>
+                        <a:lstStyle/>
+                        <a:p>
+                          <a:pPr algn="ctr"/>
+                          <a:r>
+                            <a:rPr lang="tr-TR" sz="1600" b="0" strike="noStrike" spc="-1" dirty="0">
+                              <a:latin typeface="Lucida Sans" panose="020B0602030504020204" pitchFamily="34" charset="0"/>
+                            </a:rPr>
+                            <a:t>0</a:t>
+                          </a:r>
+                        </a:p>
+                        <a:p>
+                          <a:pPr algn="ctr"/>
+                          <a:r>
+                            <a:rPr lang="tr-TR" sz="1600" b="0" strike="noStrike" spc="-1" dirty="0">
+                              <a:latin typeface="Lucida Sans" panose="020B0602030504020204" pitchFamily="34" charset="0"/>
+                            </a:rPr>
+                            <a:t>0⋅1</a:t>
+                          </a:r>
+                          <a:endParaRPr lang="en-US" sz="1600" b="0" strike="noStrike" spc="-1" dirty="0">
+                            <a:latin typeface="Lucida Sans" panose="020B0602030504020204" pitchFamily="34" charset="0"/>
+                          </a:endParaRPr>
+                        </a:p>
+                      </a:txBody>
+                      <a:tcPr marL="90000" marR="90000">
+                        <a:lnL w="12700" cap="flat" cmpd="sng" algn="ctr">
+                          <a:solidFill>
+                            <a:schemeClr val="tx1"/>
+                          </a:solidFill>
+                          <a:prstDash val="solid"/>
+                          <a:round/>
+                          <a:headEnd type="none" w="med" len="med"/>
+                          <a:tailEnd type="none" w="med" len="med"/>
+                        </a:lnL>
+                        <a:lnR w="12700" cap="flat" cmpd="sng" algn="ctr">
+                          <a:solidFill>
+                            <a:schemeClr val="tx1"/>
+                          </a:solidFill>
+                          <a:prstDash val="solid"/>
+                          <a:round/>
+                          <a:headEnd type="none" w="med" len="med"/>
+                          <a:tailEnd type="none" w="med" len="med"/>
+                        </a:lnR>
+                        <a:lnT w="12700" cap="flat" cmpd="sng" algn="ctr">
+                          <a:noFill/>
+                          <a:prstDash val="solid"/>
+                          <a:round/>
+                          <a:headEnd type="none" w="med" len="med"/>
+                          <a:tailEnd type="none" w="med" len="med"/>
+                        </a:lnT>
+                        <a:lnB w="12700" cap="flat" cmpd="sng" algn="ctr">
+                          <a:noFill/>
+                          <a:prstDash val="solid"/>
+                          <a:round/>
+                          <a:headEnd type="none" w="med" len="med"/>
+                          <a:tailEnd type="none" w="med" len="med"/>
+                        </a:lnB>
+                        <a:lnTlToBr w="12700" cmpd="sng">
+                          <a:noFill/>
+                          <a:prstDash val="solid"/>
+                        </a:lnTlToBr>
+                        <a:lnBlToTr w="12700" cmpd="sng">
+                          <a:noFill/>
+                          <a:prstDash val="solid"/>
+                        </a:lnBlToTr>
+                        <a:solidFill>
+                          <a:schemeClr val="bg1">
+                            <a:lumMod val="85000"/>
+                          </a:schemeClr>
+                        </a:solidFill>
+                      </a:tcPr>
+                    </a:tc>
+                    <a:tc>
+                      <a:txBody>
+                        <a:bodyPr/>
+                        <a:lstStyle/>
+                        <a:p>
+                          <a:pPr algn="ctr"/>
+                          <a:r>
+                            <a:rPr lang="tr-TR" sz="1600" b="0" strike="noStrike" spc="-1" dirty="0">
+                              <a:latin typeface="Lucida Sans" panose="020B0602030504020204" pitchFamily="34" charset="0"/>
+                            </a:rPr>
+                            <a:t>0</a:t>
+                          </a:r>
+                        </a:p>
+                        <a:p>
+                          <a:pPr marL="0" marR="0" lvl="0" indent="0" algn="ctr" defTabSz="914400" rtl="0" eaLnBrk="1" fontAlgn="auto" latinLnBrk="0" hangingPunct="1">
+                            <a:lnSpc>
+                              <a:spcPct val="100000"/>
+                            </a:lnSpc>
+                            <a:spcBef>
+                              <a:spcPts val="0"/>
+                            </a:spcBef>
+                            <a:spcAft>
+                              <a:spcPts val="0"/>
+                            </a:spcAft>
+                            <a:buClrTx/>
+                            <a:buSzTx/>
+                            <a:buFontTx/>
+                            <a:buNone/>
+                            <a:tabLst/>
+                            <a:defRPr/>
+                          </a:pPr>
+                          <a:r>
+                            <a:rPr lang="tr-TR" sz="1600" b="0" strike="noStrike" spc="-1" dirty="0">
+                              <a:latin typeface="Lucida Sans" panose="020B0602030504020204" pitchFamily="34" charset="0"/>
+                            </a:rPr>
+                            <a:t>0⋅1</a:t>
+                          </a:r>
+                        </a:p>
+                        <a:p>
+                          <a:pPr marL="0" marR="0" lvl="0" indent="0" algn="ctr" defTabSz="914400" rtl="0" eaLnBrk="1" fontAlgn="auto" latinLnBrk="0" hangingPunct="1">
+                            <a:lnSpc>
+                              <a:spcPct val="100000"/>
+                            </a:lnSpc>
+                            <a:spcBef>
+                              <a:spcPts val="0"/>
+                            </a:spcBef>
+                            <a:spcAft>
+                              <a:spcPts val="0"/>
+                            </a:spcAft>
+                            <a:buClrTx/>
+                            <a:buSzTx/>
+                            <a:buFontTx/>
+                            <a:buNone/>
+                            <a:tabLst/>
+                            <a:defRPr/>
+                          </a:pPr>
+                          <a:r>
+                            <a:rPr lang="tr-TR" sz="1600" b="0" strike="noStrike" spc="-1" dirty="0">
+                              <a:latin typeface="Lucida Sans" panose="020B0602030504020204" pitchFamily="34" charset="0"/>
+                            </a:rPr>
+                            <a:t>1</a:t>
+                          </a:r>
+                          <a:endParaRPr lang="en-US" sz="1600" b="0" strike="noStrike" spc="-1" dirty="0">
+                            <a:latin typeface="Lucida Sans" panose="020B0602030504020204" pitchFamily="34" charset="0"/>
+                          </a:endParaRPr>
+                        </a:p>
+                      </a:txBody>
+                      <a:tcPr marL="90000" marR="90000">
+                        <a:lnL w="12700" cap="flat" cmpd="sng" algn="ctr">
+                          <a:solidFill>
+                            <a:schemeClr val="tx1"/>
+                          </a:solidFill>
+                          <a:prstDash val="solid"/>
+                          <a:round/>
+                          <a:headEnd type="none" w="med" len="med"/>
+                          <a:tailEnd type="none" w="med" len="med"/>
+                        </a:lnL>
+                        <a:lnR w="12700" cap="flat" cmpd="sng" algn="ctr">
+                          <a:solidFill>
+                            <a:schemeClr val="tx1"/>
+                          </a:solidFill>
+                          <a:prstDash val="solid"/>
+                          <a:round/>
+                          <a:headEnd type="none" w="med" len="med"/>
+                          <a:tailEnd type="none" w="med" len="med"/>
+                        </a:lnR>
+                        <a:lnT w="12700" cap="flat" cmpd="sng" algn="ctr">
+                          <a:noFill/>
+                          <a:prstDash val="solid"/>
+                          <a:round/>
+                          <a:headEnd type="none" w="med" len="med"/>
+                          <a:tailEnd type="none" w="med" len="med"/>
+                        </a:lnT>
+                        <a:lnB w="12700" cap="flat" cmpd="sng" algn="ctr">
+                          <a:noFill/>
+                          <a:prstDash val="solid"/>
+                          <a:round/>
+                          <a:headEnd type="none" w="med" len="med"/>
+                          <a:tailEnd type="none" w="med" len="med"/>
+                        </a:lnB>
+                        <a:lnTlToBr w="12700" cmpd="sng">
+                          <a:noFill/>
+                          <a:prstDash val="solid"/>
+                        </a:lnTlToBr>
+                        <a:lnBlToTr w="12700" cmpd="sng">
+                          <a:noFill/>
+                          <a:prstDash val="solid"/>
+                        </a:lnBlToTr>
+                        <a:solidFill>
+                          <a:schemeClr val="bg1">
+                            <a:lumMod val="85000"/>
+                          </a:schemeClr>
+                        </a:solidFill>
+                      </a:tcPr>
+                    </a:tc>
+                    <a:tc>
+                      <a:txBody>
+                        <a:bodyPr/>
+                        <a:lstStyle/>
+                        <a:p>
+                          <a:pPr algn="ctr"/>
+                          <a:r>
+                            <a:rPr lang="tr-TR" sz="1600" b="0" strike="noStrike" spc="-1" dirty="0">
+                              <a:latin typeface="Lucida Sans" panose="020B0602030504020204" pitchFamily="34" charset="0"/>
+                            </a:rPr>
+                            <a:t>0⋅1</a:t>
+                          </a:r>
+                        </a:p>
+                        <a:p>
+                          <a:pPr algn="ctr"/>
+                          <a:r>
+                            <a:rPr lang="tr-TR" sz="1600" b="0" strike="noStrike" spc="-1" dirty="0">
+                              <a:latin typeface="Lucida Sans" panose="020B0602030504020204" pitchFamily="34" charset="0"/>
+                            </a:rPr>
+                            <a:t>0⋅1⋅0</a:t>
+                          </a:r>
+                        </a:p>
+                        <a:p>
+                          <a:pPr algn="ctr"/>
+                          <a:r>
+                            <a:rPr lang="tr-TR" sz="1600" b="0" strike="noStrike" spc="-1" dirty="0">
+                              <a:latin typeface="Lucida Sans" panose="020B0602030504020204" pitchFamily="34" charset="0"/>
+                            </a:rPr>
+                            <a:t>1</a:t>
+                          </a:r>
+                        </a:p>
+                        <a:p>
+                          <a:pPr algn="ctr"/>
+                          <a:r>
+                            <a:rPr lang="tr-TR" sz="1600" b="0" strike="noStrike" spc="-1" dirty="0">
+                              <a:latin typeface="Lucida Sans" panose="020B0602030504020204" pitchFamily="34" charset="0"/>
+                            </a:rPr>
+                            <a:t>1⋅0</a:t>
+                          </a:r>
+                          <a:endParaRPr lang="en-US" sz="1600" b="0" strike="noStrike" spc="-1" dirty="0">
+                            <a:latin typeface="Lucida Sans" panose="020B0602030504020204" pitchFamily="34" charset="0"/>
+                          </a:endParaRPr>
+                        </a:p>
+                      </a:txBody>
+                      <a:tcPr marL="90000" marR="90000">
+                        <a:lnL w="12700" cap="flat" cmpd="sng" algn="ctr">
+                          <a:solidFill>
+                            <a:schemeClr val="tx1"/>
+                          </a:solidFill>
+                          <a:prstDash val="solid"/>
+                          <a:round/>
+                          <a:headEnd type="none" w="med" len="med"/>
+                          <a:tailEnd type="none" w="med" len="med"/>
+                        </a:lnL>
+                        <a:lnR w="12700" cap="flat" cmpd="sng" algn="ctr">
+                          <a:solidFill>
+                            <a:schemeClr val="tx1"/>
+                          </a:solidFill>
+                          <a:prstDash val="solid"/>
+                          <a:round/>
+                          <a:headEnd type="none" w="med" len="med"/>
+                          <a:tailEnd type="none" w="med" len="med"/>
+                        </a:lnR>
+                        <a:lnT w="12700" cap="flat" cmpd="sng" algn="ctr">
+                          <a:noFill/>
+                          <a:prstDash val="solid"/>
+                          <a:round/>
+                          <a:headEnd type="none" w="med" len="med"/>
+                          <a:tailEnd type="none" w="med" len="med"/>
+                        </a:lnT>
+                        <a:lnB w="12700" cap="flat" cmpd="sng" algn="ctr">
+                          <a:noFill/>
+                          <a:prstDash val="solid"/>
+                          <a:round/>
+                          <a:headEnd type="none" w="med" len="med"/>
+                          <a:tailEnd type="none" w="med" len="med"/>
+                        </a:lnB>
+                        <a:lnTlToBr w="12700" cmpd="sng">
+                          <a:noFill/>
+                          <a:prstDash val="solid"/>
+                        </a:lnTlToBr>
+                        <a:lnBlToTr w="12700" cmpd="sng">
+                          <a:noFill/>
+                          <a:prstDash val="solid"/>
+                        </a:lnBlToTr>
+                        <a:solidFill>
+                          <a:schemeClr val="bg1">
+                            <a:lumMod val="85000"/>
+                          </a:schemeClr>
+                        </a:solidFill>
+                      </a:tcPr>
+                    </a:tc>
+                    <a:tc>
+                      <a:txBody>
+                        <a:bodyPr/>
+                        <a:lstStyle/>
+                        <a:p>
+                          <a:pPr algn="ctr"/>
+                          <a:endParaRPr lang="en-US" sz="1600" b="0" strike="noStrike" spc="-1" dirty="0">
+                            <a:latin typeface="Lucida Sans" panose="020B0602030504020204" pitchFamily="34" charset="0"/>
+                          </a:endParaRPr>
+                        </a:p>
+                      </a:txBody>
+                      <a:tcPr marL="90000" marR="90000">
+                        <a:lnL w="12700" cap="flat" cmpd="sng" algn="ctr">
+                          <a:solidFill>
+                            <a:schemeClr val="tx1"/>
+                          </a:solidFill>
+                          <a:prstDash val="solid"/>
+                          <a:round/>
+                          <a:headEnd type="none" w="med" len="med"/>
+                          <a:tailEnd type="none" w="med" len="med"/>
+                        </a:lnL>
+                        <a:lnR w="720">
+                          <a:noFill/>
+                        </a:lnR>
+                        <a:lnT w="12700" cap="flat" cmpd="sng" algn="ctr">
+                          <a:noFill/>
+                          <a:prstDash val="solid"/>
+                          <a:round/>
+                          <a:headEnd type="none" w="med" len="med"/>
+                          <a:tailEnd type="none" w="med" len="med"/>
+                        </a:lnT>
+                        <a:lnB w="12700" cap="flat" cmpd="sng" algn="ctr">
+                          <a:noFill/>
+                          <a:prstDash val="solid"/>
+                          <a:round/>
+                          <a:headEnd type="none" w="med" len="med"/>
+                          <a:tailEnd type="none" w="med" len="med"/>
+                        </a:lnB>
+                        <a:lnTlToBr w="12700" cmpd="sng">
+                          <a:noFill/>
+                          <a:prstDash val="solid"/>
+                        </a:lnTlToBr>
+                        <a:lnBlToTr w="12700" cmpd="sng">
+                          <a:noFill/>
+                          <a:prstDash val="solid"/>
+                        </a:lnBlToTr>
+                        <a:solidFill>
+                          <a:schemeClr val="bg1">
+                            <a:lumMod val="85000"/>
+                          </a:schemeClr>
+                        </a:solidFill>
+                      </a:tcPr>
+                    </a:tc>
+                    <a:tc>
+                      <a:txBody>
+                        <a:bodyPr/>
+                        <a:lstStyle/>
+                        <a:p>
+                          <a:pPr marL="0" marR="0" lvl="0" indent="0" algn="ctr" defTabSz="914400" rtl="0" eaLnBrk="1" fontAlgn="auto" latinLnBrk="0" hangingPunct="1">
+                            <a:lnSpc>
+                              <a:spcPct val="100000"/>
+                            </a:lnSpc>
+                            <a:spcBef>
+                              <a:spcPts val="0"/>
+                            </a:spcBef>
+                            <a:spcAft>
+                              <a:spcPts val="0"/>
+                            </a:spcAft>
+                            <a:buClrTx/>
+                            <a:buSzTx/>
+                            <a:buFontTx/>
+                            <a:buNone/>
+                            <a:tabLst/>
+                            <a:defRPr/>
+                          </a:pPr>
+                          <a:r>
+                            <a:rPr lang="tr-TR" sz="1600" b="0" strike="noStrike" spc="-1" dirty="0">
+                              <a:latin typeface="Lucida Sans" panose="020B0602030504020204" pitchFamily="34" charset="0"/>
+                            </a:rPr>
+                            <a:t>1⋅0</a:t>
+                          </a:r>
+                        </a:p>
+                        <a:p>
+                          <a:pPr algn="ctr"/>
+                          <a:r>
+                            <a:rPr lang="tr-TR" sz="1600" b="0" strike="noStrike" spc="-1" dirty="0">
+                              <a:latin typeface="Lucida Sans" panose="020B0602030504020204" pitchFamily="34" charset="0"/>
+                            </a:rPr>
+                            <a:t>0</a:t>
+                          </a:r>
+                          <a:endParaRPr lang="en-US" sz="1600" b="0" strike="noStrike" spc="-1" dirty="0">
+                            <a:latin typeface="Lucida Sans" panose="020B0602030504020204" pitchFamily="34" charset="0"/>
+                          </a:endParaRPr>
+                        </a:p>
+                      </a:txBody>
+                      <a:tcPr marL="90000" marR="90000">
+                        <a:lnL w="12700" cmpd="sng">
+                          <a:noFill/>
+                          <a:prstDash val="solid"/>
+                        </a:lnL>
+                        <a:lnR w="720">
+                          <a:noFill/>
+                        </a:lnR>
+                        <a:lnT w="12700" cap="flat" cmpd="sng" algn="ctr">
+                          <a:noFill/>
+                          <a:prstDash val="solid"/>
+                          <a:round/>
+                          <a:headEnd type="none" w="med" len="med"/>
+                          <a:tailEnd type="none" w="med" len="med"/>
+                        </a:lnT>
+                        <a:lnB w="12700" cap="flat" cmpd="sng" algn="ctr">
+                          <a:noFill/>
+                          <a:prstDash val="solid"/>
+                          <a:round/>
+                          <a:headEnd type="none" w="med" len="med"/>
+                          <a:tailEnd type="none" w="med" len="med"/>
+                        </a:lnB>
+                        <a:lnTlToBr w="12700" cmpd="sng">
+                          <a:noFill/>
+                          <a:prstDash val="solid"/>
+                        </a:lnTlToBr>
+                        <a:lnBlToTr w="12700" cmpd="sng">
+                          <a:noFill/>
+                          <a:prstDash val="solid"/>
+                        </a:lnBlToTr>
+                        <a:solidFill>
+                          <a:schemeClr val="bg1">
+                            <a:lumMod val="85000"/>
+                          </a:schemeClr>
+                        </a:solidFill>
+                      </a:tcPr>
+                    </a:tc>
+                    <a:tc>
+                      <a:txBody>
+                        <a:bodyPr/>
+                        <a:lstStyle/>
+                        <a:p>
+                          <a:pPr algn="ctr"/>
+                          <a:endParaRPr lang="en-US" sz="1600" b="0" strike="noStrike" spc="-1" dirty="0">
+                            <a:latin typeface="Lucida Sans" panose="020B0602030504020204" pitchFamily="34" charset="0"/>
+                          </a:endParaRPr>
+                        </a:p>
+                      </a:txBody>
+                      <a:tcPr marL="90000" marR="90000">
+                        <a:lnL w="12700" cmpd="sng">
+                          <a:noFill/>
+                          <a:prstDash val="solid"/>
+                        </a:lnL>
+                        <a:lnR w="12700" cap="flat" cmpd="sng" algn="ctr">
+                          <a:solidFill>
+                            <a:schemeClr val="tx1"/>
+                          </a:solidFill>
+                          <a:prstDash val="solid"/>
+                          <a:round/>
+                          <a:headEnd type="none" w="med" len="med"/>
+                          <a:tailEnd type="none" w="med" len="med"/>
+                        </a:lnR>
+                        <a:lnT w="12700" cap="flat" cmpd="sng" algn="ctr">
+                          <a:noFill/>
+                          <a:prstDash val="solid"/>
+                          <a:round/>
+                          <a:headEnd type="none" w="med" len="med"/>
+                          <a:tailEnd type="none" w="med" len="med"/>
+                        </a:lnT>
+                        <a:lnB w="12700" cap="flat" cmpd="sng" algn="ctr">
+                          <a:noFill/>
+                          <a:prstDash val="solid"/>
+                          <a:round/>
+                          <a:headEnd type="none" w="med" len="med"/>
+                          <a:tailEnd type="none" w="med" len="med"/>
+                        </a:lnB>
+                        <a:lnTlToBr w="12700" cmpd="sng">
+                          <a:noFill/>
+                          <a:prstDash val="solid"/>
+                        </a:lnTlToBr>
+                        <a:lnBlToTr w="12700" cmpd="sng">
+                          <a:noFill/>
+                          <a:prstDash val="solid"/>
+                        </a:lnBlToTr>
+                        <a:solidFill>
+                          <a:schemeClr val="bg1">
+                            <a:lumMod val="85000"/>
+                          </a:schemeClr>
+                        </a:solidFill>
+                      </a:tcPr>
+                    </a:tc>
+                    <a:tc>
+                      <a:txBody>
+                        <a:bodyPr/>
+                        <a:lstStyle/>
+                        <a:p>
+                          <a:pPr algn="ctr"/>
+                          <a:r>
+                            <a:rPr lang="tr-TR" sz="1600" b="0" strike="noStrike" spc="-1" dirty="0">
+                              <a:latin typeface="Lucida Sans" panose="020B0602030504020204" pitchFamily="34" charset="0"/>
+                            </a:rPr>
+                            <a:t>0</a:t>
+                          </a:r>
+                          <a:endParaRPr lang="en-US" sz="1600" b="0" strike="noStrike" spc="-1" dirty="0">
+                            <a:latin typeface="Lucida Sans" panose="020B0602030504020204" pitchFamily="34" charset="0"/>
+                          </a:endParaRPr>
+                        </a:p>
+                      </a:txBody>
+                      <a:tcPr marL="90000" marR="90000">
+                        <a:lnL w="12700" cap="flat" cmpd="sng" algn="ctr">
+                          <a:solidFill>
+                            <a:schemeClr val="tx1"/>
+                          </a:solidFill>
+                          <a:prstDash val="solid"/>
+                          <a:round/>
+                          <a:headEnd type="none" w="med" len="med"/>
+                          <a:tailEnd type="none" w="med" len="med"/>
+                        </a:lnL>
+                        <a:lnR w="720">
+                          <a:noFill/>
+                        </a:lnR>
+                        <a:lnT w="12700" cap="flat" cmpd="sng" algn="ctr">
+                          <a:noFill/>
+                          <a:prstDash val="solid"/>
+                          <a:round/>
+                          <a:headEnd type="none" w="med" len="med"/>
+                          <a:tailEnd type="none" w="med" len="med"/>
+                        </a:lnT>
+                        <a:lnB w="720">
+                          <a:noFill/>
+                        </a:lnB>
+                        <a:lnTlToBr w="12700" cmpd="sng">
+                          <a:noFill/>
+                          <a:prstDash val="solid"/>
+                        </a:lnTlToBr>
+                        <a:lnBlToTr w="12700" cmpd="sng">
+                          <a:noFill/>
+                          <a:prstDash val="solid"/>
+                        </a:lnBlToTr>
+                        <a:solidFill>
+                          <a:schemeClr val="bg1">
+                            <a:lumMod val="85000"/>
+                          </a:schemeClr>
+                        </a:solidFill>
+                      </a:tcPr>
+                    </a:tc>
+                    <a:extLst>
+                      <a:ext uri="{0D108BD9-81ED-4DB2-BD59-A6C34878D82A}">
+                        <a16:rowId xmlns:a16="http://schemas.microsoft.com/office/drawing/2014/main" val="10001"/>
+                      </a:ext>
+                    </a:extLst>
+                  </a:tr>
+                </a:tbl>
+              </a:graphicData>
+            </a:graphic>
+          </p:graphicFrame>
+          <p:sp>
+            <p:nvSpPr>
+              <p:cNvPr id="4" name="TextShape 3">
+                <a:extLst>
+                  <a:ext uri="{FF2B5EF4-FFF2-40B4-BE49-F238E27FC236}">
+                    <a16:creationId xmlns:a16="http://schemas.microsoft.com/office/drawing/2014/main" id="{5EA14E3F-ACB7-EBCA-B87C-AD9097480FFC}"/>
+                  </a:ext>
+                </a:extLst>
+              </p:cNvPr>
+              <p:cNvSpPr txBox="1"/>
+              <p:nvPr/>
+            </p:nvSpPr>
+            <p:spPr>
+              <a:xfrm>
+                <a:off x="575816" y="-49273"/>
+                <a:ext cx="6521702" cy="229769"/>
+              </a:xfrm>
+              <a:prstGeom prst="rect">
+                <a:avLst/>
+              </a:prstGeom>
+              <a:noFill/>
+              <a:ln>
+                <a:noFill/>
+              </a:ln>
+            </p:spPr>
+            <p:txBody>
+              <a:bodyPr lIns="90000" tIns="45000" rIns="90000" bIns="45000"/>
+              <a:lstStyle/>
+              <a:p>
+                <a:r>
+                  <a:rPr lang="tr-TR" sz="1400" b="0" strike="noStrike" spc="-1" dirty="0">
+                    <a:latin typeface="Lucida Sans" panose="020B0602030504020204" pitchFamily="34" charset="0"/>
+                  </a:rPr>
+                  <a:t>           0             1                    3           4                                  7         8</a:t>
+                </a:r>
+                <a:endParaRPr lang="en-US" sz="1400" b="0" strike="noStrike" spc="-1" dirty="0">
+                  <a:latin typeface="Lucida Sans" panose="020B0602030504020204" pitchFamily="34" charset="0"/>
+                </a:endParaRPr>
+              </a:p>
+            </p:txBody>
+          </p:sp>
+        </p:grpSp>
+        <p:cxnSp>
+          <p:nvCxnSpPr>
+            <p:cNvPr id="27" name="Straight Connector 26">
+              <a:extLst>
+                <a:ext uri="{FF2B5EF4-FFF2-40B4-BE49-F238E27FC236}">
+                  <a16:creationId xmlns:a16="http://schemas.microsoft.com/office/drawing/2014/main" id="{8116C41E-AA79-B79B-5202-13333F873112}"/>
+                </a:ext>
+              </a:extLst>
+            </p:cNvPr>
+            <p:cNvCxnSpPr>
+              <a:cxnSpLocks/>
+            </p:cNvCxnSpPr>
+            <p:nvPr/>
+          </p:nvCxnSpPr>
+          <p:spPr>
+            <a:xfrm>
+              <a:off x="2159992" y="1539131"/>
+              <a:ext cx="1080120" cy="0"/>
+            </a:xfrm>
+            <a:prstGeom prst="line">
+              <a:avLst/>
+            </a:prstGeom>
+            <a:ln w="38100">
+              <a:solidFill>
+                <a:schemeClr val="tx1">
+                  <a:lumMod val="95000"/>
+                  <a:lumOff val="5000"/>
+                </a:schemeClr>
+              </a:solidFill>
+            </a:ln>
+          </p:spPr>
+          <p:style>
+            <a:lnRef idx="1">
+              <a:schemeClr val="accent1"/>
+            </a:lnRef>
+            <a:fillRef idx="0">
+              <a:schemeClr val="accent1"/>
+            </a:fillRef>
+            <a:effectRef idx="0">
+              <a:schemeClr val="accent1"/>
+            </a:effectRef>
+            <a:fontRef idx="minor">
+              <a:schemeClr val="tx1"/>
+            </a:fontRef>
+          </p:style>
+        </p:cxnSp>
+        <p:cxnSp>
+          <p:nvCxnSpPr>
+            <p:cNvPr id="28" name="Straight Connector 27">
+              <a:extLst>
+                <a:ext uri="{FF2B5EF4-FFF2-40B4-BE49-F238E27FC236}">
+                  <a16:creationId xmlns:a16="http://schemas.microsoft.com/office/drawing/2014/main" id="{1E0B86CF-5061-34DD-CCFC-1AFBB0DE8B5D}"/>
+                </a:ext>
+              </a:extLst>
+            </p:cNvPr>
+            <p:cNvCxnSpPr>
+              <a:cxnSpLocks/>
+            </p:cNvCxnSpPr>
+            <p:nvPr/>
+          </p:nvCxnSpPr>
+          <p:spPr>
+            <a:xfrm>
+              <a:off x="2304008" y="1971179"/>
+              <a:ext cx="1080120" cy="0"/>
+            </a:xfrm>
+            <a:prstGeom prst="line">
+              <a:avLst/>
+            </a:prstGeom>
+            <a:ln w="38100">
+              <a:solidFill>
+                <a:schemeClr val="tx1">
+                  <a:lumMod val="95000"/>
+                  <a:lumOff val="5000"/>
+                </a:schemeClr>
+              </a:solidFill>
+            </a:ln>
+          </p:spPr>
+          <p:style>
+            <a:lnRef idx="1">
+              <a:schemeClr val="accent1"/>
+            </a:lnRef>
+            <a:fillRef idx="0">
+              <a:schemeClr val="accent1"/>
+            </a:fillRef>
+            <a:effectRef idx="0">
+              <a:schemeClr val="accent1"/>
+            </a:effectRef>
+            <a:fontRef idx="minor">
+              <a:schemeClr val="tx1"/>
+            </a:fontRef>
+          </p:style>
+        </p:cxnSp>
+        <p:cxnSp>
+          <p:nvCxnSpPr>
+            <p:cNvPr id="30" name="Straight Connector 29">
+              <a:extLst>
+                <a:ext uri="{FF2B5EF4-FFF2-40B4-BE49-F238E27FC236}">
+                  <a16:creationId xmlns:a16="http://schemas.microsoft.com/office/drawing/2014/main" id="{7062AAF6-C228-EEE5-A0BB-4DFD8CA21645}"/>
+                </a:ext>
+              </a:extLst>
+            </p:cNvPr>
+            <p:cNvCxnSpPr>
+              <a:cxnSpLocks/>
+            </p:cNvCxnSpPr>
+            <p:nvPr/>
+          </p:nvCxnSpPr>
+          <p:spPr>
+            <a:xfrm>
+              <a:off x="2774627" y="2187203"/>
+              <a:ext cx="1080120" cy="0"/>
+            </a:xfrm>
+            <a:prstGeom prst="line">
+              <a:avLst/>
+            </a:prstGeom>
+            <a:ln w="38100">
+              <a:solidFill>
+                <a:schemeClr val="tx1">
+                  <a:lumMod val="95000"/>
+                  <a:lumOff val="5000"/>
+                </a:schemeClr>
+              </a:solidFill>
+            </a:ln>
+          </p:spPr>
+          <p:style>
+            <a:lnRef idx="1">
+              <a:schemeClr val="accent1"/>
+            </a:lnRef>
+            <a:fillRef idx="0">
+              <a:schemeClr val="accent1"/>
+            </a:fillRef>
+            <a:effectRef idx="0">
+              <a:schemeClr val="accent1"/>
+            </a:effectRef>
+            <a:fontRef idx="minor">
+              <a:schemeClr val="tx1"/>
+            </a:fontRef>
+          </p:style>
+        </p:cxnSp>
+        <p:cxnSp>
+          <p:nvCxnSpPr>
+            <p:cNvPr id="31" name="Straight Connector 30">
+              <a:extLst>
+                <a:ext uri="{FF2B5EF4-FFF2-40B4-BE49-F238E27FC236}">
+                  <a16:creationId xmlns:a16="http://schemas.microsoft.com/office/drawing/2014/main" id="{5FC83D20-A4B8-6379-B86D-480E7BD8C51F}"/>
+                </a:ext>
+              </a:extLst>
+            </p:cNvPr>
+            <p:cNvCxnSpPr>
+              <a:cxnSpLocks/>
+            </p:cNvCxnSpPr>
+            <p:nvPr/>
+          </p:nvCxnSpPr>
+          <p:spPr>
+            <a:xfrm>
+              <a:off x="3019846" y="2403227"/>
+              <a:ext cx="1080120" cy="0"/>
+            </a:xfrm>
+            <a:prstGeom prst="line">
+              <a:avLst/>
+            </a:prstGeom>
+            <a:ln w="38100">
+              <a:solidFill>
+                <a:schemeClr val="tx1">
+                  <a:lumMod val="95000"/>
+                  <a:lumOff val="5000"/>
+                </a:schemeClr>
+              </a:solidFill>
+            </a:ln>
+          </p:spPr>
+          <p:style>
+            <a:lnRef idx="1">
+              <a:schemeClr val="accent1"/>
+            </a:lnRef>
+            <a:fillRef idx="0">
+              <a:schemeClr val="accent1"/>
+            </a:fillRef>
+            <a:effectRef idx="0">
+              <a:schemeClr val="accent1"/>
+            </a:effectRef>
+            <a:fontRef idx="minor">
+              <a:schemeClr val="tx1"/>
+            </a:fontRef>
+          </p:style>
+        </p:cxnSp>
+        <p:cxnSp>
+          <p:nvCxnSpPr>
+            <p:cNvPr id="32" name="Straight Connector 31">
+              <a:extLst>
+                <a:ext uri="{FF2B5EF4-FFF2-40B4-BE49-F238E27FC236}">
+                  <a16:creationId xmlns:a16="http://schemas.microsoft.com/office/drawing/2014/main" id="{EEBB07FA-0C9E-3AFD-BF9B-879680DA0AF8}"/>
+                </a:ext>
+              </a:extLst>
+            </p:cNvPr>
+            <p:cNvCxnSpPr>
+              <a:cxnSpLocks/>
+            </p:cNvCxnSpPr>
+            <p:nvPr/>
+          </p:nvCxnSpPr>
+          <p:spPr>
+            <a:xfrm>
+              <a:off x="3168104" y="2619251"/>
+              <a:ext cx="1080120" cy="0"/>
+            </a:xfrm>
+            <a:prstGeom prst="line">
+              <a:avLst/>
+            </a:prstGeom>
+            <a:ln w="38100">
+              <a:solidFill>
+                <a:schemeClr val="tx1">
+                  <a:lumMod val="95000"/>
+                  <a:lumOff val="5000"/>
+                </a:schemeClr>
+              </a:solidFill>
+            </a:ln>
+          </p:spPr>
+          <p:style>
+            <a:lnRef idx="1">
+              <a:schemeClr val="accent1"/>
+            </a:lnRef>
+            <a:fillRef idx="0">
+              <a:schemeClr val="accent1"/>
+            </a:fillRef>
+            <a:effectRef idx="0">
+              <a:schemeClr val="accent1"/>
+            </a:effectRef>
+            <a:fontRef idx="minor">
+              <a:schemeClr val="tx1"/>
+            </a:fontRef>
+          </p:style>
+        </p:cxnSp>
+        <p:cxnSp>
+          <p:nvCxnSpPr>
+            <p:cNvPr id="33" name="Straight Connector 32">
+              <a:extLst>
+                <a:ext uri="{FF2B5EF4-FFF2-40B4-BE49-F238E27FC236}">
+                  <a16:creationId xmlns:a16="http://schemas.microsoft.com/office/drawing/2014/main" id="{E2856989-CC0A-8F85-8056-CFB76ED5BCCD}"/>
+                </a:ext>
+              </a:extLst>
+            </p:cNvPr>
+            <p:cNvCxnSpPr>
+              <a:cxnSpLocks/>
+            </p:cNvCxnSpPr>
+            <p:nvPr/>
+          </p:nvCxnSpPr>
+          <p:spPr>
+            <a:xfrm>
+              <a:off x="3384128" y="2835275"/>
+              <a:ext cx="1080120" cy="0"/>
+            </a:xfrm>
+            <a:prstGeom prst="line">
+              <a:avLst/>
+            </a:prstGeom>
+            <a:ln w="38100">
+              <a:solidFill>
+                <a:schemeClr val="tx1">
+                  <a:lumMod val="95000"/>
+                  <a:lumOff val="5000"/>
+                </a:schemeClr>
+              </a:solidFill>
+            </a:ln>
+          </p:spPr>
+          <p:style>
+            <a:lnRef idx="1">
+              <a:schemeClr val="accent1"/>
+            </a:lnRef>
+            <a:fillRef idx="0">
+              <a:schemeClr val="accent1"/>
+            </a:fillRef>
+            <a:effectRef idx="0">
+              <a:schemeClr val="accent1"/>
+            </a:effectRef>
+            <a:fontRef idx="minor">
+              <a:schemeClr val="tx1"/>
+            </a:fontRef>
+          </p:style>
+        </p:cxnSp>
+        <p:cxnSp>
+          <p:nvCxnSpPr>
+            <p:cNvPr id="38" name="Straight Connector 37">
+              <a:extLst>
+                <a:ext uri="{FF2B5EF4-FFF2-40B4-BE49-F238E27FC236}">
+                  <a16:creationId xmlns:a16="http://schemas.microsoft.com/office/drawing/2014/main" id="{C9418017-E7D7-11A2-574D-3EA5282ADC7A}"/>
+                </a:ext>
+              </a:extLst>
+            </p:cNvPr>
+            <p:cNvCxnSpPr>
+              <a:cxnSpLocks/>
+            </p:cNvCxnSpPr>
+            <p:nvPr/>
+          </p:nvCxnSpPr>
+          <p:spPr>
+            <a:xfrm>
+              <a:off x="3384128" y="1296569"/>
+              <a:ext cx="0" cy="1682722"/>
+            </a:xfrm>
+            <a:prstGeom prst="line">
+              <a:avLst/>
+            </a:prstGeom>
+            <a:ln w="19050">
+              <a:solidFill>
+                <a:schemeClr val="bg1">
+                  <a:lumMod val="75000"/>
+                </a:schemeClr>
+              </a:solidFill>
+              <a:prstDash val="sysDot"/>
+            </a:ln>
+          </p:spPr>
+          <p:style>
+            <a:lnRef idx="1">
+              <a:schemeClr val="accent1"/>
+            </a:lnRef>
+            <a:fillRef idx="0">
+              <a:schemeClr val="accent1"/>
+            </a:fillRef>
+            <a:effectRef idx="0">
+              <a:schemeClr val="accent1"/>
+            </a:effectRef>
+            <a:fontRef idx="minor">
+              <a:schemeClr val="tx1"/>
+            </a:fontRef>
+          </p:style>
+        </p:cxnSp>
+        <p:cxnSp>
+          <p:nvCxnSpPr>
+            <p:cNvPr id="39" name="Straight Connector 38">
+              <a:extLst>
+                <a:ext uri="{FF2B5EF4-FFF2-40B4-BE49-F238E27FC236}">
+                  <a16:creationId xmlns:a16="http://schemas.microsoft.com/office/drawing/2014/main" id="{F07E6E3D-F6E9-8068-39B3-D4C123059170}"/>
+                </a:ext>
+              </a:extLst>
+            </p:cNvPr>
+            <p:cNvCxnSpPr>
+              <a:cxnSpLocks/>
+            </p:cNvCxnSpPr>
+            <p:nvPr/>
+          </p:nvCxnSpPr>
+          <p:spPr>
+            <a:xfrm>
+              <a:off x="4099966" y="1296569"/>
+              <a:ext cx="0" cy="1682722"/>
+            </a:xfrm>
+            <a:prstGeom prst="line">
+              <a:avLst/>
+            </a:prstGeom>
+            <a:ln w="19050">
+              <a:solidFill>
+                <a:schemeClr val="bg1">
+                  <a:lumMod val="75000"/>
+                </a:schemeClr>
+              </a:solidFill>
+              <a:prstDash val="sysDot"/>
+            </a:ln>
+          </p:spPr>
+          <p:style>
+            <a:lnRef idx="1">
+              <a:schemeClr val="accent1"/>
+            </a:lnRef>
+            <a:fillRef idx="0">
+              <a:schemeClr val="accent1"/>
+            </a:fillRef>
+            <a:effectRef idx="0">
+              <a:schemeClr val="accent1"/>
+            </a:effectRef>
+            <a:fontRef idx="minor">
+              <a:schemeClr val="tx1"/>
+            </a:fontRef>
+          </p:style>
+        </p:cxnSp>
+        <p:cxnSp>
+          <p:nvCxnSpPr>
+            <p:cNvPr id="49" name="Straight Connector 48">
+              <a:extLst>
+                <a:ext uri="{FF2B5EF4-FFF2-40B4-BE49-F238E27FC236}">
+                  <a16:creationId xmlns:a16="http://schemas.microsoft.com/office/drawing/2014/main" id="{596AE9A3-39E4-068E-0ED7-FA9582B6628B}"/>
+                </a:ext>
+              </a:extLst>
+            </p:cNvPr>
+            <p:cNvCxnSpPr>
+              <a:cxnSpLocks/>
+            </p:cNvCxnSpPr>
+            <p:nvPr/>
+          </p:nvCxnSpPr>
+          <p:spPr>
+            <a:xfrm>
+              <a:off x="2166627" y="1296569"/>
+              <a:ext cx="0" cy="1610714"/>
+            </a:xfrm>
+            <a:prstGeom prst="line">
+              <a:avLst/>
+            </a:prstGeom>
+            <a:ln w="19050">
+              <a:solidFill>
+                <a:schemeClr val="bg1">
+                  <a:lumMod val="75000"/>
+                </a:schemeClr>
+              </a:solidFill>
+              <a:prstDash val="sysDot"/>
+            </a:ln>
+          </p:spPr>
+          <p:style>
+            <a:lnRef idx="1">
+              <a:schemeClr val="accent1"/>
+            </a:lnRef>
+            <a:fillRef idx="0">
+              <a:schemeClr val="accent1"/>
+            </a:fillRef>
+            <a:effectRef idx="0">
+              <a:schemeClr val="accent1"/>
+            </a:effectRef>
+            <a:fontRef idx="minor">
+              <a:schemeClr val="tx1"/>
+            </a:fontRef>
+          </p:style>
+        </p:cxnSp>
+        <p:cxnSp>
+          <p:nvCxnSpPr>
+            <p:cNvPr id="50" name="Straight Connector 49">
+              <a:extLst>
+                <a:ext uri="{FF2B5EF4-FFF2-40B4-BE49-F238E27FC236}">
+                  <a16:creationId xmlns:a16="http://schemas.microsoft.com/office/drawing/2014/main" id="{FCCEC75D-C167-61F1-C55E-7222DE2C9708}"/>
+                </a:ext>
+              </a:extLst>
+            </p:cNvPr>
+            <p:cNvCxnSpPr>
+              <a:cxnSpLocks/>
+            </p:cNvCxnSpPr>
+            <p:nvPr/>
+          </p:nvCxnSpPr>
+          <p:spPr>
+            <a:xfrm>
+              <a:off x="2232000" y="1755155"/>
+              <a:ext cx="1080120" cy="0"/>
+            </a:xfrm>
+            <a:prstGeom prst="line">
+              <a:avLst/>
+            </a:prstGeom>
+            <a:ln w="38100">
+              <a:solidFill>
+                <a:schemeClr val="tx1">
+                  <a:lumMod val="95000"/>
+                  <a:lumOff val="5000"/>
+                </a:schemeClr>
+              </a:solidFill>
+            </a:ln>
+          </p:spPr>
+          <p:style>
+            <a:lnRef idx="1">
+              <a:schemeClr val="accent1"/>
+            </a:lnRef>
+            <a:fillRef idx="0">
+              <a:schemeClr val="accent1"/>
+            </a:fillRef>
+            <a:effectRef idx="0">
+              <a:schemeClr val="accent1"/>
+            </a:effectRef>
+            <a:fontRef idx="minor">
+              <a:schemeClr val="tx1"/>
+            </a:fontRef>
+          </p:style>
+        </p:cxnSp>
+      </p:grpSp>
+    </p:spTree>
+    <p:extLst>
+      <p:ext uri="{BB962C8B-B14F-4D97-AF65-F5344CB8AC3E}">
+        <p14:creationId xmlns:p14="http://schemas.microsoft.com/office/powerpoint/2010/main" val="2353806147"/>
+      </p:ext>
+    </p:extLst>
+  </p:cSld>
+  <p:clrMapOvr>
+    <a:masterClrMapping/>
+  </p:clrMapOvr>
+  <p:timing>
+    <p:tnLst>
+      <p:par>
+        <p:cTn id="1" dur="indefinite" restart="never" nodeType="tmRoot">
+          <p:childTnLst>
+            <p:seq>
+              <p:cTn id="2" dur="indefinite" nodeType="mainSeq"/>
+              <p:prevCondLst>
+                <p:cond evt="onPrev" delay="0">
+                  <p:tgtEl>
+                    <p:sldTgt/>
+                  </p:tgtEl>
+                </p:cond>
+              </p:prevCondLst>
+              <p:nextCondLst>
+                <p:cond evt="onNext" delay="0">
+                  <p:tgtEl>
+                    <p:sldTgt/>
+                  </p:tgtEl>
+                </p:cond>
+              </p:nextCondLst>
+            </p:seq>
+          </p:childTnLst>
+        </p:cTn>
+      </p:par>
+    </p:tnLst>
+  </p:timing>
+</p:sld>
+</file>
+
+<file path=ppt/slides/slide4.xml><?xml version="1.0" encoding="utf-8"?>
 <p:sld xmlns:a="http://schemas.openxmlformats.org/drawingml/2006/main" xmlns:r="http://schemas.openxmlformats.org/officeDocument/2006/relationships" xmlns:p="http://schemas.openxmlformats.org/presentationml/2006/main">
   <p:cSld>
     <p:spTree>
